--- a/Bem_Vindos.pptx
+++ b/Bem_Vindos.pptx
@@ -1,23 +1,118 @@
 
 <file path=ppt/presentation.xml><?xml version="1.0" encoding="utf-8"?>
-<p:presentation xmlns:a="http://schemas.openxmlformats.org/drawingml/2006/main" xmlns:p="http://schemas.openxmlformats.org/presentationml/2006/main" xmlns:r="http://schemas.openxmlformats.org/officeDocument/2006/relationships" xmlns:p14="http://schemas.microsoft.com/office/powerpoint/2010/main" xmlns:p15="http://schemas.microsoft.com/office/powerpoint/2012/main" xmlns:mc="http://schemas.openxmlformats.org/markup-compatibility/2006">
+<p:presentation xmlns:a="http://schemas.openxmlformats.org/drawingml/2006/main" xmlns:r="http://schemas.openxmlformats.org/officeDocument/2006/relationships" xmlns:p="http://schemas.openxmlformats.org/presentationml/2006/main">
   <p:sldMasterIdLst>
-    <p:sldMasterId id="2147483648" r:id="rId2"/>
+    <p:sldMasterId id="2147483648" r:id="rId1"/>
     <p:sldMasterId id="2147483661" r:id="rId3"/>
   </p:sldMasterIdLst>
   <p:sldIdLst>
     <p:sldId id="256" r:id="rId4"/>
     <p:sldId id="257" r:id="rId5"/>
     <p:sldId id="258" r:id="rId6"/>
-    <p:sldId id="259" r:id="rId7"/>
+    <p:sldId id="261" r:id="rId7"/>
+    <p:sldId id="262" r:id="rId8"/>
+    <p:sldId id="259" r:id="rId9"/>
+    <p:sldId id="260" r:id="rId10"/>
   </p:sldIdLst>
   <p:sldSz cx="12192000" cy="6858000"/>
-  <p:notesSz cx="7559675" cy="10691813"/>
+  <p:notesSz cx="7559675" cy="10691495"/>
+  <p:defaultTextStyle>
+    <a:lvl1pPr marL="0" algn="l" defTabSz="914400" rtl="0" eaLnBrk="1" latinLnBrk="0" hangingPunct="1">
+      <a:defRPr sz="1800" kern="1200">
+        <a:solidFill>
+          <a:schemeClr val="tx1"/>
+        </a:solidFill>
+        <a:latin typeface="+mn-lt"/>
+        <a:ea typeface="+mn-ea"/>
+        <a:cs typeface="+mn-cs"/>
+      </a:defRPr>
+    </a:lvl1pPr>
+    <a:lvl2pPr marL="457200" algn="l" defTabSz="914400" rtl="0" eaLnBrk="1" latinLnBrk="0" hangingPunct="1">
+      <a:defRPr sz="1800" kern="1200">
+        <a:solidFill>
+          <a:schemeClr val="tx1"/>
+        </a:solidFill>
+        <a:latin typeface="+mn-lt"/>
+        <a:ea typeface="+mn-ea"/>
+        <a:cs typeface="+mn-cs"/>
+      </a:defRPr>
+    </a:lvl2pPr>
+    <a:lvl3pPr marL="914400" algn="l" defTabSz="914400" rtl="0" eaLnBrk="1" latinLnBrk="0" hangingPunct="1">
+      <a:defRPr sz="1800" kern="1200">
+        <a:solidFill>
+          <a:schemeClr val="tx1"/>
+        </a:solidFill>
+        <a:latin typeface="+mn-lt"/>
+        <a:ea typeface="+mn-ea"/>
+        <a:cs typeface="+mn-cs"/>
+      </a:defRPr>
+    </a:lvl3pPr>
+    <a:lvl4pPr marL="1371600" algn="l" defTabSz="914400" rtl="0" eaLnBrk="1" latinLnBrk="0" hangingPunct="1">
+      <a:defRPr sz="1800" kern="1200">
+        <a:solidFill>
+          <a:schemeClr val="tx1"/>
+        </a:solidFill>
+        <a:latin typeface="+mn-lt"/>
+        <a:ea typeface="+mn-ea"/>
+        <a:cs typeface="+mn-cs"/>
+      </a:defRPr>
+    </a:lvl4pPr>
+    <a:lvl5pPr marL="1828800" algn="l" defTabSz="914400" rtl="0" eaLnBrk="1" latinLnBrk="0" hangingPunct="1">
+      <a:defRPr sz="1800" kern="1200">
+        <a:solidFill>
+          <a:schemeClr val="tx1"/>
+        </a:solidFill>
+        <a:latin typeface="+mn-lt"/>
+        <a:ea typeface="+mn-ea"/>
+        <a:cs typeface="+mn-cs"/>
+      </a:defRPr>
+    </a:lvl5pPr>
+    <a:lvl6pPr marL="2286000" algn="l" defTabSz="914400" rtl="0" eaLnBrk="1" latinLnBrk="0" hangingPunct="1">
+      <a:defRPr sz="1800" kern="1200">
+        <a:solidFill>
+          <a:schemeClr val="tx1"/>
+        </a:solidFill>
+        <a:latin typeface="+mn-lt"/>
+        <a:ea typeface="+mn-ea"/>
+        <a:cs typeface="+mn-cs"/>
+      </a:defRPr>
+    </a:lvl6pPr>
+    <a:lvl7pPr marL="2743200" algn="l" defTabSz="914400" rtl="0" eaLnBrk="1" latinLnBrk="0" hangingPunct="1">
+      <a:defRPr sz="1800" kern="1200">
+        <a:solidFill>
+          <a:schemeClr val="tx1"/>
+        </a:solidFill>
+        <a:latin typeface="+mn-lt"/>
+        <a:ea typeface="+mn-ea"/>
+        <a:cs typeface="+mn-cs"/>
+      </a:defRPr>
+    </a:lvl7pPr>
+    <a:lvl8pPr marL="3200400" algn="l" defTabSz="914400" rtl="0" eaLnBrk="1" latinLnBrk="0" hangingPunct="1">
+      <a:defRPr sz="1800" kern="1200">
+        <a:solidFill>
+          <a:schemeClr val="tx1"/>
+        </a:solidFill>
+        <a:latin typeface="+mn-lt"/>
+        <a:ea typeface="+mn-ea"/>
+        <a:cs typeface="+mn-cs"/>
+      </a:defRPr>
+    </a:lvl8pPr>
+    <a:lvl9pPr marL="3657600" algn="l" defTabSz="914400" rtl="0" eaLnBrk="1" latinLnBrk="0" hangingPunct="1">
+      <a:defRPr sz="1800" kern="1200">
+        <a:solidFill>
+          <a:schemeClr val="tx1"/>
+        </a:solidFill>
+        <a:latin typeface="+mn-lt"/>
+        <a:ea typeface="+mn-ea"/>
+        <a:cs typeface="+mn-cs"/>
+      </a:defRPr>
+    </a:lvl9pPr>
+  </p:defaultTextStyle>
 </p:presentation>
 </file>
 
 <file path=ppt/slideLayouts/slideLayout1.xml><?xml version="1.0" encoding="utf-8"?>
-<p:sldLayout xmlns:a="http://schemas.openxmlformats.org/drawingml/2006/main" xmlns:p="http://schemas.openxmlformats.org/presentationml/2006/main" xmlns:r="http://schemas.openxmlformats.org/officeDocument/2006/relationships" xmlns:p14="http://schemas.microsoft.com/office/powerpoint/2010/main" xmlns:p15="http://schemas.microsoft.com/office/powerpoint/2012/main" xmlns:mc="http://schemas.openxmlformats.org/markup-compatibility/2006" type="blank" preserve="1">
+<p:sldLayout xmlns:a="http://schemas.openxmlformats.org/drawingml/2006/main" xmlns:r="http://schemas.openxmlformats.org/officeDocument/2006/relationships" xmlns:p="http://schemas.openxmlformats.org/presentationml/2006/main" type="blank" preserve="1">
   <p:cSld name="Blank Slide">
     <p:spTree>
       <p:nvGrpSpPr>
@@ -68,8 +163,9 @@
           <a:bodyPr/>
           <a:p>
             <a:fld id="{8102E889-8400-4F4A-98D4-EFFB5B95C87E}" type="slidenum">
-              <a:t>&lt;#&gt;</a:t>
+              <a:rPr/>
             </a:fld>
+            <a:endParaRPr/>
           </a:p>
         </p:txBody>
       </p:sp>
@@ -87,20 +183,20 @@
         <p:txBody>
           <a:bodyPr/>
           <a:p>
-            <a:r>
-              <a:rPr lang="pt-BR"/>
-              <a:t/>
-            </a:r>
+            <a:endParaRPr lang="pt-BR"/>
           </a:p>
         </p:txBody>
       </p:sp>
     </p:spTree>
   </p:cSld>
+  <p:clrMapOvr>
+    <a:masterClrMapping/>
+  </p:clrMapOvr>
 </p:sldLayout>
 </file>
 
 <file path=ppt/slideLayouts/slideLayout10.xml><?xml version="1.0" encoding="utf-8"?>
-<p:sldLayout xmlns:a="http://schemas.openxmlformats.org/drawingml/2006/main" xmlns:p="http://schemas.openxmlformats.org/presentationml/2006/main" xmlns:r="http://schemas.openxmlformats.org/officeDocument/2006/relationships" xmlns:p14="http://schemas.microsoft.com/office/powerpoint/2010/main" xmlns:p15="http://schemas.microsoft.com/office/powerpoint/2012/main" xmlns:mc="http://schemas.openxmlformats.org/markup-compatibility/2006" type="objOverTx" preserve="1">
+<p:sldLayout xmlns:a="http://schemas.openxmlformats.org/drawingml/2006/main" xmlns:r="http://schemas.openxmlformats.org/officeDocument/2006/relationships" xmlns:p="http://schemas.openxmlformats.org/presentationml/2006/main" type="objOverTx" preserve="1">
   <p:cSld name="Title, Content over Content">
     <p:spTree>
       <p:nvGrpSpPr>
@@ -140,15 +236,15 @@
           </a:ln>
         </p:spPr>
         <p:txBody>
-          <a:bodyPr lIns="0" rIns="0" tIns="0" bIns="0" anchor="ctr">
+          <a:bodyPr lIns="0" tIns="0" rIns="0" bIns="0" anchor="ctr">
             <a:noAutofit/>
           </a:bodyPr>
           <a:p>
-            <a:endParaRPr b="0" lang="en-US" sz="1800" spc="-1" strike="noStrike">
+            <a:endParaRPr lang="en-US" sz="1800" b="0" strike="noStrike" spc="-1">
               <a:solidFill>
-                <a:srgbClr val="ffffff"/>
+                <a:srgbClr val="FFFFFF"/>
               </a:solidFill>
-              <a:latin typeface="Arial"/>
+              <a:latin typeface="Arial" panose="020B0604020202020204"/>
             </a:endParaRPr>
           </a:p>
         </p:txBody>
@@ -177,15 +273,15 @@
           </a:ln>
         </p:spPr>
         <p:txBody>
-          <a:bodyPr lIns="0" rIns="0" tIns="0" bIns="0" anchor="t">
+          <a:bodyPr lIns="0" tIns="0" rIns="0" bIns="0" anchor="t">
             <a:normAutofit/>
           </a:bodyPr>
           <a:p>
-            <a:endParaRPr b="0" lang="en-US" sz="3200" spc="-1" strike="noStrike">
+            <a:endParaRPr lang="en-US" sz="3200" b="0" strike="noStrike" spc="-1">
               <a:solidFill>
-                <a:srgbClr val="ffffff"/>
+                <a:srgbClr val="FFFFFF"/>
               </a:solidFill>
-              <a:latin typeface="Arial"/>
+              <a:latin typeface="Arial" panose="020B0604020202020204"/>
             </a:endParaRPr>
           </a:p>
         </p:txBody>
@@ -214,15 +310,15 @@
           </a:ln>
         </p:spPr>
         <p:txBody>
-          <a:bodyPr lIns="0" rIns="0" tIns="0" bIns="0" anchor="t">
+          <a:bodyPr lIns="0" tIns="0" rIns="0" bIns="0" anchor="t">
             <a:normAutofit/>
           </a:bodyPr>
           <a:p>
-            <a:endParaRPr b="0" lang="en-US" sz="3200" spc="-1" strike="noStrike">
+            <a:endParaRPr lang="en-US" sz="3200" b="0" strike="noStrike" spc="-1">
               <a:solidFill>
-                <a:srgbClr val="ffffff"/>
+                <a:srgbClr val="FFFFFF"/>
               </a:solidFill>
-              <a:latin typeface="Arial"/>
+              <a:latin typeface="Arial" panose="020B0604020202020204"/>
             </a:endParaRPr>
           </a:p>
         </p:txBody>
@@ -262,8 +358,9 @@
           <a:bodyPr/>
           <a:p>
             <a:fld id="{71071A92-169D-45F4-B9E7-8A27FB98E246}" type="slidenum">
-              <a:t>&lt;#&gt;</a:t>
+              <a:rPr/>
             </a:fld>
+            <a:endParaRPr/>
           </a:p>
         </p:txBody>
       </p:sp>
@@ -281,20 +378,20 @@
         <p:txBody>
           <a:bodyPr/>
           <a:p>
-            <a:r>
-              <a:rPr lang="pt-BR"/>
-              <a:t/>
-            </a:r>
+            <a:endParaRPr lang="pt-BR"/>
           </a:p>
         </p:txBody>
       </p:sp>
     </p:spTree>
   </p:cSld>
+  <p:clrMapOvr>
+    <a:masterClrMapping/>
+  </p:clrMapOvr>
 </p:sldLayout>
 </file>
 
 <file path=ppt/slideLayouts/slideLayout11.xml><?xml version="1.0" encoding="utf-8"?>
-<p:sldLayout xmlns:a="http://schemas.openxmlformats.org/drawingml/2006/main" xmlns:p="http://schemas.openxmlformats.org/presentationml/2006/main" xmlns:r="http://schemas.openxmlformats.org/officeDocument/2006/relationships" xmlns:p14="http://schemas.microsoft.com/office/powerpoint/2010/main" xmlns:p15="http://schemas.microsoft.com/office/powerpoint/2012/main" xmlns:mc="http://schemas.openxmlformats.org/markup-compatibility/2006" type="fourObj" preserve="1">
+<p:sldLayout xmlns:a="http://schemas.openxmlformats.org/drawingml/2006/main" xmlns:r="http://schemas.openxmlformats.org/officeDocument/2006/relationships" xmlns:p="http://schemas.openxmlformats.org/presentationml/2006/main" type="fourObj" preserve="1">
   <p:cSld name="Title, 4 Content">
     <p:spTree>
       <p:nvGrpSpPr>
@@ -334,15 +431,15 @@
           </a:ln>
         </p:spPr>
         <p:txBody>
-          <a:bodyPr lIns="0" rIns="0" tIns="0" bIns="0" anchor="ctr">
+          <a:bodyPr lIns="0" tIns="0" rIns="0" bIns="0" anchor="ctr">
             <a:noAutofit/>
           </a:bodyPr>
           <a:p>
-            <a:endParaRPr b="0" lang="en-US" sz="1800" spc="-1" strike="noStrike">
+            <a:endParaRPr lang="en-US" sz="1800" b="0" strike="noStrike" spc="-1">
               <a:solidFill>
-                <a:srgbClr val="ffffff"/>
+                <a:srgbClr val="FFFFFF"/>
               </a:solidFill>
-              <a:latin typeface="Arial"/>
+              <a:latin typeface="Arial" panose="020B0604020202020204"/>
             </a:endParaRPr>
           </a:p>
         </p:txBody>
@@ -371,15 +468,15 @@
           </a:ln>
         </p:spPr>
         <p:txBody>
-          <a:bodyPr lIns="0" rIns="0" tIns="0" bIns="0" anchor="t">
+          <a:bodyPr lIns="0" tIns="0" rIns="0" bIns="0" anchor="t">
             <a:normAutofit/>
           </a:bodyPr>
           <a:p>
-            <a:endParaRPr b="0" lang="en-US" sz="3200" spc="-1" strike="noStrike">
+            <a:endParaRPr lang="en-US" sz="3200" b="0" strike="noStrike" spc="-1">
               <a:solidFill>
-                <a:srgbClr val="ffffff"/>
+                <a:srgbClr val="FFFFFF"/>
               </a:solidFill>
-              <a:latin typeface="Arial"/>
+              <a:latin typeface="Arial" panose="020B0604020202020204"/>
             </a:endParaRPr>
           </a:p>
         </p:txBody>
@@ -408,15 +505,15 @@
           </a:ln>
         </p:spPr>
         <p:txBody>
-          <a:bodyPr lIns="0" rIns="0" tIns="0" bIns="0" anchor="t">
+          <a:bodyPr lIns="0" tIns="0" rIns="0" bIns="0" anchor="t">
             <a:normAutofit/>
           </a:bodyPr>
           <a:p>
-            <a:endParaRPr b="0" lang="en-US" sz="3200" spc="-1" strike="noStrike">
+            <a:endParaRPr lang="en-US" sz="3200" b="0" strike="noStrike" spc="-1">
               <a:solidFill>
-                <a:srgbClr val="ffffff"/>
+                <a:srgbClr val="FFFFFF"/>
               </a:solidFill>
-              <a:latin typeface="Arial"/>
+              <a:latin typeface="Arial" panose="020B0604020202020204"/>
             </a:endParaRPr>
           </a:p>
         </p:txBody>
@@ -445,15 +542,15 @@
           </a:ln>
         </p:spPr>
         <p:txBody>
-          <a:bodyPr lIns="0" rIns="0" tIns="0" bIns="0" anchor="t">
+          <a:bodyPr lIns="0" tIns="0" rIns="0" bIns="0" anchor="t">
             <a:normAutofit/>
           </a:bodyPr>
           <a:p>
-            <a:endParaRPr b="0" lang="en-US" sz="3200" spc="-1" strike="noStrike">
+            <a:endParaRPr lang="en-US" sz="3200" b="0" strike="noStrike" spc="-1">
               <a:solidFill>
-                <a:srgbClr val="ffffff"/>
+                <a:srgbClr val="FFFFFF"/>
               </a:solidFill>
-              <a:latin typeface="Arial"/>
+              <a:latin typeface="Arial" panose="020B0604020202020204"/>
             </a:endParaRPr>
           </a:p>
         </p:txBody>
@@ -482,15 +579,15 @@
           </a:ln>
         </p:spPr>
         <p:txBody>
-          <a:bodyPr lIns="0" rIns="0" tIns="0" bIns="0" anchor="t">
+          <a:bodyPr lIns="0" tIns="0" rIns="0" bIns="0" anchor="t">
             <a:normAutofit/>
           </a:bodyPr>
           <a:p>
-            <a:endParaRPr b="0" lang="en-US" sz="3200" spc="-1" strike="noStrike">
+            <a:endParaRPr lang="en-US" sz="3200" b="0" strike="noStrike" spc="-1">
               <a:solidFill>
-                <a:srgbClr val="ffffff"/>
+                <a:srgbClr val="FFFFFF"/>
               </a:solidFill>
-              <a:latin typeface="Arial"/>
+              <a:latin typeface="Arial" panose="020B0604020202020204"/>
             </a:endParaRPr>
           </a:p>
         </p:txBody>
@@ -530,8 +627,9 @@
           <a:bodyPr/>
           <a:p>
             <a:fld id="{4BDB8561-896C-4C3B-85AF-48B353497A52}" type="slidenum">
-              <a:t>&lt;#&gt;</a:t>
+              <a:rPr/>
             </a:fld>
+            <a:endParaRPr/>
           </a:p>
         </p:txBody>
       </p:sp>
@@ -549,20 +647,20 @@
         <p:txBody>
           <a:bodyPr/>
           <a:p>
-            <a:r>
-              <a:rPr lang="pt-BR"/>
-              <a:t/>
-            </a:r>
+            <a:endParaRPr lang="pt-BR"/>
           </a:p>
         </p:txBody>
       </p:sp>
     </p:spTree>
   </p:cSld>
+  <p:clrMapOvr>
+    <a:masterClrMapping/>
+  </p:clrMapOvr>
 </p:sldLayout>
 </file>
 
 <file path=ppt/slideLayouts/slideLayout12.xml><?xml version="1.0" encoding="utf-8"?>
-<p:sldLayout xmlns:a="http://schemas.openxmlformats.org/drawingml/2006/main" xmlns:p="http://schemas.openxmlformats.org/presentationml/2006/main" xmlns:r="http://schemas.openxmlformats.org/officeDocument/2006/relationships" xmlns:p14="http://schemas.microsoft.com/office/powerpoint/2010/main" xmlns:p15="http://schemas.microsoft.com/office/powerpoint/2012/main" xmlns:mc="http://schemas.openxmlformats.org/markup-compatibility/2006" type="blank" preserve="1">
+<p:sldLayout xmlns:a="http://schemas.openxmlformats.org/drawingml/2006/main" xmlns:r="http://schemas.openxmlformats.org/officeDocument/2006/relationships" xmlns:p="http://schemas.openxmlformats.org/presentationml/2006/main" type="blank" preserve="1">
   <p:cSld name="Title, 6 Content">
     <p:spTree>
       <p:nvGrpSpPr>
@@ -602,15 +700,15 @@
           </a:ln>
         </p:spPr>
         <p:txBody>
-          <a:bodyPr lIns="0" rIns="0" tIns="0" bIns="0" anchor="ctr">
+          <a:bodyPr lIns="0" tIns="0" rIns="0" bIns="0" anchor="ctr">
             <a:noAutofit/>
           </a:bodyPr>
           <a:p>
-            <a:endParaRPr b="0" lang="en-US" sz="1800" spc="-1" strike="noStrike">
+            <a:endParaRPr lang="en-US" sz="1800" b="0" strike="noStrike" spc="-1">
               <a:solidFill>
-                <a:srgbClr val="ffffff"/>
+                <a:srgbClr val="FFFFFF"/>
               </a:solidFill>
-              <a:latin typeface="Arial"/>
+              <a:latin typeface="Arial" panose="020B0604020202020204"/>
             </a:endParaRPr>
           </a:p>
         </p:txBody>
@@ -639,15 +737,15 @@
           </a:ln>
         </p:spPr>
         <p:txBody>
-          <a:bodyPr lIns="0" rIns="0" tIns="0" bIns="0" anchor="t">
+          <a:bodyPr lIns="0" tIns="0" rIns="0" bIns="0" anchor="t">
             <a:normAutofit/>
           </a:bodyPr>
           <a:p>
-            <a:endParaRPr b="0" lang="en-US" sz="3200" spc="-1" strike="noStrike">
+            <a:endParaRPr lang="en-US" sz="3200" b="0" strike="noStrike" spc="-1">
               <a:solidFill>
-                <a:srgbClr val="ffffff"/>
+                <a:srgbClr val="FFFFFF"/>
               </a:solidFill>
-              <a:latin typeface="Arial"/>
+              <a:latin typeface="Arial" panose="020B0604020202020204"/>
             </a:endParaRPr>
           </a:p>
         </p:txBody>
@@ -676,15 +774,15 @@
           </a:ln>
         </p:spPr>
         <p:txBody>
-          <a:bodyPr lIns="0" rIns="0" tIns="0" bIns="0" anchor="t">
+          <a:bodyPr lIns="0" tIns="0" rIns="0" bIns="0" anchor="t">
             <a:normAutofit/>
           </a:bodyPr>
           <a:p>
-            <a:endParaRPr b="0" lang="en-US" sz="3200" spc="-1" strike="noStrike">
+            <a:endParaRPr lang="en-US" sz="3200" b="0" strike="noStrike" spc="-1">
               <a:solidFill>
-                <a:srgbClr val="ffffff"/>
+                <a:srgbClr val="FFFFFF"/>
               </a:solidFill>
-              <a:latin typeface="Arial"/>
+              <a:latin typeface="Arial" panose="020B0604020202020204"/>
             </a:endParaRPr>
           </a:p>
         </p:txBody>
@@ -713,15 +811,15 @@
           </a:ln>
         </p:spPr>
         <p:txBody>
-          <a:bodyPr lIns="0" rIns="0" tIns="0" bIns="0" anchor="t">
+          <a:bodyPr lIns="0" tIns="0" rIns="0" bIns="0" anchor="t">
             <a:normAutofit/>
           </a:bodyPr>
           <a:p>
-            <a:endParaRPr b="0" lang="en-US" sz="3200" spc="-1" strike="noStrike">
+            <a:endParaRPr lang="en-US" sz="3200" b="0" strike="noStrike" spc="-1">
               <a:solidFill>
-                <a:srgbClr val="ffffff"/>
+                <a:srgbClr val="FFFFFF"/>
               </a:solidFill>
-              <a:latin typeface="Arial"/>
+              <a:latin typeface="Arial" panose="020B0604020202020204"/>
             </a:endParaRPr>
           </a:p>
         </p:txBody>
@@ -750,15 +848,15 @@
           </a:ln>
         </p:spPr>
         <p:txBody>
-          <a:bodyPr lIns="0" rIns="0" tIns="0" bIns="0" anchor="t">
+          <a:bodyPr lIns="0" tIns="0" rIns="0" bIns="0" anchor="t">
             <a:normAutofit/>
           </a:bodyPr>
           <a:p>
-            <a:endParaRPr b="0" lang="en-US" sz="3200" spc="-1" strike="noStrike">
+            <a:endParaRPr lang="en-US" sz="3200" b="0" strike="noStrike" spc="-1">
               <a:solidFill>
-                <a:srgbClr val="ffffff"/>
+                <a:srgbClr val="FFFFFF"/>
               </a:solidFill>
-              <a:latin typeface="Arial"/>
+              <a:latin typeface="Arial" panose="020B0604020202020204"/>
             </a:endParaRPr>
           </a:p>
         </p:txBody>
@@ -787,15 +885,15 @@
           </a:ln>
         </p:spPr>
         <p:txBody>
-          <a:bodyPr lIns="0" rIns="0" tIns="0" bIns="0" anchor="t">
+          <a:bodyPr lIns="0" tIns="0" rIns="0" bIns="0" anchor="t">
             <a:normAutofit/>
           </a:bodyPr>
           <a:p>
-            <a:endParaRPr b="0" lang="en-US" sz="3200" spc="-1" strike="noStrike">
+            <a:endParaRPr lang="en-US" sz="3200" b="0" strike="noStrike" spc="-1">
               <a:solidFill>
-                <a:srgbClr val="ffffff"/>
+                <a:srgbClr val="FFFFFF"/>
               </a:solidFill>
-              <a:latin typeface="Arial"/>
+              <a:latin typeface="Arial" panose="020B0604020202020204"/>
             </a:endParaRPr>
           </a:p>
         </p:txBody>
@@ -824,15 +922,15 @@
           </a:ln>
         </p:spPr>
         <p:txBody>
-          <a:bodyPr lIns="0" rIns="0" tIns="0" bIns="0" anchor="t">
+          <a:bodyPr lIns="0" tIns="0" rIns="0" bIns="0" anchor="t">
             <a:normAutofit/>
           </a:bodyPr>
           <a:p>
-            <a:endParaRPr b="0" lang="en-US" sz="3200" spc="-1" strike="noStrike">
+            <a:endParaRPr lang="en-US" sz="3200" b="0" strike="noStrike" spc="-1">
               <a:solidFill>
-                <a:srgbClr val="ffffff"/>
+                <a:srgbClr val="FFFFFF"/>
               </a:solidFill>
-              <a:latin typeface="Arial"/>
+              <a:latin typeface="Arial" panose="020B0604020202020204"/>
             </a:endParaRPr>
           </a:p>
         </p:txBody>
@@ -872,8 +970,9 @@
           <a:bodyPr/>
           <a:p>
             <a:fld id="{4D86491F-D5CA-44C0-BCB0-5C49CEA857DF}" type="slidenum">
-              <a:t>&lt;#&gt;</a:t>
+              <a:rPr/>
             </a:fld>
+            <a:endParaRPr/>
           </a:p>
         </p:txBody>
       </p:sp>
@@ -891,20 +990,20 @@
         <p:txBody>
           <a:bodyPr/>
           <a:p>
-            <a:r>
-              <a:rPr lang="pt-BR"/>
-              <a:t/>
-            </a:r>
+            <a:endParaRPr lang="pt-BR"/>
           </a:p>
         </p:txBody>
       </p:sp>
     </p:spTree>
   </p:cSld>
+  <p:clrMapOvr>
+    <a:masterClrMapping/>
+  </p:clrMapOvr>
 </p:sldLayout>
 </file>
 
 <file path=ppt/slideLayouts/slideLayout13.xml><?xml version="1.0" encoding="utf-8"?>
-<p:sldLayout xmlns:a="http://schemas.openxmlformats.org/drawingml/2006/main" xmlns:p="http://schemas.openxmlformats.org/presentationml/2006/main" xmlns:r="http://schemas.openxmlformats.org/officeDocument/2006/relationships" xmlns:p14="http://schemas.microsoft.com/office/powerpoint/2010/main" xmlns:p15="http://schemas.microsoft.com/office/powerpoint/2012/main" xmlns:mc="http://schemas.openxmlformats.org/markup-compatibility/2006" type="blank" preserve="1">
+<p:sldLayout xmlns:a="http://schemas.openxmlformats.org/drawingml/2006/main" xmlns:r="http://schemas.openxmlformats.org/officeDocument/2006/relationships" xmlns:p="http://schemas.openxmlformats.org/presentationml/2006/main" type="blank" preserve="1">
   <p:cSld name="Blank Slide">
     <p:spTree>
       <p:nvGrpSpPr>
@@ -955,8 +1054,9 @@
           <a:bodyPr/>
           <a:p>
             <a:fld id="{10E422FE-019C-406D-A575-A6B1F7579A35}" type="slidenum">
-              <a:t>&lt;#&gt;</a:t>
+              <a:rPr/>
             </a:fld>
+            <a:endParaRPr/>
           </a:p>
         </p:txBody>
       </p:sp>
@@ -974,20 +1074,20 @@
         <p:txBody>
           <a:bodyPr/>
           <a:p>
-            <a:r>
-              <a:rPr lang="pt-BR"/>
-              <a:t/>
-            </a:r>
+            <a:endParaRPr lang="pt-BR"/>
           </a:p>
         </p:txBody>
       </p:sp>
     </p:spTree>
   </p:cSld>
+  <p:clrMapOvr>
+    <a:masterClrMapping/>
+  </p:clrMapOvr>
 </p:sldLayout>
 </file>
 
 <file path=ppt/slideLayouts/slideLayout14.xml><?xml version="1.0" encoding="utf-8"?>
-<p:sldLayout xmlns:a="http://schemas.openxmlformats.org/drawingml/2006/main" xmlns:p="http://schemas.openxmlformats.org/presentationml/2006/main" xmlns:r="http://schemas.openxmlformats.org/officeDocument/2006/relationships" xmlns:p14="http://schemas.microsoft.com/office/powerpoint/2010/main" xmlns:p15="http://schemas.microsoft.com/office/powerpoint/2012/main" xmlns:mc="http://schemas.openxmlformats.org/markup-compatibility/2006" type="tx" preserve="1">
+<p:sldLayout xmlns:a="http://schemas.openxmlformats.org/drawingml/2006/main" xmlns:r="http://schemas.openxmlformats.org/officeDocument/2006/relationships" xmlns:p="http://schemas.openxmlformats.org/presentationml/2006/main" type="tx" preserve="1">
   <p:cSld name="Title Slide">
     <p:spTree>
       <p:nvGrpSpPr>
@@ -1027,15 +1127,15 @@
           </a:ln>
         </p:spPr>
         <p:txBody>
-          <a:bodyPr lIns="0" rIns="0" tIns="0" bIns="0" anchor="ctr">
+          <a:bodyPr lIns="0" tIns="0" rIns="0" bIns="0" anchor="ctr">
             <a:noAutofit/>
           </a:bodyPr>
           <a:p>
-            <a:endParaRPr b="0" lang="en-US" sz="1800" spc="-1" strike="noStrike">
+            <a:endParaRPr lang="en-US" sz="1800" b="0" strike="noStrike" spc="-1">
               <a:solidFill>
-                <a:srgbClr val="ffffff"/>
+                <a:srgbClr val="FFFFFF"/>
               </a:solidFill>
-              <a:latin typeface="Arial"/>
+              <a:latin typeface="Arial" panose="020B0604020202020204"/>
             </a:endParaRPr>
           </a:p>
         </p:txBody>
@@ -1064,15 +1164,15 @@
           </a:ln>
         </p:spPr>
         <p:txBody>
-          <a:bodyPr lIns="0" rIns="0" tIns="0" bIns="0" anchor="ctr">
+          <a:bodyPr lIns="0" tIns="0" rIns="0" bIns="0" anchor="ctr">
             <a:noAutofit/>
           </a:bodyPr>
           <a:p>
             <a:pPr algn="ctr">
               <a:buNone/>
             </a:pPr>
-            <a:endParaRPr b="0" lang="pt-BR" sz="3200" spc="-1" strike="noStrike">
-              <a:latin typeface="Arial"/>
+            <a:endParaRPr lang="pt-BR" sz="3200" b="0" strike="noStrike" spc="-1">
+              <a:latin typeface="Arial" panose="020B0604020202020204"/>
             </a:endParaRPr>
           </a:p>
         </p:txBody>
@@ -1112,8 +1212,9 @@
           <a:bodyPr/>
           <a:p>
             <a:fld id="{EF2CEA5C-FCC8-4E34-BD6D-42E67C3798B1}" type="slidenum">
-              <a:t>&lt;#&gt;</a:t>
+              <a:rPr/>
             </a:fld>
+            <a:endParaRPr/>
           </a:p>
         </p:txBody>
       </p:sp>
@@ -1131,20 +1232,20 @@
         <p:txBody>
           <a:bodyPr/>
           <a:p>
-            <a:r>
-              <a:rPr lang="pt-BR"/>
-              <a:t/>
-            </a:r>
+            <a:endParaRPr lang="pt-BR"/>
           </a:p>
         </p:txBody>
       </p:sp>
     </p:spTree>
   </p:cSld>
+  <p:clrMapOvr>
+    <a:masterClrMapping/>
+  </p:clrMapOvr>
 </p:sldLayout>
 </file>
 
 <file path=ppt/slideLayouts/slideLayout15.xml><?xml version="1.0" encoding="utf-8"?>
-<p:sldLayout xmlns:a="http://schemas.openxmlformats.org/drawingml/2006/main" xmlns:p="http://schemas.openxmlformats.org/presentationml/2006/main" xmlns:r="http://schemas.openxmlformats.org/officeDocument/2006/relationships" xmlns:p14="http://schemas.microsoft.com/office/powerpoint/2010/main" xmlns:p15="http://schemas.microsoft.com/office/powerpoint/2012/main" xmlns:mc="http://schemas.openxmlformats.org/markup-compatibility/2006" type="obj" preserve="1">
+<p:sldLayout xmlns:a="http://schemas.openxmlformats.org/drawingml/2006/main" xmlns:r="http://schemas.openxmlformats.org/officeDocument/2006/relationships" xmlns:p="http://schemas.openxmlformats.org/presentationml/2006/main" type="obj" preserve="1">
   <p:cSld name="Title, Content">
     <p:spTree>
       <p:nvGrpSpPr>
@@ -1184,15 +1285,15 @@
           </a:ln>
         </p:spPr>
         <p:txBody>
-          <a:bodyPr lIns="0" rIns="0" tIns="0" bIns="0" anchor="ctr">
+          <a:bodyPr lIns="0" tIns="0" rIns="0" bIns="0" anchor="ctr">
             <a:noAutofit/>
           </a:bodyPr>
           <a:p>
-            <a:endParaRPr b="0" lang="en-US" sz="1800" spc="-1" strike="noStrike">
+            <a:endParaRPr lang="en-US" sz="1800" b="0" strike="noStrike" spc="-1">
               <a:solidFill>
-                <a:srgbClr val="ffffff"/>
+                <a:srgbClr val="FFFFFF"/>
               </a:solidFill>
-              <a:latin typeface="Arial"/>
+              <a:latin typeface="Arial" panose="020B0604020202020204"/>
             </a:endParaRPr>
           </a:p>
         </p:txBody>
@@ -1221,15 +1322,15 @@
           </a:ln>
         </p:spPr>
         <p:txBody>
-          <a:bodyPr lIns="0" rIns="0" tIns="0" bIns="0" anchor="t">
+          <a:bodyPr lIns="0" tIns="0" rIns="0" bIns="0" anchor="t">
             <a:normAutofit/>
           </a:bodyPr>
           <a:p>
-            <a:endParaRPr b="0" lang="en-US" sz="3200" spc="-1" strike="noStrike">
+            <a:endParaRPr lang="en-US" sz="3200" b="0" strike="noStrike" spc="-1">
               <a:solidFill>
-                <a:srgbClr val="ffffff"/>
+                <a:srgbClr val="FFFFFF"/>
               </a:solidFill>
-              <a:latin typeface="Arial"/>
+              <a:latin typeface="Arial" panose="020B0604020202020204"/>
             </a:endParaRPr>
           </a:p>
         </p:txBody>
@@ -1269,8 +1370,9 @@
           <a:bodyPr/>
           <a:p>
             <a:fld id="{43F44E58-3CDC-42E7-A8A8-72AE986F5651}" type="slidenum">
-              <a:t>&lt;#&gt;</a:t>
+              <a:rPr/>
             </a:fld>
+            <a:endParaRPr/>
           </a:p>
         </p:txBody>
       </p:sp>
@@ -1288,20 +1390,20 @@
         <p:txBody>
           <a:bodyPr/>
           <a:p>
-            <a:r>
-              <a:rPr lang="pt-BR"/>
-              <a:t/>
-            </a:r>
+            <a:endParaRPr lang="pt-BR"/>
           </a:p>
         </p:txBody>
       </p:sp>
     </p:spTree>
   </p:cSld>
+  <p:clrMapOvr>
+    <a:masterClrMapping/>
+  </p:clrMapOvr>
 </p:sldLayout>
 </file>
 
 <file path=ppt/slideLayouts/slideLayout16.xml><?xml version="1.0" encoding="utf-8"?>
-<p:sldLayout xmlns:a="http://schemas.openxmlformats.org/drawingml/2006/main" xmlns:p="http://schemas.openxmlformats.org/presentationml/2006/main" xmlns:r="http://schemas.openxmlformats.org/officeDocument/2006/relationships" xmlns:p14="http://schemas.microsoft.com/office/powerpoint/2010/main" xmlns:p15="http://schemas.microsoft.com/office/powerpoint/2012/main" xmlns:mc="http://schemas.openxmlformats.org/markup-compatibility/2006" type="twoObj" preserve="1">
+<p:sldLayout xmlns:a="http://schemas.openxmlformats.org/drawingml/2006/main" xmlns:r="http://schemas.openxmlformats.org/officeDocument/2006/relationships" xmlns:p="http://schemas.openxmlformats.org/presentationml/2006/main" type="twoObj" preserve="1">
   <p:cSld name="Title, 2 Content">
     <p:spTree>
       <p:nvGrpSpPr>
@@ -1341,15 +1443,15 @@
           </a:ln>
         </p:spPr>
         <p:txBody>
-          <a:bodyPr lIns="0" rIns="0" tIns="0" bIns="0" anchor="ctr">
+          <a:bodyPr lIns="0" tIns="0" rIns="0" bIns="0" anchor="ctr">
             <a:noAutofit/>
           </a:bodyPr>
           <a:p>
-            <a:endParaRPr b="0" lang="en-US" sz="1800" spc="-1" strike="noStrike">
+            <a:endParaRPr lang="en-US" sz="1800" b="0" strike="noStrike" spc="-1">
               <a:solidFill>
-                <a:srgbClr val="ffffff"/>
+                <a:srgbClr val="FFFFFF"/>
               </a:solidFill>
-              <a:latin typeface="Arial"/>
+              <a:latin typeface="Arial" panose="020B0604020202020204"/>
             </a:endParaRPr>
           </a:p>
         </p:txBody>
@@ -1378,15 +1480,15 @@
           </a:ln>
         </p:spPr>
         <p:txBody>
-          <a:bodyPr lIns="0" rIns="0" tIns="0" bIns="0" anchor="t">
+          <a:bodyPr lIns="0" tIns="0" rIns="0" bIns="0" anchor="t">
             <a:normAutofit/>
           </a:bodyPr>
           <a:p>
-            <a:endParaRPr b="0" lang="en-US" sz="3200" spc="-1" strike="noStrike">
+            <a:endParaRPr lang="en-US" sz="3200" b="0" strike="noStrike" spc="-1">
               <a:solidFill>
-                <a:srgbClr val="ffffff"/>
+                <a:srgbClr val="FFFFFF"/>
               </a:solidFill>
-              <a:latin typeface="Arial"/>
+              <a:latin typeface="Arial" panose="020B0604020202020204"/>
             </a:endParaRPr>
           </a:p>
         </p:txBody>
@@ -1415,15 +1517,15 @@
           </a:ln>
         </p:spPr>
         <p:txBody>
-          <a:bodyPr lIns="0" rIns="0" tIns="0" bIns="0" anchor="t">
+          <a:bodyPr lIns="0" tIns="0" rIns="0" bIns="0" anchor="t">
             <a:normAutofit/>
           </a:bodyPr>
           <a:p>
-            <a:endParaRPr b="0" lang="en-US" sz="3200" spc="-1" strike="noStrike">
+            <a:endParaRPr lang="en-US" sz="3200" b="0" strike="noStrike" spc="-1">
               <a:solidFill>
-                <a:srgbClr val="ffffff"/>
+                <a:srgbClr val="FFFFFF"/>
               </a:solidFill>
-              <a:latin typeface="Arial"/>
+              <a:latin typeface="Arial" panose="020B0604020202020204"/>
             </a:endParaRPr>
           </a:p>
         </p:txBody>
@@ -1463,8 +1565,9 @@
           <a:bodyPr/>
           <a:p>
             <a:fld id="{7328F615-83D8-498C-9FA4-D81164A02501}" type="slidenum">
-              <a:t>&lt;#&gt;</a:t>
+              <a:rPr/>
             </a:fld>
+            <a:endParaRPr/>
           </a:p>
         </p:txBody>
       </p:sp>
@@ -1482,20 +1585,20 @@
         <p:txBody>
           <a:bodyPr/>
           <a:p>
-            <a:r>
-              <a:rPr lang="pt-BR"/>
-              <a:t/>
-            </a:r>
+            <a:endParaRPr lang="pt-BR"/>
           </a:p>
         </p:txBody>
       </p:sp>
     </p:spTree>
   </p:cSld>
+  <p:clrMapOvr>
+    <a:masterClrMapping/>
+  </p:clrMapOvr>
 </p:sldLayout>
 </file>
 
 <file path=ppt/slideLayouts/slideLayout17.xml><?xml version="1.0" encoding="utf-8"?>
-<p:sldLayout xmlns:a="http://schemas.openxmlformats.org/drawingml/2006/main" xmlns:p="http://schemas.openxmlformats.org/presentationml/2006/main" xmlns:r="http://schemas.openxmlformats.org/officeDocument/2006/relationships" xmlns:p14="http://schemas.microsoft.com/office/powerpoint/2010/main" xmlns:p15="http://schemas.microsoft.com/office/powerpoint/2012/main" xmlns:mc="http://schemas.openxmlformats.org/markup-compatibility/2006" type="titleOnly" preserve="1">
+<p:sldLayout xmlns:a="http://schemas.openxmlformats.org/drawingml/2006/main" xmlns:r="http://schemas.openxmlformats.org/officeDocument/2006/relationships" xmlns:p="http://schemas.openxmlformats.org/presentationml/2006/main" type="titleOnly" preserve="1">
   <p:cSld name="Title Only">
     <p:spTree>
       <p:nvGrpSpPr>
@@ -1535,15 +1638,15 @@
           </a:ln>
         </p:spPr>
         <p:txBody>
-          <a:bodyPr lIns="0" rIns="0" tIns="0" bIns="0" anchor="ctr">
+          <a:bodyPr lIns="0" tIns="0" rIns="0" bIns="0" anchor="ctr">
             <a:noAutofit/>
           </a:bodyPr>
           <a:p>
-            <a:endParaRPr b="0" lang="en-US" sz="1800" spc="-1" strike="noStrike">
+            <a:endParaRPr lang="en-US" sz="1800" b="0" strike="noStrike" spc="-1">
               <a:solidFill>
-                <a:srgbClr val="ffffff"/>
+                <a:srgbClr val="FFFFFF"/>
               </a:solidFill>
-              <a:latin typeface="Arial"/>
+              <a:latin typeface="Arial" panose="020B0604020202020204"/>
             </a:endParaRPr>
           </a:p>
         </p:txBody>
@@ -1583,8 +1686,9 @@
           <a:bodyPr/>
           <a:p>
             <a:fld id="{D4251F56-E138-4102-BF2F-18148D0774AD}" type="slidenum">
-              <a:t>&lt;#&gt;</a:t>
+              <a:rPr/>
             </a:fld>
+            <a:endParaRPr/>
           </a:p>
         </p:txBody>
       </p:sp>
@@ -1602,20 +1706,20 @@
         <p:txBody>
           <a:bodyPr/>
           <a:p>
-            <a:r>
-              <a:rPr lang="pt-BR"/>
-              <a:t/>
-            </a:r>
+            <a:endParaRPr lang="pt-BR"/>
           </a:p>
         </p:txBody>
       </p:sp>
     </p:spTree>
   </p:cSld>
+  <p:clrMapOvr>
+    <a:masterClrMapping/>
+  </p:clrMapOvr>
 </p:sldLayout>
 </file>
 
 <file path=ppt/slideLayouts/slideLayout18.xml><?xml version="1.0" encoding="utf-8"?>
-<p:sldLayout xmlns:a="http://schemas.openxmlformats.org/drawingml/2006/main" xmlns:p="http://schemas.openxmlformats.org/presentationml/2006/main" xmlns:r="http://schemas.openxmlformats.org/officeDocument/2006/relationships" xmlns:p14="http://schemas.microsoft.com/office/powerpoint/2010/main" xmlns:p15="http://schemas.microsoft.com/office/powerpoint/2012/main" xmlns:mc="http://schemas.openxmlformats.org/markup-compatibility/2006" type="objOnly" preserve="1">
+<p:sldLayout xmlns:a="http://schemas.openxmlformats.org/drawingml/2006/main" xmlns:r="http://schemas.openxmlformats.org/officeDocument/2006/relationships" xmlns:p="http://schemas.openxmlformats.org/presentationml/2006/main" type="objOnly" preserve="1">
   <p:cSld name="Centered Text">
     <p:spTree>
       <p:nvGrpSpPr>
@@ -1655,15 +1759,15 @@
           </a:ln>
         </p:spPr>
         <p:txBody>
-          <a:bodyPr lIns="0" rIns="0" tIns="0" bIns="0" anchor="ctr">
+          <a:bodyPr lIns="0" tIns="0" rIns="0" bIns="0" anchor="ctr">
             <a:noAutofit/>
           </a:bodyPr>
           <a:p>
             <a:pPr algn="ctr">
               <a:buNone/>
             </a:pPr>
-            <a:endParaRPr b="0" lang="pt-BR" sz="3200" spc="-1" strike="noStrike">
-              <a:latin typeface="Arial"/>
+            <a:endParaRPr lang="pt-BR" sz="3200" b="0" strike="noStrike" spc="-1">
+              <a:latin typeface="Arial" panose="020B0604020202020204"/>
             </a:endParaRPr>
           </a:p>
         </p:txBody>
@@ -1703,8 +1807,9 @@
           <a:bodyPr/>
           <a:p>
             <a:fld id="{BAA048C7-6BD6-4479-8599-261598391FB6}" type="slidenum">
-              <a:t>&lt;#&gt;</a:t>
+              <a:rPr/>
             </a:fld>
+            <a:endParaRPr/>
           </a:p>
         </p:txBody>
       </p:sp>
@@ -1722,20 +1827,20 @@
         <p:txBody>
           <a:bodyPr/>
           <a:p>
-            <a:r>
-              <a:rPr lang="pt-BR"/>
-              <a:t/>
-            </a:r>
+            <a:endParaRPr lang="pt-BR"/>
           </a:p>
         </p:txBody>
       </p:sp>
     </p:spTree>
   </p:cSld>
+  <p:clrMapOvr>
+    <a:masterClrMapping/>
+  </p:clrMapOvr>
 </p:sldLayout>
 </file>
 
 <file path=ppt/slideLayouts/slideLayout19.xml><?xml version="1.0" encoding="utf-8"?>
-<p:sldLayout xmlns:a="http://schemas.openxmlformats.org/drawingml/2006/main" xmlns:p="http://schemas.openxmlformats.org/presentationml/2006/main" xmlns:r="http://schemas.openxmlformats.org/officeDocument/2006/relationships" xmlns:p14="http://schemas.microsoft.com/office/powerpoint/2010/main" xmlns:p15="http://schemas.microsoft.com/office/powerpoint/2012/main" xmlns:mc="http://schemas.openxmlformats.org/markup-compatibility/2006" type="twoObjAndObj" preserve="1">
+<p:sldLayout xmlns:a="http://schemas.openxmlformats.org/drawingml/2006/main" xmlns:r="http://schemas.openxmlformats.org/officeDocument/2006/relationships" xmlns:p="http://schemas.openxmlformats.org/presentationml/2006/main" type="twoObjAndObj" preserve="1">
   <p:cSld name="Title, 2 Content and Content">
     <p:spTree>
       <p:nvGrpSpPr>
@@ -1775,15 +1880,15 @@
           </a:ln>
         </p:spPr>
         <p:txBody>
-          <a:bodyPr lIns="0" rIns="0" tIns="0" bIns="0" anchor="ctr">
+          <a:bodyPr lIns="0" tIns="0" rIns="0" bIns="0" anchor="ctr">
             <a:noAutofit/>
           </a:bodyPr>
           <a:p>
-            <a:endParaRPr b="0" lang="en-US" sz="1800" spc="-1" strike="noStrike">
+            <a:endParaRPr lang="en-US" sz="1800" b="0" strike="noStrike" spc="-1">
               <a:solidFill>
-                <a:srgbClr val="ffffff"/>
+                <a:srgbClr val="FFFFFF"/>
               </a:solidFill>
-              <a:latin typeface="Arial"/>
+              <a:latin typeface="Arial" panose="020B0604020202020204"/>
             </a:endParaRPr>
           </a:p>
         </p:txBody>
@@ -1812,15 +1917,15 @@
           </a:ln>
         </p:spPr>
         <p:txBody>
-          <a:bodyPr lIns="0" rIns="0" tIns="0" bIns="0" anchor="t">
+          <a:bodyPr lIns="0" tIns="0" rIns="0" bIns="0" anchor="t">
             <a:normAutofit/>
           </a:bodyPr>
           <a:p>
-            <a:endParaRPr b="0" lang="en-US" sz="3200" spc="-1" strike="noStrike">
+            <a:endParaRPr lang="en-US" sz="3200" b="0" strike="noStrike" spc="-1">
               <a:solidFill>
-                <a:srgbClr val="ffffff"/>
+                <a:srgbClr val="FFFFFF"/>
               </a:solidFill>
-              <a:latin typeface="Arial"/>
+              <a:latin typeface="Arial" panose="020B0604020202020204"/>
             </a:endParaRPr>
           </a:p>
         </p:txBody>
@@ -1849,15 +1954,15 @@
           </a:ln>
         </p:spPr>
         <p:txBody>
-          <a:bodyPr lIns="0" rIns="0" tIns="0" bIns="0" anchor="t">
+          <a:bodyPr lIns="0" tIns="0" rIns="0" bIns="0" anchor="t">
             <a:normAutofit/>
           </a:bodyPr>
           <a:p>
-            <a:endParaRPr b="0" lang="en-US" sz="3200" spc="-1" strike="noStrike">
+            <a:endParaRPr lang="en-US" sz="3200" b="0" strike="noStrike" spc="-1">
               <a:solidFill>
-                <a:srgbClr val="ffffff"/>
+                <a:srgbClr val="FFFFFF"/>
               </a:solidFill>
-              <a:latin typeface="Arial"/>
+              <a:latin typeface="Arial" panose="020B0604020202020204"/>
             </a:endParaRPr>
           </a:p>
         </p:txBody>
@@ -1886,15 +1991,15 @@
           </a:ln>
         </p:spPr>
         <p:txBody>
-          <a:bodyPr lIns="0" rIns="0" tIns="0" bIns="0" anchor="t">
+          <a:bodyPr lIns="0" tIns="0" rIns="0" bIns="0" anchor="t">
             <a:normAutofit/>
           </a:bodyPr>
           <a:p>
-            <a:endParaRPr b="0" lang="en-US" sz="3200" spc="-1" strike="noStrike">
+            <a:endParaRPr lang="en-US" sz="3200" b="0" strike="noStrike" spc="-1">
               <a:solidFill>
-                <a:srgbClr val="ffffff"/>
+                <a:srgbClr val="FFFFFF"/>
               </a:solidFill>
-              <a:latin typeface="Arial"/>
+              <a:latin typeface="Arial" panose="020B0604020202020204"/>
             </a:endParaRPr>
           </a:p>
         </p:txBody>
@@ -1934,8 +2039,9 @@
           <a:bodyPr/>
           <a:p>
             <a:fld id="{7D673ECA-C579-4967-9AB0-8B4A0612B437}" type="slidenum">
-              <a:t>&lt;#&gt;</a:t>
+              <a:rPr/>
             </a:fld>
+            <a:endParaRPr/>
           </a:p>
         </p:txBody>
       </p:sp>
@@ -1953,20 +2059,20 @@
         <p:txBody>
           <a:bodyPr/>
           <a:p>
-            <a:r>
-              <a:rPr lang="pt-BR"/>
-              <a:t/>
-            </a:r>
+            <a:endParaRPr lang="pt-BR"/>
           </a:p>
         </p:txBody>
       </p:sp>
     </p:spTree>
   </p:cSld>
+  <p:clrMapOvr>
+    <a:masterClrMapping/>
+  </p:clrMapOvr>
 </p:sldLayout>
 </file>
 
 <file path=ppt/slideLayouts/slideLayout2.xml><?xml version="1.0" encoding="utf-8"?>
-<p:sldLayout xmlns:a="http://schemas.openxmlformats.org/drawingml/2006/main" xmlns:p="http://schemas.openxmlformats.org/presentationml/2006/main" xmlns:r="http://schemas.openxmlformats.org/officeDocument/2006/relationships" xmlns:p14="http://schemas.microsoft.com/office/powerpoint/2010/main" xmlns:p15="http://schemas.microsoft.com/office/powerpoint/2012/main" xmlns:mc="http://schemas.openxmlformats.org/markup-compatibility/2006" type="tx" preserve="1">
+<p:sldLayout xmlns:a="http://schemas.openxmlformats.org/drawingml/2006/main" xmlns:r="http://schemas.openxmlformats.org/officeDocument/2006/relationships" xmlns:p="http://schemas.openxmlformats.org/presentationml/2006/main" type="tx" preserve="1">
   <p:cSld name="Title Slide">
     <p:spTree>
       <p:nvGrpSpPr>
@@ -2006,15 +2112,15 @@
           </a:ln>
         </p:spPr>
         <p:txBody>
-          <a:bodyPr lIns="0" rIns="0" tIns="0" bIns="0" anchor="ctr">
+          <a:bodyPr lIns="0" tIns="0" rIns="0" bIns="0" anchor="ctr">
             <a:noAutofit/>
           </a:bodyPr>
           <a:p>
-            <a:endParaRPr b="0" lang="en-US" sz="1800" spc="-1" strike="noStrike">
+            <a:endParaRPr lang="en-US" sz="1800" b="0" strike="noStrike" spc="-1">
               <a:solidFill>
-                <a:srgbClr val="ffffff"/>
+                <a:srgbClr val="FFFFFF"/>
               </a:solidFill>
-              <a:latin typeface="Arial"/>
+              <a:latin typeface="Arial" panose="020B0604020202020204"/>
             </a:endParaRPr>
           </a:p>
         </p:txBody>
@@ -2043,15 +2149,15 @@
           </a:ln>
         </p:spPr>
         <p:txBody>
-          <a:bodyPr lIns="0" rIns="0" tIns="0" bIns="0" anchor="ctr">
+          <a:bodyPr lIns="0" tIns="0" rIns="0" bIns="0" anchor="ctr">
             <a:noAutofit/>
           </a:bodyPr>
           <a:p>
             <a:pPr algn="ctr">
               <a:buNone/>
             </a:pPr>
-            <a:endParaRPr b="0" lang="pt-BR" sz="3200" spc="-1" strike="noStrike">
-              <a:latin typeface="Arial"/>
+            <a:endParaRPr lang="pt-BR" sz="3200" b="0" strike="noStrike" spc="-1">
+              <a:latin typeface="Arial" panose="020B0604020202020204"/>
             </a:endParaRPr>
           </a:p>
         </p:txBody>
@@ -2091,8 +2197,9 @@
           <a:bodyPr/>
           <a:p>
             <a:fld id="{CBA955D5-9B45-465D-B7F9-442B539DD867}" type="slidenum">
-              <a:t>&lt;#&gt;</a:t>
+              <a:rPr/>
             </a:fld>
+            <a:endParaRPr/>
           </a:p>
         </p:txBody>
       </p:sp>
@@ -2110,20 +2217,20 @@
         <p:txBody>
           <a:bodyPr/>
           <a:p>
-            <a:r>
-              <a:rPr lang="pt-BR"/>
-              <a:t/>
-            </a:r>
+            <a:endParaRPr lang="pt-BR"/>
           </a:p>
         </p:txBody>
       </p:sp>
     </p:spTree>
   </p:cSld>
+  <p:clrMapOvr>
+    <a:masterClrMapping/>
+  </p:clrMapOvr>
 </p:sldLayout>
 </file>
 
 <file path=ppt/slideLayouts/slideLayout20.xml><?xml version="1.0" encoding="utf-8"?>
-<p:sldLayout xmlns:a="http://schemas.openxmlformats.org/drawingml/2006/main" xmlns:p="http://schemas.openxmlformats.org/presentationml/2006/main" xmlns:r="http://schemas.openxmlformats.org/officeDocument/2006/relationships" xmlns:p14="http://schemas.microsoft.com/office/powerpoint/2010/main" xmlns:p15="http://schemas.microsoft.com/office/powerpoint/2012/main" xmlns:mc="http://schemas.openxmlformats.org/markup-compatibility/2006" type="objAndTwoObj" preserve="1">
+<p:sldLayout xmlns:a="http://schemas.openxmlformats.org/drawingml/2006/main" xmlns:r="http://schemas.openxmlformats.org/officeDocument/2006/relationships" xmlns:p="http://schemas.openxmlformats.org/presentationml/2006/main" type="objAndTwoObj" preserve="1">
   <p:cSld name="Title Content and 2 Content">
     <p:spTree>
       <p:nvGrpSpPr>
@@ -2163,15 +2270,15 @@
           </a:ln>
         </p:spPr>
         <p:txBody>
-          <a:bodyPr lIns="0" rIns="0" tIns="0" bIns="0" anchor="ctr">
+          <a:bodyPr lIns="0" tIns="0" rIns="0" bIns="0" anchor="ctr">
             <a:noAutofit/>
           </a:bodyPr>
           <a:p>
-            <a:endParaRPr b="0" lang="en-US" sz="1800" spc="-1" strike="noStrike">
+            <a:endParaRPr lang="en-US" sz="1800" b="0" strike="noStrike" spc="-1">
               <a:solidFill>
-                <a:srgbClr val="ffffff"/>
+                <a:srgbClr val="FFFFFF"/>
               </a:solidFill>
-              <a:latin typeface="Arial"/>
+              <a:latin typeface="Arial" panose="020B0604020202020204"/>
             </a:endParaRPr>
           </a:p>
         </p:txBody>
@@ -2200,15 +2307,15 @@
           </a:ln>
         </p:spPr>
         <p:txBody>
-          <a:bodyPr lIns="0" rIns="0" tIns="0" bIns="0" anchor="t">
+          <a:bodyPr lIns="0" tIns="0" rIns="0" bIns="0" anchor="t">
             <a:normAutofit/>
           </a:bodyPr>
           <a:p>
-            <a:endParaRPr b="0" lang="en-US" sz="3200" spc="-1" strike="noStrike">
+            <a:endParaRPr lang="en-US" sz="3200" b="0" strike="noStrike" spc="-1">
               <a:solidFill>
-                <a:srgbClr val="ffffff"/>
+                <a:srgbClr val="FFFFFF"/>
               </a:solidFill>
-              <a:latin typeface="Arial"/>
+              <a:latin typeface="Arial" panose="020B0604020202020204"/>
             </a:endParaRPr>
           </a:p>
         </p:txBody>
@@ -2237,15 +2344,15 @@
           </a:ln>
         </p:spPr>
         <p:txBody>
-          <a:bodyPr lIns="0" rIns="0" tIns="0" bIns="0" anchor="t">
+          <a:bodyPr lIns="0" tIns="0" rIns="0" bIns="0" anchor="t">
             <a:normAutofit/>
           </a:bodyPr>
           <a:p>
-            <a:endParaRPr b="0" lang="en-US" sz="3200" spc="-1" strike="noStrike">
+            <a:endParaRPr lang="en-US" sz="3200" b="0" strike="noStrike" spc="-1">
               <a:solidFill>
-                <a:srgbClr val="ffffff"/>
+                <a:srgbClr val="FFFFFF"/>
               </a:solidFill>
-              <a:latin typeface="Arial"/>
+              <a:latin typeface="Arial" panose="020B0604020202020204"/>
             </a:endParaRPr>
           </a:p>
         </p:txBody>
@@ -2274,15 +2381,15 @@
           </a:ln>
         </p:spPr>
         <p:txBody>
-          <a:bodyPr lIns="0" rIns="0" tIns="0" bIns="0" anchor="t">
+          <a:bodyPr lIns="0" tIns="0" rIns="0" bIns="0" anchor="t">
             <a:normAutofit/>
           </a:bodyPr>
           <a:p>
-            <a:endParaRPr b="0" lang="en-US" sz="3200" spc="-1" strike="noStrike">
+            <a:endParaRPr lang="en-US" sz="3200" b="0" strike="noStrike" spc="-1">
               <a:solidFill>
-                <a:srgbClr val="ffffff"/>
+                <a:srgbClr val="FFFFFF"/>
               </a:solidFill>
-              <a:latin typeface="Arial"/>
+              <a:latin typeface="Arial" panose="020B0604020202020204"/>
             </a:endParaRPr>
           </a:p>
         </p:txBody>
@@ -2322,8 +2429,9 @@
           <a:bodyPr/>
           <a:p>
             <a:fld id="{BF2474E0-54D2-4A21-B3AE-ECA9FCAD88A8}" type="slidenum">
-              <a:t>&lt;#&gt;</a:t>
+              <a:rPr/>
             </a:fld>
+            <a:endParaRPr/>
           </a:p>
         </p:txBody>
       </p:sp>
@@ -2341,20 +2449,20 @@
         <p:txBody>
           <a:bodyPr/>
           <a:p>
-            <a:r>
-              <a:rPr lang="pt-BR"/>
-              <a:t/>
-            </a:r>
+            <a:endParaRPr lang="pt-BR"/>
           </a:p>
         </p:txBody>
       </p:sp>
     </p:spTree>
   </p:cSld>
+  <p:clrMapOvr>
+    <a:masterClrMapping/>
+  </p:clrMapOvr>
 </p:sldLayout>
 </file>
 
 <file path=ppt/slideLayouts/slideLayout21.xml><?xml version="1.0" encoding="utf-8"?>
-<p:sldLayout xmlns:a="http://schemas.openxmlformats.org/drawingml/2006/main" xmlns:p="http://schemas.openxmlformats.org/presentationml/2006/main" xmlns:r="http://schemas.openxmlformats.org/officeDocument/2006/relationships" xmlns:p14="http://schemas.microsoft.com/office/powerpoint/2010/main" xmlns:p15="http://schemas.microsoft.com/office/powerpoint/2012/main" xmlns:mc="http://schemas.openxmlformats.org/markup-compatibility/2006" type="twoObjOverTx" preserve="1">
+<p:sldLayout xmlns:a="http://schemas.openxmlformats.org/drawingml/2006/main" xmlns:r="http://schemas.openxmlformats.org/officeDocument/2006/relationships" xmlns:p="http://schemas.openxmlformats.org/presentationml/2006/main" type="twoObjOverTx" preserve="1">
   <p:cSld name="Title, 2 Content over Content">
     <p:spTree>
       <p:nvGrpSpPr>
@@ -2394,15 +2502,15 @@
           </a:ln>
         </p:spPr>
         <p:txBody>
-          <a:bodyPr lIns="0" rIns="0" tIns="0" bIns="0" anchor="ctr">
+          <a:bodyPr lIns="0" tIns="0" rIns="0" bIns="0" anchor="ctr">
             <a:noAutofit/>
           </a:bodyPr>
           <a:p>
-            <a:endParaRPr b="0" lang="en-US" sz="1800" spc="-1" strike="noStrike">
+            <a:endParaRPr lang="en-US" sz="1800" b="0" strike="noStrike" spc="-1">
               <a:solidFill>
-                <a:srgbClr val="ffffff"/>
+                <a:srgbClr val="FFFFFF"/>
               </a:solidFill>
-              <a:latin typeface="Arial"/>
+              <a:latin typeface="Arial" panose="020B0604020202020204"/>
             </a:endParaRPr>
           </a:p>
         </p:txBody>
@@ -2431,15 +2539,15 @@
           </a:ln>
         </p:spPr>
         <p:txBody>
-          <a:bodyPr lIns="0" rIns="0" tIns="0" bIns="0" anchor="t">
+          <a:bodyPr lIns="0" tIns="0" rIns="0" bIns="0" anchor="t">
             <a:normAutofit/>
           </a:bodyPr>
           <a:p>
-            <a:endParaRPr b="0" lang="en-US" sz="3200" spc="-1" strike="noStrike">
+            <a:endParaRPr lang="en-US" sz="3200" b="0" strike="noStrike" spc="-1">
               <a:solidFill>
-                <a:srgbClr val="ffffff"/>
+                <a:srgbClr val="FFFFFF"/>
               </a:solidFill>
-              <a:latin typeface="Arial"/>
+              <a:latin typeface="Arial" panose="020B0604020202020204"/>
             </a:endParaRPr>
           </a:p>
         </p:txBody>
@@ -2468,15 +2576,15 @@
           </a:ln>
         </p:spPr>
         <p:txBody>
-          <a:bodyPr lIns="0" rIns="0" tIns="0" bIns="0" anchor="t">
+          <a:bodyPr lIns="0" tIns="0" rIns="0" bIns="0" anchor="t">
             <a:normAutofit/>
           </a:bodyPr>
           <a:p>
-            <a:endParaRPr b="0" lang="en-US" sz="3200" spc="-1" strike="noStrike">
+            <a:endParaRPr lang="en-US" sz="3200" b="0" strike="noStrike" spc="-1">
               <a:solidFill>
-                <a:srgbClr val="ffffff"/>
+                <a:srgbClr val="FFFFFF"/>
               </a:solidFill>
-              <a:latin typeface="Arial"/>
+              <a:latin typeface="Arial" panose="020B0604020202020204"/>
             </a:endParaRPr>
           </a:p>
         </p:txBody>
@@ -2505,15 +2613,15 @@
           </a:ln>
         </p:spPr>
         <p:txBody>
-          <a:bodyPr lIns="0" rIns="0" tIns="0" bIns="0" anchor="t">
+          <a:bodyPr lIns="0" tIns="0" rIns="0" bIns="0" anchor="t">
             <a:normAutofit/>
           </a:bodyPr>
           <a:p>
-            <a:endParaRPr b="0" lang="en-US" sz="3200" spc="-1" strike="noStrike">
+            <a:endParaRPr lang="en-US" sz="3200" b="0" strike="noStrike" spc="-1">
               <a:solidFill>
-                <a:srgbClr val="ffffff"/>
+                <a:srgbClr val="FFFFFF"/>
               </a:solidFill>
-              <a:latin typeface="Arial"/>
+              <a:latin typeface="Arial" panose="020B0604020202020204"/>
             </a:endParaRPr>
           </a:p>
         </p:txBody>
@@ -2553,8 +2661,9 @@
           <a:bodyPr/>
           <a:p>
             <a:fld id="{E08EEF5C-540C-40B4-854A-13EF888E3D6C}" type="slidenum">
-              <a:t>&lt;#&gt;</a:t>
+              <a:rPr/>
             </a:fld>
+            <a:endParaRPr/>
           </a:p>
         </p:txBody>
       </p:sp>
@@ -2572,20 +2681,20 @@
         <p:txBody>
           <a:bodyPr/>
           <a:p>
-            <a:r>
-              <a:rPr lang="pt-BR"/>
-              <a:t/>
-            </a:r>
+            <a:endParaRPr lang="pt-BR"/>
           </a:p>
         </p:txBody>
       </p:sp>
     </p:spTree>
   </p:cSld>
+  <p:clrMapOvr>
+    <a:masterClrMapping/>
+  </p:clrMapOvr>
 </p:sldLayout>
 </file>
 
 <file path=ppt/slideLayouts/slideLayout22.xml><?xml version="1.0" encoding="utf-8"?>
-<p:sldLayout xmlns:a="http://schemas.openxmlformats.org/drawingml/2006/main" xmlns:p="http://schemas.openxmlformats.org/presentationml/2006/main" xmlns:r="http://schemas.openxmlformats.org/officeDocument/2006/relationships" xmlns:p14="http://schemas.microsoft.com/office/powerpoint/2010/main" xmlns:p15="http://schemas.microsoft.com/office/powerpoint/2012/main" xmlns:mc="http://schemas.openxmlformats.org/markup-compatibility/2006" type="objOverTx" preserve="1">
+<p:sldLayout xmlns:a="http://schemas.openxmlformats.org/drawingml/2006/main" xmlns:r="http://schemas.openxmlformats.org/officeDocument/2006/relationships" xmlns:p="http://schemas.openxmlformats.org/presentationml/2006/main" type="objOverTx" preserve="1">
   <p:cSld name="Title, Content over Content">
     <p:spTree>
       <p:nvGrpSpPr>
@@ -2625,15 +2734,15 @@
           </a:ln>
         </p:spPr>
         <p:txBody>
-          <a:bodyPr lIns="0" rIns="0" tIns="0" bIns="0" anchor="ctr">
+          <a:bodyPr lIns="0" tIns="0" rIns="0" bIns="0" anchor="ctr">
             <a:noAutofit/>
           </a:bodyPr>
           <a:p>
-            <a:endParaRPr b="0" lang="en-US" sz="1800" spc="-1" strike="noStrike">
+            <a:endParaRPr lang="en-US" sz="1800" b="0" strike="noStrike" spc="-1">
               <a:solidFill>
-                <a:srgbClr val="ffffff"/>
+                <a:srgbClr val="FFFFFF"/>
               </a:solidFill>
-              <a:latin typeface="Arial"/>
+              <a:latin typeface="Arial" panose="020B0604020202020204"/>
             </a:endParaRPr>
           </a:p>
         </p:txBody>
@@ -2662,15 +2771,15 @@
           </a:ln>
         </p:spPr>
         <p:txBody>
-          <a:bodyPr lIns="0" rIns="0" tIns="0" bIns="0" anchor="t">
+          <a:bodyPr lIns="0" tIns="0" rIns="0" bIns="0" anchor="t">
             <a:normAutofit/>
           </a:bodyPr>
           <a:p>
-            <a:endParaRPr b="0" lang="en-US" sz="3200" spc="-1" strike="noStrike">
+            <a:endParaRPr lang="en-US" sz="3200" b="0" strike="noStrike" spc="-1">
               <a:solidFill>
-                <a:srgbClr val="ffffff"/>
+                <a:srgbClr val="FFFFFF"/>
               </a:solidFill>
-              <a:latin typeface="Arial"/>
+              <a:latin typeface="Arial" panose="020B0604020202020204"/>
             </a:endParaRPr>
           </a:p>
         </p:txBody>
@@ -2699,15 +2808,15 @@
           </a:ln>
         </p:spPr>
         <p:txBody>
-          <a:bodyPr lIns="0" rIns="0" tIns="0" bIns="0" anchor="t">
+          <a:bodyPr lIns="0" tIns="0" rIns="0" bIns="0" anchor="t">
             <a:normAutofit/>
           </a:bodyPr>
           <a:p>
-            <a:endParaRPr b="0" lang="en-US" sz="3200" spc="-1" strike="noStrike">
+            <a:endParaRPr lang="en-US" sz="3200" b="0" strike="noStrike" spc="-1">
               <a:solidFill>
-                <a:srgbClr val="ffffff"/>
+                <a:srgbClr val="FFFFFF"/>
               </a:solidFill>
-              <a:latin typeface="Arial"/>
+              <a:latin typeface="Arial" panose="020B0604020202020204"/>
             </a:endParaRPr>
           </a:p>
         </p:txBody>
@@ -2747,8 +2856,9 @@
           <a:bodyPr/>
           <a:p>
             <a:fld id="{986611A8-847C-4C14-B95A-359BF0399B36}" type="slidenum">
-              <a:t>&lt;#&gt;</a:t>
+              <a:rPr/>
             </a:fld>
+            <a:endParaRPr/>
           </a:p>
         </p:txBody>
       </p:sp>
@@ -2766,20 +2876,20 @@
         <p:txBody>
           <a:bodyPr/>
           <a:p>
-            <a:r>
-              <a:rPr lang="pt-BR"/>
-              <a:t/>
-            </a:r>
+            <a:endParaRPr lang="pt-BR"/>
           </a:p>
         </p:txBody>
       </p:sp>
     </p:spTree>
   </p:cSld>
+  <p:clrMapOvr>
+    <a:masterClrMapping/>
+  </p:clrMapOvr>
 </p:sldLayout>
 </file>
 
 <file path=ppt/slideLayouts/slideLayout23.xml><?xml version="1.0" encoding="utf-8"?>
-<p:sldLayout xmlns:a="http://schemas.openxmlformats.org/drawingml/2006/main" xmlns:p="http://schemas.openxmlformats.org/presentationml/2006/main" xmlns:r="http://schemas.openxmlformats.org/officeDocument/2006/relationships" xmlns:p14="http://schemas.microsoft.com/office/powerpoint/2010/main" xmlns:p15="http://schemas.microsoft.com/office/powerpoint/2012/main" xmlns:mc="http://schemas.openxmlformats.org/markup-compatibility/2006" type="fourObj" preserve="1">
+<p:sldLayout xmlns:a="http://schemas.openxmlformats.org/drawingml/2006/main" xmlns:r="http://schemas.openxmlformats.org/officeDocument/2006/relationships" xmlns:p="http://schemas.openxmlformats.org/presentationml/2006/main" type="fourObj" preserve="1">
   <p:cSld name="Title, 4 Content">
     <p:spTree>
       <p:nvGrpSpPr>
@@ -2819,15 +2929,15 @@
           </a:ln>
         </p:spPr>
         <p:txBody>
-          <a:bodyPr lIns="0" rIns="0" tIns="0" bIns="0" anchor="ctr">
+          <a:bodyPr lIns="0" tIns="0" rIns="0" bIns="0" anchor="ctr">
             <a:noAutofit/>
           </a:bodyPr>
           <a:p>
-            <a:endParaRPr b="0" lang="en-US" sz="1800" spc="-1" strike="noStrike">
+            <a:endParaRPr lang="en-US" sz="1800" b="0" strike="noStrike" spc="-1">
               <a:solidFill>
-                <a:srgbClr val="ffffff"/>
+                <a:srgbClr val="FFFFFF"/>
               </a:solidFill>
-              <a:latin typeface="Arial"/>
+              <a:latin typeface="Arial" panose="020B0604020202020204"/>
             </a:endParaRPr>
           </a:p>
         </p:txBody>
@@ -2856,15 +2966,15 @@
           </a:ln>
         </p:spPr>
         <p:txBody>
-          <a:bodyPr lIns="0" rIns="0" tIns="0" bIns="0" anchor="t">
+          <a:bodyPr lIns="0" tIns="0" rIns="0" bIns="0" anchor="t">
             <a:normAutofit/>
           </a:bodyPr>
           <a:p>
-            <a:endParaRPr b="0" lang="en-US" sz="3200" spc="-1" strike="noStrike">
+            <a:endParaRPr lang="en-US" sz="3200" b="0" strike="noStrike" spc="-1">
               <a:solidFill>
-                <a:srgbClr val="ffffff"/>
+                <a:srgbClr val="FFFFFF"/>
               </a:solidFill>
-              <a:latin typeface="Arial"/>
+              <a:latin typeface="Arial" panose="020B0604020202020204"/>
             </a:endParaRPr>
           </a:p>
         </p:txBody>
@@ -2893,15 +3003,15 @@
           </a:ln>
         </p:spPr>
         <p:txBody>
-          <a:bodyPr lIns="0" rIns="0" tIns="0" bIns="0" anchor="t">
+          <a:bodyPr lIns="0" tIns="0" rIns="0" bIns="0" anchor="t">
             <a:normAutofit/>
           </a:bodyPr>
           <a:p>
-            <a:endParaRPr b="0" lang="en-US" sz="3200" spc="-1" strike="noStrike">
+            <a:endParaRPr lang="en-US" sz="3200" b="0" strike="noStrike" spc="-1">
               <a:solidFill>
-                <a:srgbClr val="ffffff"/>
+                <a:srgbClr val="FFFFFF"/>
               </a:solidFill>
-              <a:latin typeface="Arial"/>
+              <a:latin typeface="Arial" panose="020B0604020202020204"/>
             </a:endParaRPr>
           </a:p>
         </p:txBody>
@@ -2930,15 +3040,15 @@
           </a:ln>
         </p:spPr>
         <p:txBody>
-          <a:bodyPr lIns="0" rIns="0" tIns="0" bIns="0" anchor="t">
+          <a:bodyPr lIns="0" tIns="0" rIns="0" bIns="0" anchor="t">
             <a:normAutofit/>
           </a:bodyPr>
           <a:p>
-            <a:endParaRPr b="0" lang="en-US" sz="3200" spc="-1" strike="noStrike">
+            <a:endParaRPr lang="en-US" sz="3200" b="0" strike="noStrike" spc="-1">
               <a:solidFill>
-                <a:srgbClr val="ffffff"/>
+                <a:srgbClr val="FFFFFF"/>
               </a:solidFill>
-              <a:latin typeface="Arial"/>
+              <a:latin typeface="Arial" panose="020B0604020202020204"/>
             </a:endParaRPr>
           </a:p>
         </p:txBody>
@@ -2967,15 +3077,15 @@
           </a:ln>
         </p:spPr>
         <p:txBody>
-          <a:bodyPr lIns="0" rIns="0" tIns="0" bIns="0" anchor="t">
+          <a:bodyPr lIns="0" tIns="0" rIns="0" bIns="0" anchor="t">
             <a:normAutofit/>
           </a:bodyPr>
           <a:p>
-            <a:endParaRPr b="0" lang="en-US" sz="3200" spc="-1" strike="noStrike">
+            <a:endParaRPr lang="en-US" sz="3200" b="0" strike="noStrike" spc="-1">
               <a:solidFill>
-                <a:srgbClr val="ffffff"/>
+                <a:srgbClr val="FFFFFF"/>
               </a:solidFill>
-              <a:latin typeface="Arial"/>
+              <a:latin typeface="Arial" panose="020B0604020202020204"/>
             </a:endParaRPr>
           </a:p>
         </p:txBody>
@@ -3015,8 +3125,9 @@
           <a:bodyPr/>
           <a:p>
             <a:fld id="{4CD11E20-73E8-4301-8C20-D63026A75BBF}" type="slidenum">
-              <a:t>&lt;#&gt;</a:t>
+              <a:rPr/>
             </a:fld>
+            <a:endParaRPr/>
           </a:p>
         </p:txBody>
       </p:sp>
@@ -3034,20 +3145,20 @@
         <p:txBody>
           <a:bodyPr/>
           <a:p>
-            <a:r>
-              <a:rPr lang="pt-BR"/>
-              <a:t/>
-            </a:r>
+            <a:endParaRPr lang="pt-BR"/>
           </a:p>
         </p:txBody>
       </p:sp>
     </p:spTree>
   </p:cSld>
+  <p:clrMapOvr>
+    <a:masterClrMapping/>
+  </p:clrMapOvr>
 </p:sldLayout>
 </file>
 
 <file path=ppt/slideLayouts/slideLayout24.xml><?xml version="1.0" encoding="utf-8"?>
-<p:sldLayout xmlns:a="http://schemas.openxmlformats.org/drawingml/2006/main" xmlns:p="http://schemas.openxmlformats.org/presentationml/2006/main" xmlns:r="http://schemas.openxmlformats.org/officeDocument/2006/relationships" xmlns:p14="http://schemas.microsoft.com/office/powerpoint/2010/main" xmlns:p15="http://schemas.microsoft.com/office/powerpoint/2012/main" xmlns:mc="http://schemas.openxmlformats.org/markup-compatibility/2006" type="blank" preserve="1">
+<p:sldLayout xmlns:a="http://schemas.openxmlformats.org/drawingml/2006/main" xmlns:r="http://schemas.openxmlformats.org/officeDocument/2006/relationships" xmlns:p="http://schemas.openxmlformats.org/presentationml/2006/main" type="blank" preserve="1">
   <p:cSld name="Title, 6 Content">
     <p:spTree>
       <p:nvGrpSpPr>
@@ -3087,15 +3198,15 @@
           </a:ln>
         </p:spPr>
         <p:txBody>
-          <a:bodyPr lIns="0" rIns="0" tIns="0" bIns="0" anchor="ctr">
+          <a:bodyPr lIns="0" tIns="0" rIns="0" bIns="0" anchor="ctr">
             <a:noAutofit/>
           </a:bodyPr>
           <a:p>
-            <a:endParaRPr b="0" lang="en-US" sz="1800" spc="-1" strike="noStrike">
+            <a:endParaRPr lang="en-US" sz="1800" b="0" strike="noStrike" spc="-1">
               <a:solidFill>
-                <a:srgbClr val="ffffff"/>
+                <a:srgbClr val="FFFFFF"/>
               </a:solidFill>
-              <a:latin typeface="Arial"/>
+              <a:latin typeface="Arial" panose="020B0604020202020204"/>
             </a:endParaRPr>
           </a:p>
         </p:txBody>
@@ -3124,15 +3235,15 @@
           </a:ln>
         </p:spPr>
         <p:txBody>
-          <a:bodyPr lIns="0" rIns="0" tIns="0" bIns="0" anchor="t">
+          <a:bodyPr lIns="0" tIns="0" rIns="0" bIns="0" anchor="t">
             <a:normAutofit/>
           </a:bodyPr>
           <a:p>
-            <a:endParaRPr b="0" lang="en-US" sz="3200" spc="-1" strike="noStrike">
+            <a:endParaRPr lang="en-US" sz="3200" b="0" strike="noStrike" spc="-1">
               <a:solidFill>
-                <a:srgbClr val="ffffff"/>
+                <a:srgbClr val="FFFFFF"/>
               </a:solidFill>
-              <a:latin typeface="Arial"/>
+              <a:latin typeface="Arial" panose="020B0604020202020204"/>
             </a:endParaRPr>
           </a:p>
         </p:txBody>
@@ -3161,15 +3272,15 @@
           </a:ln>
         </p:spPr>
         <p:txBody>
-          <a:bodyPr lIns="0" rIns="0" tIns="0" bIns="0" anchor="t">
+          <a:bodyPr lIns="0" tIns="0" rIns="0" bIns="0" anchor="t">
             <a:normAutofit/>
           </a:bodyPr>
           <a:p>
-            <a:endParaRPr b="0" lang="en-US" sz="3200" spc="-1" strike="noStrike">
+            <a:endParaRPr lang="en-US" sz="3200" b="0" strike="noStrike" spc="-1">
               <a:solidFill>
-                <a:srgbClr val="ffffff"/>
+                <a:srgbClr val="FFFFFF"/>
               </a:solidFill>
-              <a:latin typeface="Arial"/>
+              <a:latin typeface="Arial" panose="020B0604020202020204"/>
             </a:endParaRPr>
           </a:p>
         </p:txBody>
@@ -3198,15 +3309,15 @@
           </a:ln>
         </p:spPr>
         <p:txBody>
-          <a:bodyPr lIns="0" rIns="0" tIns="0" bIns="0" anchor="t">
+          <a:bodyPr lIns="0" tIns="0" rIns="0" bIns="0" anchor="t">
             <a:normAutofit/>
           </a:bodyPr>
           <a:p>
-            <a:endParaRPr b="0" lang="en-US" sz="3200" spc="-1" strike="noStrike">
+            <a:endParaRPr lang="en-US" sz="3200" b="0" strike="noStrike" spc="-1">
               <a:solidFill>
-                <a:srgbClr val="ffffff"/>
+                <a:srgbClr val="FFFFFF"/>
               </a:solidFill>
-              <a:latin typeface="Arial"/>
+              <a:latin typeface="Arial" panose="020B0604020202020204"/>
             </a:endParaRPr>
           </a:p>
         </p:txBody>
@@ -3235,15 +3346,15 @@
           </a:ln>
         </p:spPr>
         <p:txBody>
-          <a:bodyPr lIns="0" rIns="0" tIns="0" bIns="0" anchor="t">
+          <a:bodyPr lIns="0" tIns="0" rIns="0" bIns="0" anchor="t">
             <a:normAutofit/>
           </a:bodyPr>
           <a:p>
-            <a:endParaRPr b="0" lang="en-US" sz="3200" spc="-1" strike="noStrike">
+            <a:endParaRPr lang="en-US" sz="3200" b="0" strike="noStrike" spc="-1">
               <a:solidFill>
-                <a:srgbClr val="ffffff"/>
+                <a:srgbClr val="FFFFFF"/>
               </a:solidFill>
-              <a:latin typeface="Arial"/>
+              <a:latin typeface="Arial" panose="020B0604020202020204"/>
             </a:endParaRPr>
           </a:p>
         </p:txBody>
@@ -3272,15 +3383,15 @@
           </a:ln>
         </p:spPr>
         <p:txBody>
-          <a:bodyPr lIns="0" rIns="0" tIns="0" bIns="0" anchor="t">
+          <a:bodyPr lIns="0" tIns="0" rIns="0" bIns="0" anchor="t">
             <a:normAutofit/>
           </a:bodyPr>
           <a:p>
-            <a:endParaRPr b="0" lang="en-US" sz="3200" spc="-1" strike="noStrike">
+            <a:endParaRPr lang="en-US" sz="3200" b="0" strike="noStrike" spc="-1">
               <a:solidFill>
-                <a:srgbClr val="ffffff"/>
+                <a:srgbClr val="FFFFFF"/>
               </a:solidFill>
-              <a:latin typeface="Arial"/>
+              <a:latin typeface="Arial" panose="020B0604020202020204"/>
             </a:endParaRPr>
           </a:p>
         </p:txBody>
@@ -3309,15 +3420,15 @@
           </a:ln>
         </p:spPr>
         <p:txBody>
-          <a:bodyPr lIns="0" rIns="0" tIns="0" bIns="0" anchor="t">
+          <a:bodyPr lIns="0" tIns="0" rIns="0" bIns="0" anchor="t">
             <a:normAutofit/>
           </a:bodyPr>
           <a:p>
-            <a:endParaRPr b="0" lang="en-US" sz="3200" spc="-1" strike="noStrike">
+            <a:endParaRPr lang="en-US" sz="3200" b="0" strike="noStrike" spc="-1">
               <a:solidFill>
-                <a:srgbClr val="ffffff"/>
+                <a:srgbClr val="FFFFFF"/>
               </a:solidFill>
-              <a:latin typeface="Arial"/>
+              <a:latin typeface="Arial" panose="020B0604020202020204"/>
             </a:endParaRPr>
           </a:p>
         </p:txBody>
@@ -3357,8 +3468,9 @@
           <a:bodyPr/>
           <a:p>
             <a:fld id="{B72920F3-702F-4207-81ED-A96FF34542AE}" type="slidenum">
-              <a:t>&lt;#&gt;</a:t>
+              <a:rPr/>
             </a:fld>
+            <a:endParaRPr/>
           </a:p>
         </p:txBody>
       </p:sp>
@@ -3376,20 +3488,20 @@
         <p:txBody>
           <a:bodyPr/>
           <a:p>
-            <a:r>
-              <a:rPr lang="pt-BR"/>
-              <a:t/>
-            </a:r>
+            <a:endParaRPr lang="pt-BR"/>
           </a:p>
         </p:txBody>
       </p:sp>
     </p:spTree>
   </p:cSld>
+  <p:clrMapOvr>
+    <a:masterClrMapping/>
+  </p:clrMapOvr>
 </p:sldLayout>
 </file>
 
 <file path=ppt/slideLayouts/slideLayout3.xml><?xml version="1.0" encoding="utf-8"?>
-<p:sldLayout xmlns:a="http://schemas.openxmlformats.org/drawingml/2006/main" xmlns:p="http://schemas.openxmlformats.org/presentationml/2006/main" xmlns:r="http://schemas.openxmlformats.org/officeDocument/2006/relationships" xmlns:p14="http://schemas.microsoft.com/office/powerpoint/2010/main" xmlns:p15="http://schemas.microsoft.com/office/powerpoint/2012/main" xmlns:mc="http://schemas.openxmlformats.org/markup-compatibility/2006" type="obj" preserve="1">
+<p:sldLayout xmlns:a="http://schemas.openxmlformats.org/drawingml/2006/main" xmlns:r="http://schemas.openxmlformats.org/officeDocument/2006/relationships" xmlns:p="http://schemas.openxmlformats.org/presentationml/2006/main" type="obj" preserve="1">
   <p:cSld name="Title, Content">
     <p:spTree>
       <p:nvGrpSpPr>
@@ -3429,15 +3541,15 @@
           </a:ln>
         </p:spPr>
         <p:txBody>
-          <a:bodyPr lIns="0" rIns="0" tIns="0" bIns="0" anchor="ctr">
+          <a:bodyPr lIns="0" tIns="0" rIns="0" bIns="0" anchor="ctr">
             <a:noAutofit/>
           </a:bodyPr>
           <a:p>
-            <a:endParaRPr b="0" lang="en-US" sz="1800" spc="-1" strike="noStrike">
+            <a:endParaRPr lang="en-US" sz="1800" b="0" strike="noStrike" spc="-1">
               <a:solidFill>
-                <a:srgbClr val="ffffff"/>
+                <a:srgbClr val="FFFFFF"/>
               </a:solidFill>
-              <a:latin typeface="Arial"/>
+              <a:latin typeface="Arial" panose="020B0604020202020204"/>
             </a:endParaRPr>
           </a:p>
         </p:txBody>
@@ -3466,15 +3578,15 @@
           </a:ln>
         </p:spPr>
         <p:txBody>
-          <a:bodyPr lIns="0" rIns="0" tIns="0" bIns="0" anchor="t">
+          <a:bodyPr lIns="0" tIns="0" rIns="0" bIns="0" anchor="t">
             <a:normAutofit/>
           </a:bodyPr>
           <a:p>
-            <a:endParaRPr b="0" lang="en-US" sz="3200" spc="-1" strike="noStrike">
+            <a:endParaRPr lang="en-US" sz="3200" b="0" strike="noStrike" spc="-1">
               <a:solidFill>
-                <a:srgbClr val="ffffff"/>
+                <a:srgbClr val="FFFFFF"/>
               </a:solidFill>
-              <a:latin typeface="Arial"/>
+              <a:latin typeface="Arial" panose="020B0604020202020204"/>
             </a:endParaRPr>
           </a:p>
         </p:txBody>
@@ -3514,8 +3626,9 @@
           <a:bodyPr/>
           <a:p>
             <a:fld id="{32D40605-DA02-431B-A412-9A1BE80113A6}" type="slidenum">
-              <a:t>&lt;#&gt;</a:t>
+              <a:rPr/>
             </a:fld>
+            <a:endParaRPr/>
           </a:p>
         </p:txBody>
       </p:sp>
@@ -3533,20 +3646,20 @@
         <p:txBody>
           <a:bodyPr/>
           <a:p>
-            <a:r>
-              <a:rPr lang="pt-BR"/>
-              <a:t/>
-            </a:r>
+            <a:endParaRPr lang="pt-BR"/>
           </a:p>
         </p:txBody>
       </p:sp>
     </p:spTree>
   </p:cSld>
+  <p:clrMapOvr>
+    <a:masterClrMapping/>
+  </p:clrMapOvr>
 </p:sldLayout>
 </file>
 
 <file path=ppt/slideLayouts/slideLayout4.xml><?xml version="1.0" encoding="utf-8"?>
-<p:sldLayout xmlns:a="http://schemas.openxmlformats.org/drawingml/2006/main" xmlns:p="http://schemas.openxmlformats.org/presentationml/2006/main" xmlns:r="http://schemas.openxmlformats.org/officeDocument/2006/relationships" xmlns:p14="http://schemas.microsoft.com/office/powerpoint/2010/main" xmlns:p15="http://schemas.microsoft.com/office/powerpoint/2012/main" xmlns:mc="http://schemas.openxmlformats.org/markup-compatibility/2006" type="twoObj" preserve="1">
+<p:sldLayout xmlns:a="http://schemas.openxmlformats.org/drawingml/2006/main" xmlns:r="http://schemas.openxmlformats.org/officeDocument/2006/relationships" xmlns:p="http://schemas.openxmlformats.org/presentationml/2006/main" type="twoObj" preserve="1">
   <p:cSld name="Title, 2 Content">
     <p:spTree>
       <p:nvGrpSpPr>
@@ -3586,15 +3699,15 @@
           </a:ln>
         </p:spPr>
         <p:txBody>
-          <a:bodyPr lIns="0" rIns="0" tIns="0" bIns="0" anchor="ctr">
+          <a:bodyPr lIns="0" tIns="0" rIns="0" bIns="0" anchor="ctr">
             <a:noAutofit/>
           </a:bodyPr>
           <a:p>
-            <a:endParaRPr b="0" lang="en-US" sz="1800" spc="-1" strike="noStrike">
+            <a:endParaRPr lang="en-US" sz="1800" b="0" strike="noStrike" spc="-1">
               <a:solidFill>
-                <a:srgbClr val="ffffff"/>
+                <a:srgbClr val="FFFFFF"/>
               </a:solidFill>
-              <a:latin typeface="Arial"/>
+              <a:latin typeface="Arial" panose="020B0604020202020204"/>
             </a:endParaRPr>
           </a:p>
         </p:txBody>
@@ -3623,15 +3736,15 @@
           </a:ln>
         </p:spPr>
         <p:txBody>
-          <a:bodyPr lIns="0" rIns="0" tIns="0" bIns="0" anchor="t">
+          <a:bodyPr lIns="0" tIns="0" rIns="0" bIns="0" anchor="t">
             <a:normAutofit/>
           </a:bodyPr>
           <a:p>
-            <a:endParaRPr b="0" lang="en-US" sz="3200" spc="-1" strike="noStrike">
+            <a:endParaRPr lang="en-US" sz="3200" b="0" strike="noStrike" spc="-1">
               <a:solidFill>
-                <a:srgbClr val="ffffff"/>
+                <a:srgbClr val="FFFFFF"/>
               </a:solidFill>
-              <a:latin typeface="Arial"/>
+              <a:latin typeface="Arial" panose="020B0604020202020204"/>
             </a:endParaRPr>
           </a:p>
         </p:txBody>
@@ -3660,15 +3773,15 @@
           </a:ln>
         </p:spPr>
         <p:txBody>
-          <a:bodyPr lIns="0" rIns="0" tIns="0" bIns="0" anchor="t">
+          <a:bodyPr lIns="0" tIns="0" rIns="0" bIns="0" anchor="t">
             <a:normAutofit/>
           </a:bodyPr>
           <a:p>
-            <a:endParaRPr b="0" lang="en-US" sz="3200" spc="-1" strike="noStrike">
+            <a:endParaRPr lang="en-US" sz="3200" b="0" strike="noStrike" spc="-1">
               <a:solidFill>
-                <a:srgbClr val="ffffff"/>
+                <a:srgbClr val="FFFFFF"/>
               </a:solidFill>
-              <a:latin typeface="Arial"/>
+              <a:latin typeface="Arial" panose="020B0604020202020204"/>
             </a:endParaRPr>
           </a:p>
         </p:txBody>
@@ -3708,8 +3821,9 @@
           <a:bodyPr/>
           <a:p>
             <a:fld id="{79FAC379-3F7F-4F66-BBA3-3EC438E6A70D}" type="slidenum">
-              <a:t>&lt;#&gt;</a:t>
+              <a:rPr/>
             </a:fld>
+            <a:endParaRPr/>
           </a:p>
         </p:txBody>
       </p:sp>
@@ -3727,20 +3841,20 @@
         <p:txBody>
           <a:bodyPr/>
           <a:p>
-            <a:r>
-              <a:rPr lang="pt-BR"/>
-              <a:t/>
-            </a:r>
+            <a:endParaRPr lang="pt-BR"/>
           </a:p>
         </p:txBody>
       </p:sp>
     </p:spTree>
   </p:cSld>
+  <p:clrMapOvr>
+    <a:masterClrMapping/>
+  </p:clrMapOvr>
 </p:sldLayout>
 </file>
 
 <file path=ppt/slideLayouts/slideLayout5.xml><?xml version="1.0" encoding="utf-8"?>
-<p:sldLayout xmlns:a="http://schemas.openxmlformats.org/drawingml/2006/main" xmlns:p="http://schemas.openxmlformats.org/presentationml/2006/main" xmlns:r="http://schemas.openxmlformats.org/officeDocument/2006/relationships" xmlns:p14="http://schemas.microsoft.com/office/powerpoint/2010/main" xmlns:p15="http://schemas.microsoft.com/office/powerpoint/2012/main" xmlns:mc="http://schemas.openxmlformats.org/markup-compatibility/2006" type="titleOnly" preserve="1">
+<p:sldLayout xmlns:a="http://schemas.openxmlformats.org/drawingml/2006/main" xmlns:r="http://schemas.openxmlformats.org/officeDocument/2006/relationships" xmlns:p="http://schemas.openxmlformats.org/presentationml/2006/main" type="titleOnly" preserve="1">
   <p:cSld name="Title Only">
     <p:spTree>
       <p:nvGrpSpPr>
@@ -3780,15 +3894,15 @@
           </a:ln>
         </p:spPr>
         <p:txBody>
-          <a:bodyPr lIns="0" rIns="0" tIns="0" bIns="0" anchor="ctr">
+          <a:bodyPr lIns="0" tIns="0" rIns="0" bIns="0" anchor="ctr">
             <a:noAutofit/>
           </a:bodyPr>
           <a:p>
-            <a:endParaRPr b="0" lang="en-US" sz="1800" spc="-1" strike="noStrike">
+            <a:endParaRPr lang="en-US" sz="1800" b="0" strike="noStrike" spc="-1">
               <a:solidFill>
-                <a:srgbClr val="ffffff"/>
+                <a:srgbClr val="FFFFFF"/>
               </a:solidFill>
-              <a:latin typeface="Arial"/>
+              <a:latin typeface="Arial" panose="020B0604020202020204"/>
             </a:endParaRPr>
           </a:p>
         </p:txBody>
@@ -3828,8 +3942,9 @@
           <a:bodyPr/>
           <a:p>
             <a:fld id="{53B1E608-C84C-4CBF-BDCB-BC2282B2438B}" type="slidenum">
-              <a:t>&lt;#&gt;</a:t>
+              <a:rPr/>
             </a:fld>
+            <a:endParaRPr/>
           </a:p>
         </p:txBody>
       </p:sp>
@@ -3847,20 +3962,20 @@
         <p:txBody>
           <a:bodyPr/>
           <a:p>
-            <a:r>
-              <a:rPr lang="pt-BR"/>
-              <a:t/>
-            </a:r>
+            <a:endParaRPr lang="pt-BR"/>
           </a:p>
         </p:txBody>
       </p:sp>
     </p:spTree>
   </p:cSld>
+  <p:clrMapOvr>
+    <a:masterClrMapping/>
+  </p:clrMapOvr>
 </p:sldLayout>
 </file>
 
 <file path=ppt/slideLayouts/slideLayout6.xml><?xml version="1.0" encoding="utf-8"?>
-<p:sldLayout xmlns:a="http://schemas.openxmlformats.org/drawingml/2006/main" xmlns:p="http://schemas.openxmlformats.org/presentationml/2006/main" xmlns:r="http://schemas.openxmlformats.org/officeDocument/2006/relationships" xmlns:p14="http://schemas.microsoft.com/office/powerpoint/2010/main" xmlns:p15="http://schemas.microsoft.com/office/powerpoint/2012/main" xmlns:mc="http://schemas.openxmlformats.org/markup-compatibility/2006" type="objOnly" preserve="1">
+<p:sldLayout xmlns:a="http://schemas.openxmlformats.org/drawingml/2006/main" xmlns:r="http://schemas.openxmlformats.org/officeDocument/2006/relationships" xmlns:p="http://schemas.openxmlformats.org/presentationml/2006/main" type="objOnly" preserve="1">
   <p:cSld name="Centered Text">
     <p:spTree>
       <p:nvGrpSpPr>
@@ -3900,15 +4015,15 @@
           </a:ln>
         </p:spPr>
         <p:txBody>
-          <a:bodyPr lIns="0" rIns="0" tIns="0" bIns="0" anchor="ctr">
+          <a:bodyPr lIns="0" tIns="0" rIns="0" bIns="0" anchor="ctr">
             <a:noAutofit/>
           </a:bodyPr>
           <a:p>
             <a:pPr algn="ctr">
               <a:buNone/>
             </a:pPr>
-            <a:endParaRPr b="0" lang="pt-BR" sz="3200" spc="-1" strike="noStrike">
-              <a:latin typeface="Arial"/>
+            <a:endParaRPr lang="pt-BR" sz="3200" b="0" strike="noStrike" spc="-1">
+              <a:latin typeface="Arial" panose="020B0604020202020204"/>
             </a:endParaRPr>
           </a:p>
         </p:txBody>
@@ -3948,8 +4063,9 @@
           <a:bodyPr/>
           <a:p>
             <a:fld id="{ED3E0A29-C388-4CD2-BC05-D72205D84A53}" type="slidenum">
-              <a:t>&lt;#&gt;</a:t>
+              <a:rPr/>
             </a:fld>
+            <a:endParaRPr/>
           </a:p>
         </p:txBody>
       </p:sp>
@@ -3967,20 +4083,20 @@
         <p:txBody>
           <a:bodyPr/>
           <a:p>
-            <a:r>
-              <a:rPr lang="pt-BR"/>
-              <a:t/>
-            </a:r>
+            <a:endParaRPr lang="pt-BR"/>
           </a:p>
         </p:txBody>
       </p:sp>
     </p:spTree>
   </p:cSld>
+  <p:clrMapOvr>
+    <a:masterClrMapping/>
+  </p:clrMapOvr>
 </p:sldLayout>
 </file>
 
 <file path=ppt/slideLayouts/slideLayout7.xml><?xml version="1.0" encoding="utf-8"?>
-<p:sldLayout xmlns:a="http://schemas.openxmlformats.org/drawingml/2006/main" xmlns:p="http://schemas.openxmlformats.org/presentationml/2006/main" xmlns:r="http://schemas.openxmlformats.org/officeDocument/2006/relationships" xmlns:p14="http://schemas.microsoft.com/office/powerpoint/2010/main" xmlns:p15="http://schemas.microsoft.com/office/powerpoint/2012/main" xmlns:mc="http://schemas.openxmlformats.org/markup-compatibility/2006" type="twoObjAndObj" preserve="1">
+<p:sldLayout xmlns:a="http://schemas.openxmlformats.org/drawingml/2006/main" xmlns:r="http://schemas.openxmlformats.org/officeDocument/2006/relationships" xmlns:p="http://schemas.openxmlformats.org/presentationml/2006/main" type="twoObjAndObj" preserve="1">
   <p:cSld name="Title, 2 Content and Content">
     <p:spTree>
       <p:nvGrpSpPr>
@@ -4020,15 +4136,15 @@
           </a:ln>
         </p:spPr>
         <p:txBody>
-          <a:bodyPr lIns="0" rIns="0" tIns="0" bIns="0" anchor="ctr">
+          <a:bodyPr lIns="0" tIns="0" rIns="0" bIns="0" anchor="ctr">
             <a:noAutofit/>
           </a:bodyPr>
           <a:p>
-            <a:endParaRPr b="0" lang="en-US" sz="1800" spc="-1" strike="noStrike">
+            <a:endParaRPr lang="en-US" sz="1800" b="0" strike="noStrike" spc="-1">
               <a:solidFill>
-                <a:srgbClr val="ffffff"/>
+                <a:srgbClr val="FFFFFF"/>
               </a:solidFill>
-              <a:latin typeface="Arial"/>
+              <a:latin typeface="Arial" panose="020B0604020202020204"/>
             </a:endParaRPr>
           </a:p>
         </p:txBody>
@@ -4057,15 +4173,15 @@
           </a:ln>
         </p:spPr>
         <p:txBody>
-          <a:bodyPr lIns="0" rIns="0" tIns="0" bIns="0" anchor="t">
+          <a:bodyPr lIns="0" tIns="0" rIns="0" bIns="0" anchor="t">
             <a:normAutofit/>
           </a:bodyPr>
           <a:p>
-            <a:endParaRPr b="0" lang="en-US" sz="3200" spc="-1" strike="noStrike">
+            <a:endParaRPr lang="en-US" sz="3200" b="0" strike="noStrike" spc="-1">
               <a:solidFill>
-                <a:srgbClr val="ffffff"/>
+                <a:srgbClr val="FFFFFF"/>
               </a:solidFill>
-              <a:latin typeface="Arial"/>
+              <a:latin typeface="Arial" panose="020B0604020202020204"/>
             </a:endParaRPr>
           </a:p>
         </p:txBody>
@@ -4094,15 +4210,15 @@
           </a:ln>
         </p:spPr>
         <p:txBody>
-          <a:bodyPr lIns="0" rIns="0" tIns="0" bIns="0" anchor="t">
+          <a:bodyPr lIns="0" tIns="0" rIns="0" bIns="0" anchor="t">
             <a:normAutofit/>
           </a:bodyPr>
           <a:p>
-            <a:endParaRPr b="0" lang="en-US" sz="3200" spc="-1" strike="noStrike">
+            <a:endParaRPr lang="en-US" sz="3200" b="0" strike="noStrike" spc="-1">
               <a:solidFill>
-                <a:srgbClr val="ffffff"/>
+                <a:srgbClr val="FFFFFF"/>
               </a:solidFill>
-              <a:latin typeface="Arial"/>
+              <a:latin typeface="Arial" panose="020B0604020202020204"/>
             </a:endParaRPr>
           </a:p>
         </p:txBody>
@@ -4131,15 +4247,15 @@
           </a:ln>
         </p:spPr>
         <p:txBody>
-          <a:bodyPr lIns="0" rIns="0" tIns="0" bIns="0" anchor="t">
+          <a:bodyPr lIns="0" tIns="0" rIns="0" bIns="0" anchor="t">
             <a:normAutofit/>
           </a:bodyPr>
           <a:p>
-            <a:endParaRPr b="0" lang="en-US" sz="3200" spc="-1" strike="noStrike">
+            <a:endParaRPr lang="en-US" sz="3200" b="0" strike="noStrike" spc="-1">
               <a:solidFill>
-                <a:srgbClr val="ffffff"/>
+                <a:srgbClr val="FFFFFF"/>
               </a:solidFill>
-              <a:latin typeface="Arial"/>
+              <a:latin typeface="Arial" panose="020B0604020202020204"/>
             </a:endParaRPr>
           </a:p>
         </p:txBody>
@@ -4179,8 +4295,9 @@
           <a:bodyPr/>
           <a:p>
             <a:fld id="{B09F3F8F-2BF8-4962-855F-95359FE67D54}" type="slidenum">
-              <a:t>&lt;#&gt;</a:t>
+              <a:rPr/>
             </a:fld>
+            <a:endParaRPr/>
           </a:p>
         </p:txBody>
       </p:sp>
@@ -4198,20 +4315,20 @@
         <p:txBody>
           <a:bodyPr/>
           <a:p>
-            <a:r>
-              <a:rPr lang="pt-BR"/>
-              <a:t/>
-            </a:r>
+            <a:endParaRPr lang="pt-BR"/>
           </a:p>
         </p:txBody>
       </p:sp>
     </p:spTree>
   </p:cSld>
+  <p:clrMapOvr>
+    <a:masterClrMapping/>
+  </p:clrMapOvr>
 </p:sldLayout>
 </file>
 
 <file path=ppt/slideLayouts/slideLayout8.xml><?xml version="1.0" encoding="utf-8"?>
-<p:sldLayout xmlns:a="http://schemas.openxmlformats.org/drawingml/2006/main" xmlns:p="http://schemas.openxmlformats.org/presentationml/2006/main" xmlns:r="http://schemas.openxmlformats.org/officeDocument/2006/relationships" xmlns:p14="http://schemas.microsoft.com/office/powerpoint/2010/main" xmlns:p15="http://schemas.microsoft.com/office/powerpoint/2012/main" xmlns:mc="http://schemas.openxmlformats.org/markup-compatibility/2006" type="objAndTwoObj" preserve="1">
+<p:sldLayout xmlns:a="http://schemas.openxmlformats.org/drawingml/2006/main" xmlns:r="http://schemas.openxmlformats.org/officeDocument/2006/relationships" xmlns:p="http://schemas.openxmlformats.org/presentationml/2006/main" type="objAndTwoObj" preserve="1">
   <p:cSld name="Title Content and 2 Content">
     <p:spTree>
       <p:nvGrpSpPr>
@@ -4251,15 +4368,15 @@
           </a:ln>
         </p:spPr>
         <p:txBody>
-          <a:bodyPr lIns="0" rIns="0" tIns="0" bIns="0" anchor="ctr">
+          <a:bodyPr lIns="0" tIns="0" rIns="0" bIns="0" anchor="ctr">
             <a:noAutofit/>
           </a:bodyPr>
           <a:p>
-            <a:endParaRPr b="0" lang="en-US" sz="1800" spc="-1" strike="noStrike">
+            <a:endParaRPr lang="en-US" sz="1800" b="0" strike="noStrike" spc="-1">
               <a:solidFill>
-                <a:srgbClr val="ffffff"/>
+                <a:srgbClr val="FFFFFF"/>
               </a:solidFill>
-              <a:latin typeface="Arial"/>
+              <a:latin typeface="Arial" panose="020B0604020202020204"/>
             </a:endParaRPr>
           </a:p>
         </p:txBody>
@@ -4288,15 +4405,15 @@
           </a:ln>
         </p:spPr>
         <p:txBody>
-          <a:bodyPr lIns="0" rIns="0" tIns="0" bIns="0" anchor="t">
+          <a:bodyPr lIns="0" tIns="0" rIns="0" bIns="0" anchor="t">
             <a:normAutofit/>
           </a:bodyPr>
           <a:p>
-            <a:endParaRPr b="0" lang="en-US" sz="3200" spc="-1" strike="noStrike">
+            <a:endParaRPr lang="en-US" sz="3200" b="0" strike="noStrike" spc="-1">
               <a:solidFill>
-                <a:srgbClr val="ffffff"/>
+                <a:srgbClr val="FFFFFF"/>
               </a:solidFill>
-              <a:latin typeface="Arial"/>
+              <a:latin typeface="Arial" panose="020B0604020202020204"/>
             </a:endParaRPr>
           </a:p>
         </p:txBody>
@@ -4325,15 +4442,15 @@
           </a:ln>
         </p:spPr>
         <p:txBody>
-          <a:bodyPr lIns="0" rIns="0" tIns="0" bIns="0" anchor="t">
+          <a:bodyPr lIns="0" tIns="0" rIns="0" bIns="0" anchor="t">
             <a:normAutofit/>
           </a:bodyPr>
           <a:p>
-            <a:endParaRPr b="0" lang="en-US" sz="3200" spc="-1" strike="noStrike">
+            <a:endParaRPr lang="en-US" sz="3200" b="0" strike="noStrike" spc="-1">
               <a:solidFill>
-                <a:srgbClr val="ffffff"/>
+                <a:srgbClr val="FFFFFF"/>
               </a:solidFill>
-              <a:latin typeface="Arial"/>
+              <a:latin typeface="Arial" panose="020B0604020202020204"/>
             </a:endParaRPr>
           </a:p>
         </p:txBody>
@@ -4362,15 +4479,15 @@
           </a:ln>
         </p:spPr>
         <p:txBody>
-          <a:bodyPr lIns="0" rIns="0" tIns="0" bIns="0" anchor="t">
+          <a:bodyPr lIns="0" tIns="0" rIns="0" bIns="0" anchor="t">
             <a:normAutofit/>
           </a:bodyPr>
           <a:p>
-            <a:endParaRPr b="0" lang="en-US" sz="3200" spc="-1" strike="noStrike">
+            <a:endParaRPr lang="en-US" sz="3200" b="0" strike="noStrike" spc="-1">
               <a:solidFill>
-                <a:srgbClr val="ffffff"/>
+                <a:srgbClr val="FFFFFF"/>
               </a:solidFill>
-              <a:latin typeface="Arial"/>
+              <a:latin typeface="Arial" panose="020B0604020202020204"/>
             </a:endParaRPr>
           </a:p>
         </p:txBody>
@@ -4410,8 +4527,9 @@
           <a:bodyPr/>
           <a:p>
             <a:fld id="{739F30A2-C9E6-4560-A399-A1A60DF8159D}" type="slidenum">
-              <a:t>&lt;#&gt;</a:t>
+              <a:rPr/>
             </a:fld>
+            <a:endParaRPr/>
           </a:p>
         </p:txBody>
       </p:sp>
@@ -4429,20 +4547,20 @@
         <p:txBody>
           <a:bodyPr/>
           <a:p>
-            <a:r>
-              <a:rPr lang="pt-BR"/>
-              <a:t/>
-            </a:r>
+            <a:endParaRPr lang="pt-BR"/>
           </a:p>
         </p:txBody>
       </p:sp>
     </p:spTree>
   </p:cSld>
+  <p:clrMapOvr>
+    <a:masterClrMapping/>
+  </p:clrMapOvr>
 </p:sldLayout>
 </file>
 
 <file path=ppt/slideLayouts/slideLayout9.xml><?xml version="1.0" encoding="utf-8"?>
-<p:sldLayout xmlns:a="http://schemas.openxmlformats.org/drawingml/2006/main" xmlns:p="http://schemas.openxmlformats.org/presentationml/2006/main" xmlns:r="http://schemas.openxmlformats.org/officeDocument/2006/relationships" xmlns:p14="http://schemas.microsoft.com/office/powerpoint/2010/main" xmlns:p15="http://schemas.microsoft.com/office/powerpoint/2012/main" xmlns:mc="http://schemas.openxmlformats.org/markup-compatibility/2006" type="twoObjOverTx" preserve="1">
+<p:sldLayout xmlns:a="http://schemas.openxmlformats.org/drawingml/2006/main" xmlns:r="http://schemas.openxmlformats.org/officeDocument/2006/relationships" xmlns:p="http://schemas.openxmlformats.org/presentationml/2006/main" type="twoObjOverTx" preserve="1">
   <p:cSld name="Title, 2 Content over Content">
     <p:spTree>
       <p:nvGrpSpPr>
@@ -4482,15 +4600,15 @@
           </a:ln>
         </p:spPr>
         <p:txBody>
-          <a:bodyPr lIns="0" rIns="0" tIns="0" bIns="0" anchor="ctr">
+          <a:bodyPr lIns="0" tIns="0" rIns="0" bIns="0" anchor="ctr">
             <a:noAutofit/>
           </a:bodyPr>
           <a:p>
-            <a:endParaRPr b="0" lang="en-US" sz="1800" spc="-1" strike="noStrike">
+            <a:endParaRPr lang="en-US" sz="1800" b="0" strike="noStrike" spc="-1">
               <a:solidFill>
-                <a:srgbClr val="ffffff"/>
+                <a:srgbClr val="FFFFFF"/>
               </a:solidFill>
-              <a:latin typeface="Arial"/>
+              <a:latin typeface="Arial" panose="020B0604020202020204"/>
             </a:endParaRPr>
           </a:p>
         </p:txBody>
@@ -4519,15 +4637,15 @@
           </a:ln>
         </p:spPr>
         <p:txBody>
-          <a:bodyPr lIns="0" rIns="0" tIns="0" bIns="0" anchor="t">
+          <a:bodyPr lIns="0" tIns="0" rIns="0" bIns="0" anchor="t">
             <a:normAutofit/>
           </a:bodyPr>
           <a:p>
-            <a:endParaRPr b="0" lang="en-US" sz="3200" spc="-1" strike="noStrike">
+            <a:endParaRPr lang="en-US" sz="3200" b="0" strike="noStrike" spc="-1">
               <a:solidFill>
-                <a:srgbClr val="ffffff"/>
+                <a:srgbClr val="FFFFFF"/>
               </a:solidFill>
-              <a:latin typeface="Arial"/>
+              <a:latin typeface="Arial" panose="020B0604020202020204"/>
             </a:endParaRPr>
           </a:p>
         </p:txBody>
@@ -4556,15 +4674,15 @@
           </a:ln>
         </p:spPr>
         <p:txBody>
-          <a:bodyPr lIns="0" rIns="0" tIns="0" bIns="0" anchor="t">
+          <a:bodyPr lIns="0" tIns="0" rIns="0" bIns="0" anchor="t">
             <a:normAutofit/>
           </a:bodyPr>
           <a:p>
-            <a:endParaRPr b="0" lang="en-US" sz="3200" spc="-1" strike="noStrike">
+            <a:endParaRPr lang="en-US" sz="3200" b="0" strike="noStrike" spc="-1">
               <a:solidFill>
-                <a:srgbClr val="ffffff"/>
+                <a:srgbClr val="FFFFFF"/>
               </a:solidFill>
-              <a:latin typeface="Arial"/>
+              <a:latin typeface="Arial" panose="020B0604020202020204"/>
             </a:endParaRPr>
           </a:p>
         </p:txBody>
@@ -4593,15 +4711,15 @@
           </a:ln>
         </p:spPr>
         <p:txBody>
-          <a:bodyPr lIns="0" rIns="0" tIns="0" bIns="0" anchor="t">
+          <a:bodyPr lIns="0" tIns="0" rIns="0" bIns="0" anchor="t">
             <a:normAutofit/>
           </a:bodyPr>
           <a:p>
-            <a:endParaRPr b="0" lang="en-US" sz="3200" spc="-1" strike="noStrike">
+            <a:endParaRPr lang="en-US" sz="3200" b="0" strike="noStrike" spc="-1">
               <a:solidFill>
-                <a:srgbClr val="ffffff"/>
+                <a:srgbClr val="FFFFFF"/>
               </a:solidFill>
-              <a:latin typeface="Arial"/>
+              <a:latin typeface="Arial" panose="020B0604020202020204"/>
             </a:endParaRPr>
           </a:p>
         </p:txBody>
@@ -4641,8 +4759,9 @@
           <a:bodyPr/>
           <a:p>
             <a:fld id="{1F0860C5-C738-4CB7-80EB-196389D07978}" type="slidenum">
-              <a:t>&lt;#&gt;</a:t>
+              <a:rPr/>
             </a:fld>
+            <a:endParaRPr/>
           </a:p>
         </p:txBody>
       </p:sp>
@@ -4660,20 +4779,20 @@
         <p:txBody>
           <a:bodyPr/>
           <a:p>
-            <a:r>
-              <a:rPr lang="pt-BR"/>
-              <a:t/>
-            </a:r>
+            <a:endParaRPr lang="pt-BR"/>
           </a:p>
         </p:txBody>
       </p:sp>
     </p:spTree>
   </p:cSld>
+  <p:clrMapOvr>
+    <a:masterClrMapping/>
+  </p:clrMapOvr>
 </p:sldLayout>
 </file>
 
 <file path=ppt/slideMasters/slideMaster1.xml><?xml version="1.0" encoding="utf-8"?>
-<p:sldMaster xmlns:a="http://schemas.openxmlformats.org/drawingml/2006/main" xmlns:p="http://schemas.openxmlformats.org/presentationml/2006/main" xmlns:r="http://schemas.openxmlformats.org/officeDocument/2006/relationships" xmlns:p14="http://schemas.microsoft.com/office/powerpoint/2010/main" xmlns:p15="http://schemas.microsoft.com/office/powerpoint/2012/main" xmlns:mc="http://schemas.openxmlformats.org/markup-compatibility/2006">
+<p:sldMaster xmlns:a="http://schemas.openxmlformats.org/drawingml/2006/main" xmlns:r="http://schemas.openxmlformats.org/officeDocument/2006/relationships" xmlns:p="http://schemas.openxmlformats.org/presentationml/2006/main">
   <p:cSld>
     <p:bg>
       <p:bgPr>
@@ -4683,11 +4802,12 @@
               <a:srgbClr val="000099"/>
             </a:gs>
             <a:gs pos="100000">
-              <a:srgbClr val="779eff"/>
+              <a:srgbClr val="779EFF"/>
             </a:gs>
           </a:gsLst>
           <a:lin ang="5400000"/>
         </a:gradFill>
+        <a:effectLst/>
       </p:bgPr>
     </p:bg>
     <p:spTree>
@@ -4720,7 +4840,7 @@
         </p:grpSpPr>
         <p:sp>
           <p:nvSpPr>
-            <p:cNvPr id="1" name="未知"/>
+            <p:cNvPr id="2" name="未知"/>
             <p:cNvSpPr/>
             <p:nvPr/>
           </p:nvSpPr>
@@ -4733,6 +4853,7 @@
               <a:avLst/>
               <a:gdLst/>
               <a:ahLst/>
+              <a:cxnLst/>
               <a:rect l="l" t="t" r="r" b="b"/>
               <a:pathLst>
                 <a:path w="21600" h="21600">
@@ -5736,15 +5857,21 @@
             </a:ln>
           </p:spPr>
           <p:style>
-            <a:lnRef idx="0"/>
-            <a:fillRef idx="0"/>
-            <a:effectRef idx="0"/>
+            <a:lnRef idx="0">
+              <a:srgbClr val="FFFFFF"/>
+            </a:lnRef>
+            <a:fillRef idx="0">
+              <a:srgbClr val="FFFFFF"/>
+            </a:fillRef>
+            <a:effectRef idx="0">
+              <a:srgbClr val="FFFFFF"/>
+            </a:effectRef>
             <a:fontRef idx="minor"/>
           </p:style>
         </p:sp>
         <p:sp>
           <p:nvSpPr>
-            <p:cNvPr id="2" name="未知"/>
+            <p:cNvPr id="3" name="未知"/>
             <p:cNvSpPr/>
             <p:nvPr/>
           </p:nvSpPr>
@@ -5757,6 +5884,7 @@
               <a:avLst/>
               <a:gdLst/>
               <a:ahLst/>
+              <a:cxnLst/>
               <a:rect l="l" t="t" r="r" b="b"/>
               <a:pathLst>
                 <a:path w="21600" h="21600">
@@ -6304,15 +6432,21 @@
             </a:ln>
           </p:spPr>
           <p:style>
-            <a:lnRef idx="0"/>
-            <a:fillRef idx="0"/>
-            <a:effectRef idx="0"/>
+            <a:lnRef idx="0">
+              <a:srgbClr val="FFFFFF"/>
+            </a:lnRef>
+            <a:fillRef idx="0">
+              <a:srgbClr val="FFFFFF"/>
+            </a:fillRef>
+            <a:effectRef idx="0">
+              <a:srgbClr val="FFFFFF"/>
+            </a:effectRef>
             <a:fontRef idx="minor"/>
           </p:style>
         </p:sp>
         <p:sp>
           <p:nvSpPr>
-            <p:cNvPr id="3" name="未知"/>
+            <p:cNvPr id="4" name="未知"/>
             <p:cNvSpPr/>
             <p:nvPr/>
           </p:nvSpPr>
@@ -6325,6 +6459,7 @@
               <a:avLst/>
               <a:gdLst/>
               <a:ahLst/>
+              <a:cxnLst/>
               <a:rect l="l" t="t" r="r" b="b"/>
               <a:pathLst>
                 <a:path w="21600" h="21600">
@@ -7016,15 +7151,21 @@
             </a:ln>
           </p:spPr>
           <p:style>
-            <a:lnRef idx="0"/>
-            <a:fillRef idx="0"/>
-            <a:effectRef idx="0"/>
+            <a:lnRef idx="0">
+              <a:srgbClr val="FFFFFF"/>
+            </a:lnRef>
+            <a:fillRef idx="0">
+              <a:srgbClr val="FFFFFF"/>
+            </a:fillRef>
+            <a:effectRef idx="0">
+              <a:srgbClr val="FFFFFF"/>
+            </a:effectRef>
             <a:fontRef idx="minor"/>
           </p:style>
         </p:sp>
         <p:sp>
           <p:nvSpPr>
-            <p:cNvPr id="4" name="未知"/>
+            <p:cNvPr id="5" name="未知"/>
             <p:cNvSpPr/>
             <p:nvPr/>
           </p:nvSpPr>
@@ -7037,6 +7178,7 @@
               <a:avLst/>
               <a:gdLst/>
               <a:ahLst/>
+              <a:cxnLst/>
               <a:rect l="l" t="t" r="r" b="b"/>
               <a:pathLst>
                 <a:path w="21600" h="21600">
@@ -7200,15 +7342,21 @@
             </a:ln>
           </p:spPr>
           <p:style>
-            <a:lnRef idx="0"/>
-            <a:fillRef idx="0"/>
-            <a:effectRef idx="0"/>
+            <a:lnRef idx="0">
+              <a:srgbClr val="FFFFFF"/>
+            </a:lnRef>
+            <a:fillRef idx="0">
+              <a:srgbClr val="FFFFFF"/>
+            </a:fillRef>
+            <a:effectRef idx="0">
+              <a:srgbClr val="FFFFFF"/>
+            </a:effectRef>
             <a:fontRef idx="minor"/>
           </p:style>
         </p:sp>
         <p:sp>
           <p:nvSpPr>
-            <p:cNvPr id="5" name="未知"/>
+            <p:cNvPr id="6" name="未知"/>
             <p:cNvSpPr/>
             <p:nvPr/>
           </p:nvSpPr>
@@ -7221,6 +7369,7 @@
               <a:avLst/>
               <a:gdLst/>
               <a:ahLst/>
+              <a:cxnLst/>
               <a:rect l="l" t="t" r="r" b="b"/>
               <a:pathLst>
                 <a:path w="21600" h="21600">
@@ -7444,15 +7593,21 @@
             </a:ln>
           </p:spPr>
           <p:style>
-            <a:lnRef idx="0"/>
-            <a:fillRef idx="0"/>
-            <a:effectRef idx="0"/>
+            <a:lnRef idx="0">
+              <a:srgbClr val="FFFFFF"/>
+            </a:lnRef>
+            <a:fillRef idx="0">
+              <a:srgbClr val="FFFFFF"/>
+            </a:fillRef>
+            <a:effectRef idx="0">
+              <a:srgbClr val="FFFFFF"/>
+            </a:effectRef>
             <a:fontRef idx="minor"/>
           </p:style>
         </p:sp>
         <p:sp>
           <p:nvSpPr>
-            <p:cNvPr id="6" name="未知"/>
+            <p:cNvPr id="7" name="未知"/>
             <p:cNvSpPr/>
             <p:nvPr/>
           </p:nvSpPr>
@@ -7465,6 +7620,7 @@
               <a:avLst/>
               <a:gdLst/>
               <a:ahLst/>
+              <a:cxnLst/>
               <a:rect l="l" t="t" r="r" b="b"/>
               <a:pathLst>
                 <a:path w="21600" h="21600">
@@ -7892,15 +8048,21 @@
             </a:ln>
           </p:spPr>
           <p:style>
-            <a:lnRef idx="0"/>
-            <a:fillRef idx="0"/>
-            <a:effectRef idx="0"/>
+            <a:lnRef idx="0">
+              <a:srgbClr val="FFFFFF"/>
+            </a:lnRef>
+            <a:fillRef idx="0">
+              <a:srgbClr val="FFFFFF"/>
+            </a:fillRef>
+            <a:effectRef idx="0">
+              <a:srgbClr val="FFFFFF"/>
+            </a:effectRef>
             <a:fontRef idx="minor"/>
           </p:style>
         </p:sp>
         <p:sp>
           <p:nvSpPr>
-            <p:cNvPr id="7" name="未知"/>
+            <p:cNvPr id="8" name="未知"/>
             <p:cNvSpPr/>
             <p:nvPr/>
           </p:nvSpPr>
@@ -7913,6 +8075,7 @@
               <a:avLst/>
               <a:gdLst/>
               <a:ahLst/>
+              <a:cxnLst/>
               <a:rect l="l" t="t" r="r" b="b"/>
               <a:pathLst>
                 <a:path w="21600" h="21600">
@@ -8364,15 +8527,21 @@
             </a:ln>
           </p:spPr>
           <p:style>
-            <a:lnRef idx="0"/>
-            <a:fillRef idx="0"/>
-            <a:effectRef idx="0"/>
+            <a:lnRef idx="0">
+              <a:srgbClr val="FFFFFF"/>
+            </a:lnRef>
+            <a:fillRef idx="0">
+              <a:srgbClr val="FFFFFF"/>
+            </a:fillRef>
+            <a:effectRef idx="0">
+              <a:srgbClr val="FFFFFF"/>
+            </a:effectRef>
             <a:fontRef idx="minor"/>
           </p:style>
         </p:sp>
         <p:sp>
           <p:nvSpPr>
-            <p:cNvPr id="8" name="未知"/>
+            <p:cNvPr id="9" name="未知"/>
             <p:cNvSpPr/>
             <p:nvPr/>
           </p:nvSpPr>
@@ -8385,6 +8554,7 @@
               <a:avLst/>
               <a:gdLst/>
               <a:ahLst/>
+              <a:cxnLst/>
               <a:rect l="l" t="t" r="r" b="b"/>
               <a:pathLst>
                 <a:path w="21600" h="21600">
@@ -8740,15 +8910,21 @@
             </a:ln>
           </p:spPr>
           <p:style>
-            <a:lnRef idx="0"/>
-            <a:fillRef idx="0"/>
-            <a:effectRef idx="0"/>
+            <a:lnRef idx="0">
+              <a:srgbClr val="FFFFFF"/>
+            </a:lnRef>
+            <a:fillRef idx="0">
+              <a:srgbClr val="FFFFFF"/>
+            </a:fillRef>
+            <a:effectRef idx="0">
+              <a:srgbClr val="FFFFFF"/>
+            </a:effectRef>
             <a:fontRef idx="minor"/>
           </p:style>
         </p:sp>
         <p:sp>
           <p:nvSpPr>
-            <p:cNvPr id="9" name="未知"/>
+            <p:cNvPr id="10" name="未知"/>
             <p:cNvSpPr/>
             <p:nvPr/>
           </p:nvSpPr>
@@ -8761,6 +8937,7 @@
               <a:avLst/>
               <a:gdLst/>
               <a:ahLst/>
+              <a:cxnLst/>
               <a:rect l="l" t="t" r="r" b="b"/>
               <a:pathLst>
                 <a:path w="21600" h="21600">
@@ -9884,16 +10061,22 @@
             </a:ln>
           </p:spPr>
           <p:style>
-            <a:lnRef idx="0"/>
-            <a:fillRef idx="0"/>
-            <a:effectRef idx="0"/>
+            <a:lnRef idx="0">
+              <a:srgbClr val="FFFFFF"/>
+            </a:lnRef>
+            <a:fillRef idx="0">
+              <a:srgbClr val="FFFFFF"/>
+            </a:fillRef>
+            <a:effectRef idx="0">
+              <a:srgbClr val="FFFFFF"/>
+            </a:effectRef>
             <a:fontRef idx="minor"/>
           </p:style>
         </p:sp>
       </p:grpSp>
       <p:sp>
         <p:nvSpPr>
-          <p:cNvPr id="10" name="未知" hidden="1"/>
+          <p:cNvPr id="11" name="未知" hidden="1"/>
           <p:cNvSpPr/>
           <p:nvPr/>
         </p:nvSpPr>
@@ -9906,6 +10089,7 @@
             <a:avLst/>
             <a:gdLst/>
             <a:ahLst/>
+            <a:cxnLst/>
             <a:rect l="l" t="t" r="r" b="b"/>
             <a:pathLst>
               <a:path w="21600" h="21600">
@@ -9934,15 +10118,21 @@
           </a:ln>
         </p:spPr>
         <p:style>
-          <a:lnRef idx="0"/>
-          <a:fillRef idx="0"/>
-          <a:effectRef idx="0"/>
+          <a:lnRef idx="0">
+            <a:srgbClr val="FFFFFF"/>
+          </a:lnRef>
+          <a:fillRef idx="0">
+            <a:srgbClr val="FFFFFF"/>
+          </a:fillRef>
+          <a:effectRef idx="0">
+            <a:srgbClr val="FFFFFF"/>
+          </a:effectRef>
           <a:fontRef idx="minor"/>
         </p:style>
       </p:sp>
       <p:grpSp>
         <p:nvGrpSpPr>
-          <p:cNvPr id="11" name="Group 2"/>
+          <p:cNvPr id="12" name="Group 2"/>
           <p:cNvGrpSpPr/>
           <p:nvPr/>
         </p:nvGrpSpPr>
@@ -9956,7 +10146,7 @@
         </p:grpSpPr>
         <p:sp>
           <p:nvSpPr>
-            <p:cNvPr id="12" name="未知"/>
+            <p:cNvPr id="13" name="未知"/>
             <p:cNvSpPr/>
             <p:nvPr/>
           </p:nvSpPr>
@@ -9969,6 +10159,7 @@
               <a:avLst/>
               <a:gdLst/>
               <a:ahLst/>
+              <a:cxnLst/>
               <a:rect l="l" t="t" r="r" b="b"/>
               <a:pathLst>
                 <a:path w="21600" h="21600">
@@ -10972,15 +11163,21 @@
             </a:ln>
           </p:spPr>
           <p:style>
-            <a:lnRef idx="0"/>
-            <a:fillRef idx="0"/>
-            <a:effectRef idx="0"/>
+            <a:lnRef idx="0">
+              <a:srgbClr val="FFFFFF"/>
+            </a:lnRef>
+            <a:fillRef idx="0">
+              <a:srgbClr val="FFFFFF"/>
+            </a:fillRef>
+            <a:effectRef idx="0">
+              <a:srgbClr val="FFFFFF"/>
+            </a:effectRef>
             <a:fontRef idx="minor"/>
           </p:style>
         </p:sp>
         <p:sp>
           <p:nvSpPr>
-            <p:cNvPr id="13" name="未知"/>
+            <p:cNvPr id="14" name="未知"/>
             <p:cNvSpPr/>
             <p:nvPr/>
           </p:nvSpPr>
@@ -10993,6 +11190,7 @@
               <a:avLst/>
               <a:gdLst/>
               <a:ahLst/>
+              <a:cxnLst/>
               <a:rect l="l" t="t" r="r" b="b"/>
               <a:pathLst>
                 <a:path w="21600" h="21600">
@@ -11540,15 +11738,21 @@
             </a:ln>
           </p:spPr>
           <p:style>
-            <a:lnRef idx="0"/>
-            <a:fillRef idx="0"/>
-            <a:effectRef idx="0"/>
+            <a:lnRef idx="0">
+              <a:srgbClr val="FFFFFF"/>
+            </a:lnRef>
+            <a:fillRef idx="0">
+              <a:srgbClr val="FFFFFF"/>
+            </a:fillRef>
+            <a:effectRef idx="0">
+              <a:srgbClr val="FFFFFF"/>
+            </a:effectRef>
             <a:fontRef idx="minor"/>
           </p:style>
         </p:sp>
         <p:sp>
           <p:nvSpPr>
-            <p:cNvPr id="14" name="未知"/>
+            <p:cNvPr id="15" name="未知"/>
             <p:cNvSpPr/>
             <p:nvPr/>
           </p:nvSpPr>
@@ -11561,6 +11765,7 @@
               <a:avLst/>
               <a:gdLst/>
               <a:ahLst/>
+              <a:cxnLst/>
               <a:rect l="l" t="t" r="r" b="b"/>
               <a:pathLst>
                 <a:path w="21600" h="21600">
@@ -12252,15 +12457,21 @@
             </a:ln>
           </p:spPr>
           <p:style>
-            <a:lnRef idx="0"/>
-            <a:fillRef idx="0"/>
-            <a:effectRef idx="0"/>
+            <a:lnRef idx="0">
+              <a:srgbClr val="FFFFFF"/>
+            </a:lnRef>
+            <a:fillRef idx="0">
+              <a:srgbClr val="FFFFFF"/>
+            </a:fillRef>
+            <a:effectRef idx="0">
+              <a:srgbClr val="FFFFFF"/>
+            </a:effectRef>
             <a:fontRef idx="minor"/>
           </p:style>
         </p:sp>
         <p:sp>
           <p:nvSpPr>
-            <p:cNvPr id="15" name="未知"/>
+            <p:cNvPr id="16" name="未知"/>
             <p:cNvSpPr/>
             <p:nvPr/>
           </p:nvSpPr>
@@ -12273,6 +12484,7 @@
               <a:avLst/>
               <a:gdLst/>
               <a:ahLst/>
+              <a:cxnLst/>
               <a:rect l="l" t="t" r="r" b="b"/>
               <a:pathLst>
                 <a:path w="21600" h="21600">
@@ -12436,15 +12648,21 @@
             </a:ln>
           </p:spPr>
           <p:style>
-            <a:lnRef idx="0"/>
-            <a:fillRef idx="0"/>
-            <a:effectRef idx="0"/>
+            <a:lnRef idx="0">
+              <a:srgbClr val="FFFFFF"/>
+            </a:lnRef>
+            <a:fillRef idx="0">
+              <a:srgbClr val="FFFFFF"/>
+            </a:fillRef>
+            <a:effectRef idx="0">
+              <a:srgbClr val="FFFFFF"/>
+            </a:effectRef>
             <a:fontRef idx="minor"/>
           </p:style>
         </p:sp>
         <p:sp>
           <p:nvSpPr>
-            <p:cNvPr id="16" name="未知"/>
+            <p:cNvPr id="17" name="未知"/>
             <p:cNvSpPr/>
             <p:nvPr/>
           </p:nvSpPr>
@@ -12457,6 +12675,7 @@
               <a:avLst/>
               <a:gdLst/>
               <a:ahLst/>
+              <a:cxnLst/>
               <a:rect l="l" t="t" r="r" b="b"/>
               <a:pathLst>
                 <a:path w="21600" h="21600">
@@ -12680,15 +12899,21 @@
             </a:ln>
           </p:spPr>
           <p:style>
-            <a:lnRef idx="0"/>
-            <a:fillRef idx="0"/>
-            <a:effectRef idx="0"/>
+            <a:lnRef idx="0">
+              <a:srgbClr val="FFFFFF"/>
+            </a:lnRef>
+            <a:fillRef idx="0">
+              <a:srgbClr val="FFFFFF"/>
+            </a:fillRef>
+            <a:effectRef idx="0">
+              <a:srgbClr val="FFFFFF"/>
+            </a:effectRef>
             <a:fontRef idx="minor"/>
           </p:style>
         </p:sp>
         <p:sp>
           <p:nvSpPr>
-            <p:cNvPr id="17" name="未知"/>
+            <p:cNvPr id="18" name="未知"/>
             <p:cNvSpPr/>
             <p:nvPr/>
           </p:nvSpPr>
@@ -12701,6 +12926,7 @@
               <a:avLst/>
               <a:gdLst/>
               <a:ahLst/>
+              <a:cxnLst/>
               <a:rect l="l" t="t" r="r" b="b"/>
               <a:pathLst>
                 <a:path w="21600" h="21600">
@@ -13128,15 +13354,21 @@
             </a:ln>
           </p:spPr>
           <p:style>
-            <a:lnRef idx="0"/>
-            <a:fillRef idx="0"/>
-            <a:effectRef idx="0"/>
+            <a:lnRef idx="0">
+              <a:srgbClr val="FFFFFF"/>
+            </a:lnRef>
+            <a:fillRef idx="0">
+              <a:srgbClr val="FFFFFF"/>
+            </a:fillRef>
+            <a:effectRef idx="0">
+              <a:srgbClr val="FFFFFF"/>
+            </a:effectRef>
             <a:fontRef idx="minor"/>
           </p:style>
         </p:sp>
         <p:sp>
           <p:nvSpPr>
-            <p:cNvPr id="18" name="未知"/>
+            <p:cNvPr id="19" name="未知"/>
             <p:cNvSpPr/>
             <p:nvPr/>
           </p:nvSpPr>
@@ -13149,6 +13381,7 @@
               <a:avLst/>
               <a:gdLst/>
               <a:ahLst/>
+              <a:cxnLst/>
               <a:rect l="l" t="t" r="r" b="b"/>
               <a:pathLst>
                 <a:path w="21600" h="21600">
@@ -13600,15 +13833,21 @@
             </a:ln>
           </p:spPr>
           <p:style>
-            <a:lnRef idx="0"/>
-            <a:fillRef idx="0"/>
-            <a:effectRef idx="0"/>
+            <a:lnRef idx="0">
+              <a:srgbClr val="FFFFFF"/>
+            </a:lnRef>
+            <a:fillRef idx="0">
+              <a:srgbClr val="FFFFFF"/>
+            </a:fillRef>
+            <a:effectRef idx="0">
+              <a:srgbClr val="FFFFFF"/>
+            </a:effectRef>
             <a:fontRef idx="minor"/>
           </p:style>
         </p:sp>
         <p:sp>
           <p:nvSpPr>
-            <p:cNvPr id="19" name="未知"/>
+            <p:cNvPr id="20" name="未知"/>
             <p:cNvSpPr/>
             <p:nvPr/>
           </p:nvSpPr>
@@ -13621,6 +13860,7 @@
               <a:avLst/>
               <a:gdLst/>
               <a:ahLst/>
+              <a:cxnLst/>
               <a:rect l="l" t="t" r="r" b="b"/>
               <a:pathLst>
                 <a:path w="21600" h="21600">
@@ -13976,15 +14216,21 @@
             </a:ln>
           </p:spPr>
           <p:style>
-            <a:lnRef idx="0"/>
-            <a:fillRef idx="0"/>
-            <a:effectRef idx="0"/>
+            <a:lnRef idx="0">
+              <a:srgbClr val="FFFFFF"/>
+            </a:lnRef>
+            <a:fillRef idx="0">
+              <a:srgbClr val="FFFFFF"/>
+            </a:fillRef>
+            <a:effectRef idx="0">
+              <a:srgbClr val="FFFFFF"/>
+            </a:effectRef>
             <a:fontRef idx="minor"/>
           </p:style>
         </p:sp>
         <p:sp>
           <p:nvSpPr>
-            <p:cNvPr id="20" name="未知"/>
+            <p:cNvPr id="21" name="未知"/>
             <p:cNvSpPr/>
             <p:nvPr/>
           </p:nvSpPr>
@@ -13997,6 +14243,7 @@
               <a:avLst/>
               <a:gdLst/>
               <a:ahLst/>
+              <a:cxnLst/>
               <a:rect l="l" t="t" r="r" b="b"/>
               <a:pathLst>
                 <a:path w="21600" h="21600">
@@ -15120,16 +15367,22 @@
             </a:ln>
           </p:spPr>
           <p:style>
-            <a:lnRef idx="0"/>
-            <a:fillRef idx="0"/>
-            <a:effectRef idx="0"/>
+            <a:lnRef idx="0">
+              <a:srgbClr val="FFFFFF"/>
+            </a:lnRef>
+            <a:fillRef idx="0">
+              <a:srgbClr val="FFFFFF"/>
+            </a:fillRef>
+            <a:effectRef idx="0">
+              <a:srgbClr val="FFFFFF"/>
+            </a:effectRef>
             <a:fontRef idx="minor"/>
           </p:style>
         </p:sp>
       </p:grpSp>
       <p:sp>
         <p:nvSpPr>
-          <p:cNvPr id="21" name="未知"/>
+          <p:cNvPr id="22" name="未知"/>
           <p:cNvSpPr/>
           <p:nvPr/>
         </p:nvSpPr>
@@ -15142,6 +15395,7 @@
             <a:avLst/>
             <a:gdLst/>
             <a:ahLst/>
+            <a:cxnLst/>
             <a:rect l="l" t="t" r="r" b="b"/>
             <a:pathLst>
               <a:path w="21600" h="21600">
@@ -15173,15 +15427,21 @@
           </a:ln>
         </p:spPr>
         <p:style>
-          <a:lnRef idx="0"/>
-          <a:fillRef idx="0"/>
-          <a:effectRef idx="0"/>
+          <a:lnRef idx="0">
+            <a:srgbClr val="FFFFFF"/>
+          </a:lnRef>
+          <a:fillRef idx="0">
+            <a:srgbClr val="FFFFFF"/>
+          </a:fillRef>
+          <a:effectRef idx="0">
+            <a:srgbClr val="FFFFFF"/>
+          </a:effectRef>
           <a:fontRef idx="minor"/>
         </p:style>
       </p:sp>
       <p:sp>
         <p:nvSpPr>
-          <p:cNvPr id="22" name="PlaceHolder 1"/>
+          <p:cNvPr id="23" name="PlaceHolder 1"/>
           <p:cNvSpPr>
             <a:spLocks noGrp="1"/>
           </p:cNvSpPr>
@@ -15203,7 +15463,7 @@
           </a:ln>
         </p:spPr>
         <p:txBody>
-          <a:bodyPr lIns="90000" rIns="90000" tIns="45000" bIns="45000" anchor="ctr">
+          <a:bodyPr lIns="90000" tIns="45000" rIns="90000" bIns="45000" anchor="ctr">
             <a:noAutofit/>
           </a:bodyPr>
           <a:p>
@@ -15214,27 +15474,27 @@
               <a:buNone/>
             </a:pPr>
             <a:r>
-              <a:rPr b="0" lang="en-US" sz="3600" spc="-1" strike="noStrike">
+              <a:rPr lang="en-US" sz="3600" b="0" strike="noStrike" spc="-1">
                 <a:solidFill>
-                  <a:srgbClr val="ffffff"/>
+                  <a:srgbClr val="FFFFFF"/>
                 </a:solidFill>
-                <a:latin typeface="Arial"/>
-                <a:ea typeface="SimSun"/>
+                <a:latin typeface="Arial" panose="020B0604020202020204"/>
+                <a:ea typeface="SimSun" panose="02010600030101010101" pitchFamily="2" charset="-122"/>
               </a:rPr>
               <a:t>Click to edit Master title style</a:t>
             </a:r>
-            <a:endParaRPr b="0" lang="en-US" sz="3600" spc="-1" strike="noStrike">
+            <a:endParaRPr lang="en-US" sz="3600" b="0" strike="noStrike" spc="-1">
               <a:solidFill>
-                <a:srgbClr val="ffffff"/>
+                <a:srgbClr val="FFFFFF"/>
               </a:solidFill>
-              <a:latin typeface="Arial"/>
+              <a:latin typeface="Arial" panose="020B0604020202020204"/>
             </a:endParaRPr>
           </a:p>
         </p:txBody>
       </p:sp>
       <p:sp>
         <p:nvSpPr>
-          <p:cNvPr id="23" name="PlaceHolder 2"/>
+          <p:cNvPr id="24" name="PlaceHolder 2"/>
           <p:cNvSpPr>
             <a:spLocks noGrp="1"/>
           </p:cNvSpPr>
@@ -15261,27 +15521,27 @@
           </a:bodyPr>
           <a:lstStyle>
             <a:lvl1pPr>
-              <a:defRPr b="0" lang="pt-BR" sz="1400" spc="-1" strike="noStrike">
-                <a:latin typeface="Times New Roman"/>
+              <a:defRPr lang="pt-BR" sz="1400" b="0" strike="noStrike" spc="-1">
+                <a:latin typeface="Times New Roman" panose="02020603050405020304"/>
               </a:defRPr>
             </a:lvl1pPr>
           </a:lstStyle>
           <a:p>
             <a:r>
-              <a:rPr b="0" lang="pt-BR" sz="1400" spc="-1" strike="noStrike">
-                <a:latin typeface="Times New Roman"/>
+              <a:rPr lang="pt-BR" sz="1400" b="0" strike="noStrike" spc="-1">
+                <a:latin typeface="Times New Roman" panose="02020603050405020304"/>
               </a:rPr>
               <a:t> </a:t>
             </a:r>
-            <a:endParaRPr b="0" lang="pt-BR" sz="1400" spc="-1" strike="noStrike">
-              <a:latin typeface="Times New Roman"/>
+            <a:endParaRPr lang="pt-BR" sz="1400" b="0" strike="noStrike" spc="-1">
+              <a:latin typeface="Times New Roman" panose="02020603050405020304"/>
             </a:endParaRPr>
           </a:p>
         </p:txBody>
       </p:sp>
       <p:sp>
         <p:nvSpPr>
-          <p:cNvPr id="24" name="PlaceHolder 3"/>
+          <p:cNvPr id="25" name="PlaceHolder 3"/>
           <p:cNvSpPr>
             <a:spLocks noGrp="1"/>
           </p:cNvSpPr>
@@ -15309,8 +15569,8 @@
           <a:lstStyle>
             <a:lvl1pPr algn="ctr">
               <a:buNone/>
-              <a:defRPr b="0" lang="pt-BR" sz="1400" spc="-1" strike="noStrike">
-                <a:latin typeface="Times New Roman"/>
+              <a:defRPr lang="pt-BR" sz="1400" b="0" strike="noStrike" spc="-1">
+                <a:latin typeface="Times New Roman" panose="02020603050405020304"/>
               </a:defRPr>
             </a:lvl1pPr>
           </a:lstStyle>
@@ -15319,20 +15579,20 @@
               <a:buNone/>
             </a:pPr>
             <a:r>
-              <a:rPr b="0" lang="pt-BR" sz="1400" spc="-1" strike="noStrike">
-                <a:latin typeface="Times New Roman"/>
+              <a:rPr lang="pt-BR" sz="1400" b="0" strike="noStrike" spc="-1">
+                <a:latin typeface="Times New Roman" panose="02020603050405020304"/>
               </a:rPr>
               <a:t> </a:t>
             </a:r>
-            <a:endParaRPr b="0" lang="pt-BR" sz="1400" spc="-1" strike="noStrike">
-              <a:latin typeface="Times New Roman"/>
+            <a:endParaRPr lang="pt-BR" sz="1400" b="0" strike="noStrike" spc="-1">
+              <a:latin typeface="Times New Roman" panose="02020603050405020304"/>
             </a:endParaRPr>
           </a:p>
         </p:txBody>
       </p:sp>
       <p:sp>
         <p:nvSpPr>
-          <p:cNvPr id="25" name="PlaceHolder 4"/>
+          <p:cNvPr id="26" name="PlaceHolder 4"/>
           <p:cNvSpPr>
             <a:spLocks noGrp="1"/>
           </p:cNvSpPr>
@@ -15359,21 +15619,21 @@
           </a:bodyPr>
           <a:lstStyle>
             <a:lvl1pPr>
-              <a:defRPr b="0" lang="pt-BR" sz="2400" spc="-1" strike="noStrike">
-                <a:latin typeface="Times New Roman"/>
+              <a:defRPr lang="pt-BR" sz="2400" b="0" strike="noStrike" spc="-1">
+                <a:latin typeface="Times New Roman" panose="02020603050405020304"/>
               </a:defRPr>
             </a:lvl1pPr>
           </a:lstStyle>
           <a:p>
-            <a:endParaRPr b="0" lang="pt-BR" sz="2400" spc="-1" strike="noStrike">
-              <a:latin typeface="Times New Roman"/>
+            <a:endParaRPr lang="pt-BR" sz="2400" b="0" strike="noStrike" spc="-1">
+              <a:latin typeface="Times New Roman" panose="02020603050405020304"/>
             </a:endParaRPr>
           </a:p>
         </p:txBody>
       </p:sp>
       <p:sp>
         <p:nvSpPr>
-          <p:cNvPr id="26" name="PlaceHolder 5"/>
+          <p:cNvPr id="27" name="PlaceHolder 5"/>
           <p:cNvSpPr>
             <a:spLocks noGrp="1"/>
           </p:cNvSpPr>
@@ -15395,76 +15655,76 @@
           </a:ln>
         </p:spPr>
         <p:txBody>
-          <a:bodyPr lIns="0" rIns="0" tIns="0" bIns="0" anchor="t">
+          <a:bodyPr lIns="0" tIns="0" rIns="0" bIns="0" anchor="t">
             <a:normAutofit/>
           </a:bodyPr>
           <a:p>
-            <a:pPr marL="432000" indent="-324000">
+            <a:pPr marL="431800" indent="-323850">
               <a:spcBef>
-                <a:spcPts val="1417"/>
+                <a:spcPts val="1415"/>
               </a:spcBef>
               <a:buClr>
                 <a:srgbClr val="000000"/>
               </a:buClr>
               <a:buSzPct val="45000"/>
-              <a:buFont typeface="Wingdings" charset="2"/>
+              <a:buFont typeface="Wingdings" panose="05000000000000000000" pitchFamily="2" charset="2"/>
               <a:buChar char=""/>
             </a:pPr>
             <a:r>
-              <a:rPr b="0" lang="en-US" sz="3200" spc="-1" strike="noStrike">
+              <a:rPr lang="en-US" sz="3200" b="0" strike="noStrike" spc="-1">
                 <a:solidFill>
-                  <a:srgbClr val="ffffff"/>
+                  <a:srgbClr val="FFFFFF"/>
                 </a:solidFill>
-                <a:latin typeface="Arial"/>
+                <a:latin typeface="Arial" panose="020B0604020202020204"/>
               </a:rPr>
               <a:t>Clique para editar o formato do texto da estrutura de </a:t>
             </a:r>
             <a:r>
-              <a:rPr b="0" lang="en-US" sz="3200" spc="-1" strike="noStrike">
+              <a:rPr lang="en-US" sz="3200" b="0" strike="noStrike" spc="-1">
                 <a:solidFill>
-                  <a:srgbClr val="ffffff"/>
+                  <a:srgbClr val="FFFFFF"/>
                 </a:solidFill>
-                <a:latin typeface="Arial"/>
+                <a:latin typeface="Arial" panose="020B0604020202020204"/>
               </a:rPr>
               <a:t>tópicos</a:t>
             </a:r>
-            <a:endParaRPr b="0" lang="en-US" sz="3200" spc="-1" strike="noStrike">
+            <a:endParaRPr lang="en-US" sz="3200" b="0" strike="noStrike" spc="-1">
               <a:solidFill>
-                <a:srgbClr val="ffffff"/>
+                <a:srgbClr val="FFFFFF"/>
               </a:solidFill>
-              <a:latin typeface="Arial"/>
+              <a:latin typeface="Arial" panose="020B0604020202020204"/>
             </a:endParaRPr>
           </a:p>
           <a:p>
-            <a:pPr lvl="1" marL="864000" indent="-324000">
+            <a:pPr marL="864235" lvl="1" indent="-323850">
               <a:spcBef>
-                <a:spcPts val="1134"/>
+                <a:spcPts val="1135"/>
               </a:spcBef>
               <a:buClr>
                 <a:srgbClr val="000000"/>
               </a:buClr>
               <a:buSzPct val="75000"/>
-              <a:buFont typeface="Symbol" charset="2"/>
+              <a:buFont typeface="Symbol" panose="05050102010706020507" charset="2"/>
               <a:buChar char=""/>
             </a:pPr>
             <a:r>
-              <a:rPr b="0" lang="en-US" sz="2400" spc="-1" strike="noStrike">
+              <a:rPr lang="en-US" sz="2400" b="0" strike="noStrike" spc="-1">
                 <a:solidFill>
-                  <a:srgbClr val="ffffff"/>
+                  <a:srgbClr val="FFFFFF"/>
                 </a:solidFill>
-                <a:latin typeface="Arial"/>
+                <a:latin typeface="Arial" panose="020B0604020202020204"/>
               </a:rPr>
               <a:t>2.º nível da estrutura de tópicos</a:t>
             </a:r>
-            <a:endParaRPr b="0" lang="en-US" sz="2400" spc="-1" strike="noStrike">
+            <a:endParaRPr lang="en-US" sz="2400" b="0" strike="noStrike" spc="-1">
               <a:solidFill>
-                <a:srgbClr val="ffffff"/>
+                <a:srgbClr val="FFFFFF"/>
               </a:solidFill>
-              <a:latin typeface="Arial"/>
+              <a:latin typeface="Arial" panose="020B0604020202020204"/>
             </a:endParaRPr>
           </a:p>
           <a:p>
-            <a:pPr lvl="2" marL="1296000" indent="-288000">
+            <a:pPr marL="1296035" lvl="2" indent="-288290">
               <a:spcBef>
                 <a:spcPts val="850"/>
               </a:spcBef>
@@ -15472,161 +15732,166 @@
                 <a:srgbClr val="000000"/>
               </a:buClr>
               <a:buSzPct val="45000"/>
-              <a:buFont typeface="Wingdings" charset="2"/>
+              <a:buFont typeface="Wingdings" panose="05000000000000000000" pitchFamily="2" charset="2"/>
               <a:buChar char=""/>
             </a:pPr>
             <a:r>
-              <a:rPr b="0" lang="en-US" sz="2000" spc="-1" strike="noStrike">
+              <a:rPr lang="en-US" sz="2000" b="0" strike="noStrike" spc="-1">
                 <a:solidFill>
-                  <a:srgbClr val="ffffff"/>
+                  <a:srgbClr val="FFFFFF"/>
                 </a:solidFill>
-                <a:latin typeface="Arial"/>
+                <a:latin typeface="Arial" panose="020B0604020202020204"/>
               </a:rPr>
               <a:t>3.º nível da estrutura de tópicos</a:t>
             </a:r>
-            <a:endParaRPr b="0" lang="en-US" sz="2000" spc="-1" strike="noStrike">
+            <a:endParaRPr lang="en-US" sz="2000" b="0" strike="noStrike" spc="-1">
               <a:solidFill>
-                <a:srgbClr val="ffffff"/>
+                <a:srgbClr val="FFFFFF"/>
               </a:solidFill>
-              <a:latin typeface="Arial"/>
+              <a:latin typeface="Arial" panose="020B0604020202020204"/>
             </a:endParaRPr>
           </a:p>
           <a:p>
-            <a:pPr lvl="3" marL="1728000" indent="-216000">
+            <a:pPr marL="1727835" lvl="3" indent="-215900">
               <a:spcBef>
-                <a:spcPts val="567"/>
+                <a:spcPts val="565"/>
               </a:spcBef>
               <a:buClr>
                 <a:srgbClr val="000000"/>
               </a:buClr>
               <a:buSzPct val="75000"/>
-              <a:buFont typeface="Symbol" charset="2"/>
+              <a:buFont typeface="Symbol" panose="05050102010706020507" charset="2"/>
               <a:buChar char=""/>
             </a:pPr>
             <a:r>
-              <a:rPr b="0" lang="en-US" sz="2000" spc="-1" strike="noStrike">
+              <a:rPr lang="en-US" sz="2000" b="0" strike="noStrike" spc="-1">
                 <a:solidFill>
-                  <a:srgbClr val="ffffff"/>
+                  <a:srgbClr val="FFFFFF"/>
                 </a:solidFill>
-                <a:latin typeface="Arial"/>
+                <a:latin typeface="Arial" panose="020B0604020202020204"/>
               </a:rPr>
               <a:t>4.º nível da estrutura de tópicos</a:t>
             </a:r>
-            <a:endParaRPr b="0" lang="en-US" sz="2000" spc="-1" strike="noStrike">
+            <a:endParaRPr lang="en-US" sz="2000" b="0" strike="noStrike" spc="-1">
               <a:solidFill>
-                <a:srgbClr val="ffffff"/>
+                <a:srgbClr val="FFFFFF"/>
               </a:solidFill>
-              <a:latin typeface="Arial"/>
+              <a:latin typeface="Arial" panose="020B0604020202020204"/>
             </a:endParaRPr>
           </a:p>
           <a:p>
-            <a:pPr lvl="4" marL="2160000" indent="-216000">
+            <a:pPr marL="2160270" lvl="4" indent="-215900">
               <a:spcBef>
-                <a:spcPts val="283"/>
+                <a:spcPts val="285"/>
               </a:spcBef>
               <a:buClr>
                 <a:srgbClr val="000000"/>
               </a:buClr>
               <a:buSzPct val="45000"/>
-              <a:buFont typeface="Wingdings" charset="2"/>
+              <a:buFont typeface="Wingdings" panose="05000000000000000000" pitchFamily="2" charset="2"/>
               <a:buChar char=""/>
             </a:pPr>
             <a:r>
-              <a:rPr b="0" lang="en-US" sz="2000" spc="-1" strike="noStrike">
+              <a:rPr lang="en-US" sz="2000" b="0" strike="noStrike" spc="-1">
                 <a:solidFill>
-                  <a:srgbClr val="ffffff"/>
+                  <a:srgbClr val="FFFFFF"/>
                 </a:solidFill>
-                <a:latin typeface="Arial"/>
+                <a:latin typeface="Arial" panose="020B0604020202020204"/>
               </a:rPr>
               <a:t>5.º nível da estrutura de tópicos</a:t>
             </a:r>
-            <a:endParaRPr b="0" lang="en-US" sz="2000" spc="-1" strike="noStrike">
+            <a:endParaRPr lang="en-US" sz="2000" b="0" strike="noStrike" spc="-1">
               <a:solidFill>
-                <a:srgbClr val="ffffff"/>
+                <a:srgbClr val="FFFFFF"/>
               </a:solidFill>
-              <a:latin typeface="Arial"/>
+              <a:latin typeface="Arial" panose="020B0604020202020204"/>
             </a:endParaRPr>
           </a:p>
           <a:p>
-            <a:pPr lvl="5" marL="2592000" indent="-216000">
+            <a:pPr marL="2592070" lvl="5" indent="-215900">
               <a:spcBef>
-                <a:spcPts val="283"/>
+                <a:spcPts val="285"/>
               </a:spcBef>
               <a:buClr>
                 <a:srgbClr val="000000"/>
               </a:buClr>
               <a:buSzPct val="45000"/>
-              <a:buFont typeface="Wingdings" charset="2"/>
+              <a:buFont typeface="Wingdings" panose="05000000000000000000" pitchFamily="2" charset="2"/>
               <a:buChar char=""/>
             </a:pPr>
             <a:r>
-              <a:rPr b="0" lang="en-US" sz="2000" spc="-1" strike="noStrike">
+              <a:rPr lang="en-US" sz="2000" b="0" strike="noStrike" spc="-1">
                 <a:solidFill>
-                  <a:srgbClr val="ffffff"/>
+                  <a:srgbClr val="FFFFFF"/>
                 </a:solidFill>
-                <a:latin typeface="Arial"/>
+                <a:latin typeface="Arial" panose="020B0604020202020204"/>
               </a:rPr>
               <a:t>6.º nível da estrutura de tópicos</a:t>
             </a:r>
-            <a:endParaRPr b="0" lang="en-US" sz="2000" spc="-1" strike="noStrike">
+            <a:endParaRPr lang="en-US" sz="2000" b="0" strike="noStrike" spc="-1">
               <a:solidFill>
-                <a:srgbClr val="ffffff"/>
+                <a:srgbClr val="FFFFFF"/>
               </a:solidFill>
-              <a:latin typeface="Arial"/>
+              <a:latin typeface="Arial" panose="020B0604020202020204"/>
             </a:endParaRPr>
           </a:p>
           <a:p>
-            <a:pPr lvl="6" marL="3024000" indent="-216000">
+            <a:pPr marL="3023870" lvl="6" indent="-215900">
               <a:spcBef>
-                <a:spcPts val="283"/>
+                <a:spcPts val="285"/>
               </a:spcBef>
               <a:buClr>
                 <a:srgbClr val="000000"/>
               </a:buClr>
               <a:buSzPct val="45000"/>
-              <a:buFont typeface="Wingdings" charset="2"/>
+              <a:buFont typeface="Wingdings" panose="05000000000000000000" pitchFamily="2" charset="2"/>
               <a:buChar char=""/>
             </a:pPr>
             <a:r>
-              <a:rPr b="0" lang="en-US" sz="2000" spc="-1" strike="noStrike">
+              <a:rPr lang="en-US" sz="2000" b="0" strike="noStrike" spc="-1">
                 <a:solidFill>
-                  <a:srgbClr val="ffffff"/>
+                  <a:srgbClr val="FFFFFF"/>
                 </a:solidFill>
-                <a:latin typeface="Arial"/>
+                <a:latin typeface="Arial" panose="020B0604020202020204"/>
               </a:rPr>
               <a:t>7.º nível da estrutura de tópicos</a:t>
             </a:r>
-            <a:endParaRPr b="0" lang="en-US" sz="2000" spc="-1" strike="noStrike">
+            <a:endParaRPr lang="en-US" sz="2000" b="0" strike="noStrike" spc="-1">
               <a:solidFill>
-                <a:srgbClr val="ffffff"/>
+                <a:srgbClr val="FFFFFF"/>
               </a:solidFill>
-              <a:latin typeface="Arial"/>
+              <a:latin typeface="Arial" panose="020B0604020202020204"/>
             </a:endParaRPr>
           </a:p>
         </p:txBody>
       </p:sp>
     </p:spTree>
   </p:cSld>
-  <p:clrMap bg1="lt1" bg2="lt2" tx1="dk1" tx2="dk2" accent1="accent1" accent2="accent2" accent3="accent3" accent4="accent4" accent5="accent5" accent6="accent6" hlink="hlink" folHlink="folHlink"/>
+  <p:clrMap bg1="lt1" tx1="dk1" bg2="lt2" tx2="dk2" accent1="accent1" accent2="accent2" accent3="accent3" accent4="accent4" accent5="accent5" accent6="accent6" hlink="hlink" folHlink="folHlink"/>
   <p:sldLayoutIdLst>
-    <p:sldLayoutId id="2147483649" r:id="rId2"/>
-    <p:sldLayoutId id="2147483650" r:id="rId3"/>
-    <p:sldLayoutId id="2147483651" r:id="rId4"/>
-    <p:sldLayoutId id="2147483652" r:id="rId5"/>
-    <p:sldLayoutId id="2147483653" r:id="rId6"/>
-    <p:sldLayoutId id="2147483654" r:id="rId7"/>
-    <p:sldLayoutId id="2147483655" r:id="rId8"/>
-    <p:sldLayoutId id="2147483656" r:id="rId9"/>
-    <p:sldLayoutId id="2147483657" r:id="rId10"/>
-    <p:sldLayoutId id="2147483658" r:id="rId11"/>
-    <p:sldLayoutId id="2147483659" r:id="rId12"/>
-    <p:sldLayoutId id="2147483660" r:id="rId13"/>
+    <p:sldLayoutId id="2147483649" r:id="rId1"/>
+    <p:sldLayoutId id="2147483650" r:id="rId2"/>
+    <p:sldLayoutId id="2147483651" r:id="rId3"/>
+    <p:sldLayoutId id="2147483652" r:id="rId4"/>
+    <p:sldLayoutId id="2147483653" r:id="rId5"/>
+    <p:sldLayoutId id="2147483654" r:id="rId6"/>
+    <p:sldLayoutId id="2147483655" r:id="rId7"/>
+    <p:sldLayoutId id="2147483656" r:id="rId8"/>
+    <p:sldLayoutId id="2147483657" r:id="rId9"/>
+    <p:sldLayoutId id="2147483658" r:id="rId10"/>
+    <p:sldLayoutId id="2147483659" r:id="rId11"/>
+    <p:sldLayoutId id="2147483660" r:id="rId12"/>
   </p:sldLayoutIdLst>
+  <p:txStyles>
+    <p:titleStyle/>
+    <p:bodyStyle/>
+    <p:otherStyle/>
+  </p:txStyles>
 </p:sldMaster>
 </file>
 
 <file path=ppt/slideMasters/slideMaster2.xml><?xml version="1.0" encoding="utf-8"?>
-<p:sldMaster xmlns:a="http://schemas.openxmlformats.org/drawingml/2006/main" xmlns:p="http://schemas.openxmlformats.org/presentationml/2006/main" xmlns:r="http://schemas.openxmlformats.org/officeDocument/2006/relationships" xmlns:p14="http://schemas.microsoft.com/office/powerpoint/2010/main" xmlns:p15="http://schemas.microsoft.com/office/powerpoint/2012/main" xmlns:mc="http://schemas.openxmlformats.org/markup-compatibility/2006">
+<p:sldMaster xmlns:a="http://schemas.openxmlformats.org/drawingml/2006/main" xmlns:r="http://schemas.openxmlformats.org/officeDocument/2006/relationships" xmlns:p="http://schemas.openxmlformats.org/presentationml/2006/main">
   <p:cSld>
     <p:bg>
       <p:bgPr>
@@ -15636,11 +15901,12 @@
               <a:srgbClr val="000099"/>
             </a:gs>
             <a:gs pos="100000">
-              <a:srgbClr val="779eff"/>
+              <a:srgbClr val="779EFF"/>
             </a:gs>
           </a:gsLst>
           <a:lin ang="5400000"/>
         </a:gradFill>
+        <a:effectLst/>
       </p:bgPr>
     </p:bg>
     <p:spTree>
@@ -15686,6 +15952,7 @@
               <a:avLst/>
               <a:gdLst/>
               <a:ahLst/>
+              <a:cxnLst/>
               <a:rect l="l" t="t" r="r" b="b"/>
               <a:pathLst>
                 <a:path w="21600" h="21600">
@@ -16689,9 +16956,15 @@
             </a:ln>
           </p:spPr>
           <p:style>
-            <a:lnRef idx="0"/>
-            <a:fillRef idx="0"/>
-            <a:effectRef idx="0"/>
+            <a:lnRef idx="0">
+              <a:srgbClr val="FFFFFF"/>
+            </a:lnRef>
+            <a:fillRef idx="0">
+              <a:srgbClr val="FFFFFF"/>
+            </a:fillRef>
+            <a:effectRef idx="0">
+              <a:srgbClr val="FFFFFF"/>
+            </a:effectRef>
             <a:fontRef idx="minor"/>
           </p:style>
         </p:sp>
@@ -16710,6 +16983,7 @@
               <a:avLst/>
               <a:gdLst/>
               <a:ahLst/>
+              <a:cxnLst/>
               <a:rect l="l" t="t" r="r" b="b"/>
               <a:pathLst>
                 <a:path w="21600" h="21600">
@@ -17257,9 +17531,15 @@
             </a:ln>
           </p:spPr>
           <p:style>
-            <a:lnRef idx="0"/>
-            <a:fillRef idx="0"/>
-            <a:effectRef idx="0"/>
+            <a:lnRef idx="0">
+              <a:srgbClr val="FFFFFF"/>
+            </a:lnRef>
+            <a:fillRef idx="0">
+              <a:srgbClr val="FFFFFF"/>
+            </a:fillRef>
+            <a:effectRef idx="0">
+              <a:srgbClr val="FFFFFF"/>
+            </a:effectRef>
             <a:fontRef idx="minor"/>
           </p:style>
         </p:sp>
@@ -17278,6 +17558,7 @@
               <a:avLst/>
               <a:gdLst/>
               <a:ahLst/>
+              <a:cxnLst/>
               <a:rect l="l" t="t" r="r" b="b"/>
               <a:pathLst>
                 <a:path w="21600" h="21600">
@@ -17969,9 +18250,15 @@
             </a:ln>
           </p:spPr>
           <p:style>
-            <a:lnRef idx="0"/>
-            <a:fillRef idx="0"/>
-            <a:effectRef idx="0"/>
+            <a:lnRef idx="0">
+              <a:srgbClr val="FFFFFF"/>
+            </a:lnRef>
+            <a:fillRef idx="0">
+              <a:srgbClr val="FFFFFF"/>
+            </a:fillRef>
+            <a:effectRef idx="0">
+              <a:srgbClr val="FFFFFF"/>
+            </a:effectRef>
             <a:fontRef idx="minor"/>
           </p:style>
         </p:sp>
@@ -17990,6 +18277,7 @@
               <a:avLst/>
               <a:gdLst/>
               <a:ahLst/>
+              <a:cxnLst/>
               <a:rect l="l" t="t" r="r" b="b"/>
               <a:pathLst>
                 <a:path w="21600" h="21600">
@@ -18153,9 +18441,15 @@
             </a:ln>
           </p:spPr>
           <p:style>
-            <a:lnRef idx="0"/>
-            <a:fillRef idx="0"/>
-            <a:effectRef idx="0"/>
+            <a:lnRef idx="0">
+              <a:srgbClr val="FFFFFF"/>
+            </a:lnRef>
+            <a:fillRef idx="0">
+              <a:srgbClr val="FFFFFF"/>
+            </a:fillRef>
+            <a:effectRef idx="0">
+              <a:srgbClr val="FFFFFF"/>
+            </a:effectRef>
             <a:fontRef idx="minor"/>
           </p:style>
         </p:sp>
@@ -18174,6 +18468,7 @@
               <a:avLst/>
               <a:gdLst/>
               <a:ahLst/>
+              <a:cxnLst/>
               <a:rect l="l" t="t" r="r" b="b"/>
               <a:pathLst>
                 <a:path w="21600" h="21600">
@@ -18397,9 +18692,15 @@
             </a:ln>
           </p:spPr>
           <p:style>
-            <a:lnRef idx="0"/>
-            <a:fillRef idx="0"/>
-            <a:effectRef idx="0"/>
+            <a:lnRef idx="0">
+              <a:srgbClr val="FFFFFF"/>
+            </a:lnRef>
+            <a:fillRef idx="0">
+              <a:srgbClr val="FFFFFF"/>
+            </a:fillRef>
+            <a:effectRef idx="0">
+              <a:srgbClr val="FFFFFF"/>
+            </a:effectRef>
             <a:fontRef idx="minor"/>
           </p:style>
         </p:sp>
@@ -18418,6 +18719,7 @@
               <a:avLst/>
               <a:gdLst/>
               <a:ahLst/>
+              <a:cxnLst/>
               <a:rect l="l" t="t" r="r" b="b"/>
               <a:pathLst>
                 <a:path w="21600" h="21600">
@@ -18845,9 +19147,15 @@
             </a:ln>
           </p:spPr>
           <p:style>
-            <a:lnRef idx="0"/>
-            <a:fillRef idx="0"/>
-            <a:effectRef idx="0"/>
+            <a:lnRef idx="0">
+              <a:srgbClr val="FFFFFF"/>
+            </a:lnRef>
+            <a:fillRef idx="0">
+              <a:srgbClr val="FFFFFF"/>
+            </a:fillRef>
+            <a:effectRef idx="0">
+              <a:srgbClr val="FFFFFF"/>
+            </a:effectRef>
             <a:fontRef idx="minor"/>
           </p:style>
         </p:sp>
@@ -18866,6 +19174,7 @@
               <a:avLst/>
               <a:gdLst/>
               <a:ahLst/>
+              <a:cxnLst/>
               <a:rect l="l" t="t" r="r" b="b"/>
               <a:pathLst>
                 <a:path w="21600" h="21600">
@@ -19317,9 +19626,15 @@
             </a:ln>
           </p:spPr>
           <p:style>
-            <a:lnRef idx="0"/>
-            <a:fillRef idx="0"/>
-            <a:effectRef idx="0"/>
+            <a:lnRef idx="0">
+              <a:srgbClr val="FFFFFF"/>
+            </a:lnRef>
+            <a:fillRef idx="0">
+              <a:srgbClr val="FFFFFF"/>
+            </a:fillRef>
+            <a:effectRef idx="0">
+              <a:srgbClr val="FFFFFF"/>
+            </a:effectRef>
             <a:fontRef idx="minor"/>
           </p:style>
         </p:sp>
@@ -19338,6 +19653,7 @@
               <a:avLst/>
               <a:gdLst/>
               <a:ahLst/>
+              <a:cxnLst/>
               <a:rect l="l" t="t" r="r" b="b"/>
               <a:pathLst>
                 <a:path w="21600" h="21600">
@@ -19693,9 +20009,15 @@
             </a:ln>
           </p:spPr>
           <p:style>
-            <a:lnRef idx="0"/>
-            <a:fillRef idx="0"/>
-            <a:effectRef idx="0"/>
+            <a:lnRef idx="0">
+              <a:srgbClr val="FFFFFF"/>
+            </a:lnRef>
+            <a:fillRef idx="0">
+              <a:srgbClr val="FFFFFF"/>
+            </a:fillRef>
+            <a:effectRef idx="0">
+              <a:srgbClr val="FFFFFF"/>
+            </a:effectRef>
             <a:fontRef idx="minor"/>
           </p:style>
         </p:sp>
@@ -19714,6 +20036,7 @@
               <a:avLst/>
               <a:gdLst/>
               <a:ahLst/>
+              <a:cxnLst/>
               <a:rect l="l" t="t" r="r" b="b"/>
               <a:pathLst>
                 <a:path w="21600" h="21600">
@@ -20837,9 +21160,15 @@
             </a:ln>
           </p:spPr>
           <p:style>
-            <a:lnRef idx="0"/>
-            <a:fillRef idx="0"/>
-            <a:effectRef idx="0"/>
+            <a:lnRef idx="0">
+              <a:srgbClr val="FFFFFF"/>
+            </a:lnRef>
+            <a:fillRef idx="0">
+              <a:srgbClr val="FFFFFF"/>
+            </a:fillRef>
+            <a:effectRef idx="0">
+              <a:srgbClr val="FFFFFF"/>
+            </a:effectRef>
             <a:fontRef idx="minor"/>
           </p:style>
         </p:sp>
@@ -20859,6 +21188,7 @@
             <a:avLst/>
             <a:gdLst/>
             <a:ahLst/>
+            <a:cxnLst/>
             <a:rect l="l" t="t" r="r" b="b"/>
             <a:pathLst>
               <a:path w="21600" h="21600">
@@ -20887,9 +21217,15 @@
           </a:ln>
         </p:spPr>
         <p:style>
-          <a:lnRef idx="0"/>
-          <a:fillRef idx="0"/>
-          <a:effectRef idx="0"/>
+          <a:lnRef idx="0">
+            <a:srgbClr val="FFFFFF"/>
+          </a:lnRef>
+          <a:fillRef idx="0">
+            <a:srgbClr val="FFFFFF"/>
+          </a:fillRef>
+          <a:effectRef idx="0">
+            <a:srgbClr val="FFFFFF"/>
+          </a:effectRef>
           <a:fontRef idx="minor"/>
         </p:style>
       </p:sp>
@@ -20917,7 +21253,7 @@
           </a:ln>
         </p:spPr>
         <p:txBody>
-          <a:bodyPr lIns="90000" rIns="90000" tIns="45000" bIns="45000" anchor="ctr">
+          <a:bodyPr lIns="90000" tIns="45000" rIns="90000" bIns="45000" anchor="ctr">
             <a:noAutofit/>
           </a:bodyPr>
           <a:p>
@@ -20928,20 +21264,20 @@
               <a:buNone/>
             </a:pPr>
             <a:r>
-              <a:rPr b="0" lang="en-US" sz="3600" spc="-1" strike="noStrike">
+              <a:rPr lang="en-US" sz="3600" b="0" strike="noStrike" spc="-1">
                 <a:solidFill>
-                  <a:srgbClr val="ffffff"/>
+                  <a:srgbClr val="FFFFFF"/>
                 </a:solidFill>
-                <a:latin typeface="Arial"/>
-                <a:ea typeface="SimSun"/>
+                <a:latin typeface="Arial" panose="020B0604020202020204"/>
+                <a:ea typeface="SimSun" panose="02010600030101010101" pitchFamily="2" charset="-122"/>
               </a:rPr>
               <a:t>Click to edit Master title style</a:t>
             </a:r>
-            <a:endParaRPr b="0" lang="en-US" sz="3600" spc="-1" strike="noStrike">
+            <a:endParaRPr lang="en-US" sz="3600" b="0" strike="noStrike" spc="-1">
               <a:solidFill>
-                <a:srgbClr val="ffffff"/>
+                <a:srgbClr val="FFFFFF"/>
               </a:solidFill>
-              <a:latin typeface="Arial"/>
+              <a:latin typeface="Arial" panose="020B0604020202020204"/>
             </a:endParaRPr>
           </a:p>
         </p:txBody>
@@ -20970,104 +21306,104 @@
           </a:ln>
         </p:spPr>
         <p:txBody>
-          <a:bodyPr lIns="90000" rIns="90000" tIns="45000" bIns="45000" anchor="t">
+          <a:bodyPr lIns="90000" tIns="45000" rIns="90000" bIns="45000" anchor="t">
             <a:noAutofit/>
           </a:bodyPr>
           <a:p>
-            <a:pPr marL="343080" indent="-343080">
+            <a:pPr marL="342900" indent="-342900">
               <a:lnSpc>
                 <a:spcPct val="100000"/>
               </a:lnSpc>
               <a:spcBef>
-                <a:spcPts val="641"/>
+                <a:spcPts val="640"/>
               </a:spcBef>
               <a:buClr>
-                <a:srgbClr val="ffffff"/>
+                <a:srgbClr val="FFFFFF"/>
               </a:buClr>
-              <a:buFont typeface="Symbol" charset="2"/>
+              <a:buFont typeface="Symbol" panose="05050102010706020507" charset="2"/>
               <a:buChar char=""/>
             </a:pPr>
             <a:r>
-              <a:rPr b="0" lang="en-US" sz="3200" spc="-1" strike="noStrike">
+              <a:rPr lang="en-US" sz="3200" b="0" strike="noStrike" spc="-1">
                 <a:solidFill>
-                  <a:srgbClr val="ffffff"/>
+                  <a:srgbClr val="FFFFFF"/>
                 </a:solidFill>
-                <a:latin typeface="Arial"/>
-                <a:ea typeface="SimSun"/>
+                <a:latin typeface="Arial" panose="020B0604020202020204"/>
+                <a:ea typeface="SimSun" panose="02010600030101010101" pitchFamily="2" charset="-122"/>
               </a:rPr>
               <a:t>Click to edit Master text styles</a:t>
             </a:r>
-            <a:endParaRPr b="0" lang="en-US" sz="3200" spc="-1" strike="noStrike">
+            <a:endParaRPr lang="en-US" sz="3200" b="0" strike="noStrike" spc="-1">
               <a:solidFill>
-                <a:srgbClr val="ffffff"/>
+                <a:srgbClr val="FFFFFF"/>
               </a:solidFill>
-              <a:latin typeface="Arial"/>
+              <a:latin typeface="Arial" panose="020B0604020202020204"/>
             </a:endParaRPr>
           </a:p>
           <a:p>
-            <a:pPr lvl="1" marL="743040" indent="-285840">
+            <a:pPr marL="742950" lvl="1" indent="-285750">
               <a:lnSpc>
                 <a:spcPct val="100000"/>
               </a:lnSpc>
               <a:spcBef>
-                <a:spcPts val="561"/>
+                <a:spcPts val="560"/>
               </a:spcBef>
               <a:buClr>
-                <a:srgbClr val="ffffff"/>
+                <a:srgbClr val="FFFFFF"/>
               </a:buClr>
-              <a:buFont typeface="Symbol" charset="2"/>
+              <a:buFont typeface="Symbol" panose="05050102010706020507" charset="2"/>
               <a:buChar char=""/>
             </a:pPr>
             <a:r>
-              <a:rPr b="0" lang="en-US" sz="2800" spc="-1" strike="noStrike">
+              <a:rPr lang="en-US" sz="2800" b="0" strike="noStrike" spc="-1">
                 <a:solidFill>
-                  <a:srgbClr val="ffffff"/>
+                  <a:srgbClr val="FFFFFF"/>
                 </a:solidFill>
-                <a:latin typeface="Arial"/>
-                <a:ea typeface="SimSun"/>
+                <a:latin typeface="Arial" panose="020B0604020202020204"/>
+                <a:ea typeface="SimSun" panose="02010600030101010101" pitchFamily="2" charset="-122"/>
               </a:rPr>
               <a:t>Second level</a:t>
             </a:r>
-            <a:endParaRPr b="0" lang="en-US" sz="2800" spc="-1" strike="noStrike">
+            <a:endParaRPr lang="en-US" sz="2800" b="0" strike="noStrike" spc="-1">
               <a:solidFill>
-                <a:srgbClr val="ffffff"/>
+                <a:srgbClr val="FFFFFF"/>
               </a:solidFill>
-              <a:latin typeface="Arial"/>
+              <a:latin typeface="Arial" panose="020B0604020202020204"/>
             </a:endParaRPr>
           </a:p>
           <a:p>
-            <a:pPr lvl="2" marL="1143000" indent="-228600">
+            <a:pPr marL="1143000" lvl="2" indent="-228600">
               <a:lnSpc>
                 <a:spcPct val="100000"/>
               </a:lnSpc>
               <a:spcBef>
-                <a:spcPts val="479"/>
+                <a:spcPts val="480"/>
               </a:spcBef>
               <a:buClr>
-                <a:srgbClr val="ffffff"/>
+                <a:srgbClr val="FFFFFF"/>
               </a:buClr>
-              <a:buFont typeface="Symbol" charset="2"/>
+              <a:buFont typeface="Symbol" panose="05050102010706020507" charset="2"/>
               <a:buChar char=""/>
             </a:pPr>
             <a:r>
-              <a:rPr b="0" lang="en-US" sz="2400" spc="-1" strike="noStrike">
+              <a:rPr lang="en-US" sz="2400" b="0" strike="noStrike" spc="-1">
                 <a:solidFill>
-                  <a:srgbClr val="ffffff"/>
+                  <a:srgbClr val="FFFFFF"/>
                 </a:solidFill>
-                <a:latin typeface="Arial"/>
-                <a:ea typeface="SimSun"/>
+                <a:latin typeface="Arial" panose="020B0604020202020204"/>
+                <a:ea typeface="SimSun" panose="02010600030101010101" pitchFamily="2" charset="-122"/>
               </a:rPr>
               <a:t>Third level</a:t>
             </a:r>
-            <a:endParaRPr b="0" lang="en-US" sz="2400" spc="-1" strike="noStrike">
+            <a:endParaRPr lang="en-US" sz="2400" b="0" strike="noStrike" spc="-1">
               <a:solidFill>
-                <a:srgbClr val="ffffff"/>
+                <a:srgbClr val="FFFFFF"/>
               </a:solidFill>
-              <a:latin typeface="Arial"/>
+              <a:latin typeface="Arial" panose="020B0604020202020204"/>
             </a:endParaRPr>
           </a:p>
           <a:p>
-            <a:pPr lvl="3" marL="1600200" indent="-228600">
+            <a:pPr marL="1600200" lvl="3" indent="-228600">
               <a:lnSpc>
                 <a:spcPct val="100000"/>
               </a:lnSpc>
@@ -21075,30 +21411,30 @@
                 <a:spcPts val="400"/>
               </a:spcBef>
               <a:buClr>
-                <a:srgbClr val="ffffff"/>
+                <a:srgbClr val="FFFFFF"/>
               </a:buClr>
-              <a:buFont typeface="Symbol" charset="2"/>
+              <a:buFont typeface="Symbol" panose="05050102010706020507" charset="2"/>
               <a:buChar char=""/>
             </a:pPr>
             <a:r>
-              <a:rPr b="0" lang="en-US" sz="2000" spc="-1" strike="noStrike">
+              <a:rPr lang="en-US" sz="2000" b="0" strike="noStrike" spc="-1">
                 <a:solidFill>
-                  <a:srgbClr val="ffffff"/>
+                  <a:srgbClr val="FFFFFF"/>
                 </a:solidFill>
-                <a:latin typeface="Arial"/>
-                <a:ea typeface="SimSun"/>
+                <a:latin typeface="Arial" panose="020B0604020202020204"/>
+                <a:ea typeface="SimSun" panose="02010600030101010101" pitchFamily="2" charset="-122"/>
               </a:rPr>
               <a:t>Fourth level</a:t>
             </a:r>
-            <a:endParaRPr b="0" lang="en-US" sz="2000" spc="-1" strike="noStrike">
+            <a:endParaRPr lang="en-US" sz="2000" b="0" strike="noStrike" spc="-1">
               <a:solidFill>
-                <a:srgbClr val="ffffff"/>
+                <a:srgbClr val="FFFFFF"/>
               </a:solidFill>
-              <a:latin typeface="Arial"/>
+              <a:latin typeface="Arial" panose="020B0604020202020204"/>
             </a:endParaRPr>
           </a:p>
           <a:p>
-            <a:pPr lvl="4" marL="2057400" indent="-228600">
+            <a:pPr marL="2057400" lvl="4" indent="-228600">
               <a:lnSpc>
                 <a:spcPct val="100000"/>
               </a:lnSpc>
@@ -21106,26 +21442,26 @@
                 <a:spcPts val="400"/>
               </a:spcBef>
               <a:buClr>
-                <a:srgbClr val="ffffff"/>
+                <a:srgbClr val="FFFFFF"/>
               </a:buClr>
               <a:buFont typeface="StarSymbol"/>
               <a:buChar char="»"/>
             </a:pPr>
             <a:r>
-              <a:rPr b="0" lang="en-US" sz="2000" spc="-1" strike="noStrike">
+              <a:rPr lang="en-US" sz="2000" b="0" strike="noStrike" spc="-1">
                 <a:solidFill>
-                  <a:srgbClr val="ffffff"/>
+                  <a:srgbClr val="FFFFFF"/>
                 </a:solidFill>
-                <a:latin typeface="Arial"/>
-                <a:ea typeface="SimSun"/>
+                <a:latin typeface="Arial" panose="020B0604020202020204"/>
+                <a:ea typeface="SimSun" panose="02010600030101010101" pitchFamily="2" charset="-122"/>
               </a:rPr>
               <a:t>Fifth level</a:t>
             </a:r>
-            <a:endParaRPr b="0" lang="en-US" sz="2000" spc="-1" strike="noStrike">
+            <a:endParaRPr lang="en-US" sz="2000" b="0" strike="noStrike" spc="-1">
               <a:solidFill>
-                <a:srgbClr val="ffffff"/>
+                <a:srgbClr val="FFFFFF"/>
               </a:solidFill>
-              <a:latin typeface="Arial"/>
+              <a:latin typeface="Arial" panose="020B0604020202020204"/>
             </a:endParaRPr>
           </a:p>
         </p:txBody>
@@ -21159,20 +21495,20 @@
           </a:bodyPr>
           <a:lstStyle>
             <a:lvl1pPr>
-              <a:defRPr b="0" lang="pt-BR" sz="1400" spc="-1" strike="noStrike">
-                <a:latin typeface="Times New Roman"/>
+              <a:defRPr lang="pt-BR" sz="1400" b="0" strike="noStrike" spc="-1">
+                <a:latin typeface="Times New Roman" panose="02020603050405020304"/>
               </a:defRPr>
             </a:lvl1pPr>
           </a:lstStyle>
           <a:p>
             <a:r>
-              <a:rPr b="0" lang="pt-BR" sz="1400" spc="-1" strike="noStrike">
-                <a:latin typeface="Times New Roman"/>
+              <a:rPr lang="pt-BR" sz="1400" b="0" strike="noStrike" spc="-1">
+                <a:latin typeface="Times New Roman" panose="02020603050405020304"/>
               </a:rPr>
               <a:t>&lt;data/hora&gt;</a:t>
             </a:r>
-            <a:endParaRPr b="0" lang="pt-BR" sz="1400" spc="-1" strike="noStrike">
-              <a:latin typeface="Times New Roman"/>
+            <a:endParaRPr lang="pt-BR" sz="1400" b="0" strike="noStrike" spc="-1">
+              <a:latin typeface="Times New Roman" panose="02020603050405020304"/>
             </a:endParaRPr>
           </a:p>
         </p:txBody>
@@ -21207,8 +21543,8 @@
           <a:lstStyle>
             <a:lvl1pPr algn="ctr">
               <a:buNone/>
-              <a:defRPr b="0" lang="pt-BR" sz="1400" spc="-1" strike="noStrike">
-                <a:latin typeface="Times New Roman"/>
+              <a:defRPr lang="pt-BR" sz="1400" b="0" strike="noStrike" spc="-1">
+                <a:latin typeface="Times New Roman" panose="02020603050405020304"/>
               </a:defRPr>
             </a:lvl1pPr>
           </a:lstStyle>
@@ -21217,13 +21553,13 @@
               <a:buNone/>
             </a:pPr>
             <a:r>
-              <a:rPr b="0" lang="pt-BR" sz="1400" spc="-1" strike="noStrike">
-                <a:latin typeface="Times New Roman"/>
+              <a:rPr lang="pt-BR" sz="1400" b="0" strike="noStrike" spc="-1">
+                <a:latin typeface="Times New Roman" panose="02020603050405020304"/>
               </a:rPr>
               <a:t>&lt;rodapé&gt;</a:t>
             </a:r>
-            <a:endParaRPr b="0" lang="pt-BR" sz="1400" spc="-1" strike="noStrike">
-              <a:latin typeface="Times New Roman"/>
+            <a:endParaRPr lang="pt-BR" sz="1400" b="0" strike="noStrike" spc="-1">
+              <a:latin typeface="Times New Roman" panose="02020603050405020304"/>
             </a:endParaRPr>
           </a:p>
         </p:txBody>
@@ -21257,40 +21593,45 @@
           </a:bodyPr>
           <a:lstStyle>
             <a:lvl1pPr>
-              <a:defRPr b="0" lang="pt-BR" sz="2400" spc="-1" strike="noStrike">
-                <a:latin typeface="Times New Roman"/>
+              <a:defRPr lang="pt-BR" sz="2400" b="0" strike="noStrike" spc="-1">
+                <a:latin typeface="Times New Roman" panose="02020603050405020304"/>
               </a:defRPr>
             </a:lvl1pPr>
           </a:lstStyle>
           <a:p>
-            <a:endParaRPr b="0" lang="pt-BR" sz="2400" spc="-1" strike="noStrike">
-              <a:latin typeface="Times New Roman"/>
+            <a:endParaRPr lang="pt-BR" sz="2400" b="0" strike="noStrike" spc="-1">
+              <a:latin typeface="Times New Roman" panose="02020603050405020304"/>
             </a:endParaRPr>
           </a:p>
         </p:txBody>
       </p:sp>
     </p:spTree>
   </p:cSld>
-  <p:clrMap bg1="lt1" bg2="lt2" tx1="dk1" tx2="dk2" accent1="accent1" accent2="accent2" accent3="accent3" accent4="accent4" accent5="accent5" accent6="accent6" hlink="hlink" folHlink="folHlink"/>
+  <p:clrMap bg1="lt1" tx1="dk1" bg2="lt2" tx2="dk2" accent1="accent1" accent2="accent2" accent3="accent3" accent4="accent4" accent5="accent5" accent6="accent6" hlink="hlink" folHlink="folHlink"/>
   <p:sldLayoutIdLst>
-    <p:sldLayoutId id="2147483662" r:id="rId2"/>
-    <p:sldLayoutId id="2147483663" r:id="rId3"/>
-    <p:sldLayoutId id="2147483664" r:id="rId4"/>
-    <p:sldLayoutId id="2147483665" r:id="rId5"/>
-    <p:sldLayoutId id="2147483666" r:id="rId6"/>
-    <p:sldLayoutId id="2147483667" r:id="rId7"/>
-    <p:sldLayoutId id="2147483668" r:id="rId8"/>
-    <p:sldLayoutId id="2147483669" r:id="rId9"/>
-    <p:sldLayoutId id="2147483670" r:id="rId10"/>
-    <p:sldLayoutId id="2147483671" r:id="rId11"/>
-    <p:sldLayoutId id="2147483672" r:id="rId12"/>
-    <p:sldLayoutId id="2147483673" r:id="rId13"/>
+    <p:sldLayoutId id="2147483662" r:id="rId1"/>
+    <p:sldLayoutId id="2147483663" r:id="rId2"/>
+    <p:sldLayoutId id="2147483664" r:id="rId3"/>
+    <p:sldLayoutId id="2147483665" r:id="rId4"/>
+    <p:sldLayoutId id="2147483666" r:id="rId5"/>
+    <p:sldLayoutId id="2147483667" r:id="rId6"/>
+    <p:sldLayoutId id="2147483668" r:id="rId7"/>
+    <p:sldLayoutId id="2147483669" r:id="rId8"/>
+    <p:sldLayoutId id="2147483670" r:id="rId9"/>
+    <p:sldLayoutId id="2147483671" r:id="rId10"/>
+    <p:sldLayoutId id="2147483672" r:id="rId11"/>
+    <p:sldLayoutId id="2147483673" r:id="rId12"/>
   </p:sldLayoutIdLst>
+  <p:txStyles>
+    <p:titleStyle/>
+    <p:bodyStyle/>
+    <p:otherStyle/>
+  </p:txStyles>
 </p:sldMaster>
 </file>
 
 <file path=ppt/slides/slide1.xml><?xml version="1.0" encoding="utf-8"?>
-<p:sld xmlns:a="http://schemas.openxmlformats.org/drawingml/2006/main" xmlns:p="http://schemas.openxmlformats.org/presentationml/2006/main" xmlns:r="http://schemas.openxmlformats.org/officeDocument/2006/relationships" xmlns:p14="http://schemas.microsoft.com/office/powerpoint/2010/main" xmlns:p15="http://schemas.microsoft.com/office/powerpoint/2012/main" xmlns:mc="http://schemas.openxmlformats.org/markup-compatibility/2006">
+<p:sld xmlns:a="http://schemas.openxmlformats.org/drawingml/2006/main" xmlns:r="http://schemas.openxmlformats.org/officeDocument/2006/relationships" xmlns:p="http://schemas.openxmlformats.org/presentationml/2006/main">
   <p:cSld>
     <p:spTree>
       <p:nvGrpSpPr>
@@ -21330,7 +21671,7 @@
           </a:ln>
         </p:spPr>
         <p:txBody>
-          <a:bodyPr lIns="90000" rIns="90000" tIns="45000" bIns="45000" anchor="ctr">
+          <a:bodyPr lIns="90000" tIns="45000" rIns="90000" bIns="45000" anchor="ctr">
             <a:noAutofit/>
           </a:bodyPr>
           <a:p>
@@ -21341,20 +21682,20 @@
               <a:buNone/>
             </a:pPr>
             <a:r>
-              <a:rPr b="0" lang="pt-BR" sz="3600" spc="-1" strike="noStrike">
+              <a:rPr lang="pt-BR" sz="3600" b="0" strike="noStrike" spc="-1">
                 <a:solidFill>
-                  <a:srgbClr val="ffffff"/>
+                  <a:srgbClr val="FFFFFF"/>
                 </a:solidFill>
-                <a:latin typeface="Arial"/>
-                <a:ea typeface="SimSun"/>
+                <a:latin typeface="Arial" panose="020B0604020202020204"/>
+                <a:ea typeface="SimSun" panose="02010600030101010101" pitchFamily="2" charset="-122"/>
               </a:rPr>
               <a:t>Bem Vindos !!</a:t>
             </a:r>
-            <a:endParaRPr b="0" lang="en-US" sz="3600" spc="-1" strike="noStrike">
+            <a:endParaRPr lang="en-US" sz="3600" b="0" strike="noStrike" spc="-1">
               <a:solidFill>
-                <a:srgbClr val="ffffff"/>
+                <a:srgbClr val="FFFFFF"/>
               </a:solidFill>
-              <a:latin typeface="Arial"/>
+              <a:latin typeface="Arial" panose="020B0604020202020204"/>
             </a:endParaRPr>
           </a:p>
         </p:txBody>
@@ -21383,7 +21724,7 @@
           </a:ln>
         </p:spPr>
         <p:txBody>
-          <a:bodyPr lIns="90000" rIns="90000" tIns="45000" bIns="45000" anchor="ctr" anchorCtr="1">
+          <a:bodyPr lIns="90000" tIns="45000" rIns="90000" bIns="45000" anchor="ctr" anchorCtr="1">
             <a:noAutofit/>
           </a:bodyPr>
           <a:p>
@@ -21392,33 +21733,36 @@
                 <a:spcPct val="100000"/>
               </a:lnSpc>
               <a:spcBef>
-                <a:spcPts val="641"/>
+                <a:spcPts val="640"/>
               </a:spcBef>
               <a:buNone/>
               <a:tabLst>
-                <a:tab algn="l" pos="0"/>
+                <a:tab pos="0" algn="l"/>
               </a:tabLst>
             </a:pPr>
             <a:r>
-              <a:rPr b="0" lang="pt-BR" sz="3200" spc="-1" strike="noStrike">
+              <a:rPr lang="pt-BR" sz="3200" b="0" strike="noStrike" spc="-1">
                 <a:solidFill>
-                  <a:srgbClr val="ffffff"/>
+                  <a:srgbClr val="FFFFFF"/>
                 </a:solidFill>
-                <a:latin typeface="Arial"/>
-                <a:ea typeface="SimSun"/>
+                <a:latin typeface="Arial" panose="020B0604020202020204"/>
+                <a:ea typeface="SimSun" panose="02010600030101010101" pitchFamily="2" charset="-122"/>
               </a:rPr>
               <a:t>Édio de Melo Pereira</a:t>
             </a:r>
-            <a:endParaRPr b="0" lang="pt-BR" sz="3200" spc="-1" strike="noStrike">
-              <a:latin typeface="Arial"/>
+            <a:endParaRPr lang="pt-BR" sz="3200" b="0" strike="noStrike" spc="-1">
+              <a:latin typeface="Arial" panose="020B0604020202020204"/>
             </a:endParaRPr>
           </a:p>
         </p:txBody>
       </p:sp>
     </p:spTree>
   </p:cSld>
-  <mc:AlternateContent>
-    <mc:Choice Requires="p14">
+  <p:clrMapOvr>
+    <a:masterClrMapping/>
+  </p:clrMapOvr>
+  <mc:AlternateContent xmlns:mc="http://schemas.openxmlformats.org/markup-compatibility/2006">
+    <mc:Choice xmlns:p14="http://schemas.microsoft.com/office/powerpoint/2010/main" Requires="p14">
       <p:transition spd="slow" p14:dur="2000"/>
     </mc:Choice>
     <mc:Fallback>
@@ -21429,7 +21773,7 @@
 </file>
 
 <file path=ppt/slides/slide2.xml><?xml version="1.0" encoding="utf-8"?>
-<p:sld xmlns:a="http://schemas.openxmlformats.org/drawingml/2006/main" xmlns:p="http://schemas.openxmlformats.org/presentationml/2006/main" xmlns:r="http://schemas.openxmlformats.org/officeDocument/2006/relationships" xmlns:p14="http://schemas.microsoft.com/office/powerpoint/2010/main" xmlns:p15="http://schemas.microsoft.com/office/powerpoint/2012/main" xmlns:mc="http://schemas.openxmlformats.org/markup-compatibility/2006">
+<p:sld xmlns:a="http://schemas.openxmlformats.org/drawingml/2006/main" xmlns:r="http://schemas.openxmlformats.org/officeDocument/2006/relationships" xmlns:p="http://schemas.openxmlformats.org/presentationml/2006/main">
   <p:cSld>
     <p:spTree>
       <p:nvGrpSpPr>
@@ -21469,7 +21813,7 @@
           </a:ln>
         </p:spPr>
         <p:txBody>
-          <a:bodyPr lIns="90000" rIns="90000" tIns="45000" bIns="45000" anchor="ctr">
+          <a:bodyPr lIns="90000" tIns="45000" rIns="90000" bIns="45000" anchor="ctr">
             <a:noAutofit/>
           </a:bodyPr>
           <a:p>
@@ -21480,20 +21824,20 @@
               <a:buNone/>
             </a:pPr>
             <a:r>
-              <a:rPr b="0" lang="pt-BR" sz="3600" spc="-1" strike="noStrike">
+              <a:rPr lang="pt-BR" sz="3600" b="0" strike="noStrike" spc="-1">
                 <a:solidFill>
-                  <a:srgbClr val="ffffff"/>
+                  <a:srgbClr val="FFFFFF"/>
                 </a:solidFill>
-                <a:latin typeface="Arial"/>
-                <a:ea typeface="SimSun"/>
+                <a:latin typeface="Arial" panose="020B0604020202020204"/>
+                <a:ea typeface="SimSun" panose="02010600030101010101" pitchFamily="2" charset="-122"/>
               </a:rPr>
               <a:t>Plataformas Inteligentes</a:t>
             </a:r>
-            <a:endParaRPr b="0" lang="en-US" sz="3600" spc="-1" strike="noStrike">
+            <a:endParaRPr lang="en-US" sz="3600" b="0" strike="noStrike" spc="-1">
               <a:solidFill>
-                <a:srgbClr val="ffffff"/>
+                <a:srgbClr val="FFFFFF"/>
               </a:solidFill>
-              <a:latin typeface="Arial"/>
+              <a:latin typeface="Arial" panose="020B0604020202020204"/>
             </a:endParaRPr>
           </a:p>
         </p:txBody>
@@ -21522,273 +21866,276 @@
           </a:ln>
         </p:spPr>
         <p:txBody>
-          <a:bodyPr lIns="90000" rIns="90000" tIns="45000" bIns="45000" anchor="t">
+          <a:bodyPr lIns="90000" tIns="45000" rIns="90000" bIns="45000" anchor="t">
             <a:noAutofit/>
           </a:bodyPr>
           <a:p>
-            <a:pPr marL="343080" indent="-343080">
+            <a:pPr marL="342900" indent="-342900">
               <a:lnSpc>
                 <a:spcPct val="100000"/>
               </a:lnSpc>
               <a:spcBef>
-                <a:spcPts val="641"/>
+                <a:spcPts val="640"/>
               </a:spcBef>
               <a:buClr>
-                <a:srgbClr val="ffffff"/>
+                <a:srgbClr val="FFFFFF"/>
               </a:buClr>
-              <a:buFont typeface="Symbol" charset="2"/>
+              <a:buFont typeface="Symbol" panose="05050102010706020507" charset="2"/>
               <a:buChar char=""/>
             </a:pPr>
             <a:r>
-              <a:rPr b="0" lang="pt-BR" sz="3200" spc="-1" strike="noStrike">
+              <a:rPr lang="pt-BR" sz="3200" b="0" strike="noStrike" spc="-1">
                 <a:solidFill>
-                  <a:srgbClr val="ffffff"/>
+                  <a:srgbClr val="FFFFFF"/>
                 </a:solidFill>
-                <a:latin typeface="Arial"/>
-                <a:ea typeface="SimSun"/>
+                <a:latin typeface="Arial" panose="020B0604020202020204"/>
+                <a:ea typeface="SimSun" panose="02010600030101010101" pitchFamily="2" charset="-122"/>
               </a:rPr>
               <a:t>Digitalização da Informação</a:t>
             </a:r>
-            <a:endParaRPr b="0" lang="en-US" sz="3200" spc="-1" strike="noStrike">
+            <a:endParaRPr lang="en-US" sz="3200" b="0" strike="noStrike" spc="-1">
               <a:solidFill>
-                <a:srgbClr val="ffffff"/>
+                <a:srgbClr val="FFFFFF"/>
               </a:solidFill>
-              <a:latin typeface="Arial"/>
+              <a:latin typeface="Arial" panose="020B0604020202020204"/>
             </a:endParaRPr>
           </a:p>
           <a:p>
-            <a:pPr marL="343080" indent="-343080">
+            <a:pPr marL="342900" indent="-342900">
               <a:lnSpc>
                 <a:spcPct val="100000"/>
               </a:lnSpc>
               <a:spcBef>
-                <a:spcPts val="641"/>
+                <a:spcPts val="640"/>
               </a:spcBef>
               <a:buClr>
-                <a:srgbClr val="ffffff"/>
+                <a:srgbClr val="FFFFFF"/>
               </a:buClr>
-              <a:buFont typeface="Symbol" charset="2"/>
+              <a:buFont typeface="Symbol" panose="05050102010706020507" charset="2"/>
               <a:buChar char=""/>
             </a:pPr>
             <a:r>
-              <a:rPr b="0" lang="pt-BR" sz="3200" spc="-1" strike="noStrike">
+              <a:rPr lang="pt-BR" sz="3200" b="0" strike="noStrike" spc="-1">
                 <a:solidFill>
-                  <a:srgbClr val="ffffff"/>
+                  <a:srgbClr val="FFFFFF"/>
                 </a:solidFill>
-                <a:latin typeface="Arial"/>
-                <a:ea typeface="SimSun"/>
+                <a:latin typeface="Arial" panose="020B0604020202020204"/>
+                <a:ea typeface="SimSun" panose="02010600030101010101" pitchFamily="2" charset="-122"/>
               </a:rPr>
               <a:t>Cibercultura</a:t>
             </a:r>
-            <a:endParaRPr b="0" lang="en-US" sz="3200" spc="-1" strike="noStrike">
+            <a:endParaRPr lang="en-US" sz="3200" b="0" strike="noStrike" spc="-1">
               <a:solidFill>
-                <a:srgbClr val="ffffff"/>
+                <a:srgbClr val="FFFFFF"/>
               </a:solidFill>
-              <a:latin typeface="Arial"/>
+              <a:latin typeface="Arial" panose="020B0604020202020204"/>
             </a:endParaRPr>
           </a:p>
           <a:p>
-            <a:pPr marL="343080" indent="-343080">
+            <a:pPr marL="342900" indent="-342900">
               <a:lnSpc>
                 <a:spcPct val="100000"/>
               </a:lnSpc>
               <a:spcBef>
-                <a:spcPts val="641"/>
+                <a:spcPts val="640"/>
               </a:spcBef>
               <a:buClr>
-                <a:srgbClr val="ffffff"/>
+                <a:srgbClr val="FFFFFF"/>
               </a:buClr>
-              <a:buFont typeface="Symbol" charset="2"/>
+              <a:buFont typeface="Symbol" panose="05050102010706020507" charset="2"/>
               <a:buChar char=""/>
             </a:pPr>
             <a:r>
-              <a:rPr b="0" lang="pt-BR" sz="3200" spc="-1" strike="noStrike">
+              <a:rPr lang="pt-BR" sz="3200" b="0" strike="noStrike" spc="-1">
                 <a:solidFill>
-                  <a:srgbClr val="ffffff"/>
+                  <a:srgbClr val="FFFFFF"/>
                 </a:solidFill>
-                <a:latin typeface="Arial"/>
-                <a:ea typeface="SimSun"/>
+                <a:latin typeface="Arial" panose="020B0604020202020204"/>
+                <a:ea typeface="SimSun" panose="02010600030101010101" pitchFamily="2" charset="-122"/>
               </a:rPr>
               <a:t> </a:t>
             </a:r>
             <a:r>
-              <a:rPr b="0" lang="pt-BR" sz="3200" spc="-1" strike="noStrike">
+              <a:rPr lang="pt-BR" sz="3200" b="0" strike="noStrike" spc="-1">
                 <a:solidFill>
-                  <a:srgbClr val="ffffff"/>
+                  <a:srgbClr val="FFFFFF"/>
                 </a:solidFill>
-                <a:latin typeface="Arial"/>
-                <a:ea typeface="SimSun"/>
+                <a:latin typeface="Arial" panose="020B0604020202020204"/>
+                <a:ea typeface="SimSun" panose="02010600030101010101" pitchFamily="2" charset="-122"/>
               </a:rPr>
               <a:t>Redes Sociais</a:t>
             </a:r>
-            <a:endParaRPr b="0" lang="en-US" sz="3200" spc="-1" strike="noStrike">
+            <a:endParaRPr lang="en-US" sz="3200" b="0" strike="noStrike" spc="-1">
               <a:solidFill>
-                <a:srgbClr val="ffffff"/>
+                <a:srgbClr val="FFFFFF"/>
               </a:solidFill>
-              <a:latin typeface="Arial"/>
+              <a:latin typeface="Arial" panose="020B0604020202020204"/>
             </a:endParaRPr>
           </a:p>
           <a:p>
-            <a:pPr marL="343080" indent="-343080">
+            <a:pPr marL="342900" indent="-342900">
               <a:lnSpc>
                 <a:spcPct val="100000"/>
               </a:lnSpc>
               <a:spcBef>
-                <a:spcPts val="641"/>
+                <a:spcPts val="640"/>
               </a:spcBef>
               <a:buClr>
-                <a:srgbClr val="ffffff"/>
+                <a:srgbClr val="FFFFFF"/>
               </a:buClr>
-              <a:buFont typeface="Symbol" charset="2"/>
+              <a:buFont typeface="Symbol" panose="05050102010706020507" charset="2"/>
               <a:buChar char=""/>
             </a:pPr>
             <a:r>
-              <a:rPr b="0" lang="pt-BR" sz="3200" spc="-1" strike="noStrike">
+              <a:rPr lang="pt-BR" sz="3200" b="0" strike="noStrike" spc="-1">
                 <a:solidFill>
-                  <a:srgbClr val="ffffff"/>
+                  <a:srgbClr val="FFFFFF"/>
                 </a:solidFill>
-                <a:latin typeface="Arial"/>
-                <a:ea typeface="SimSun"/>
+                <a:latin typeface="Arial" panose="020B0604020202020204"/>
+                <a:ea typeface="SimSun" panose="02010600030101010101" pitchFamily="2" charset="-122"/>
               </a:rPr>
               <a:t>Dimensões da Comunicação Digital</a:t>
             </a:r>
-            <a:endParaRPr b="0" lang="en-US" sz="3200" spc="-1" strike="noStrike">
+            <a:endParaRPr lang="en-US" sz="3200" b="0" strike="noStrike" spc="-1">
               <a:solidFill>
-                <a:srgbClr val="ffffff"/>
+                <a:srgbClr val="FFFFFF"/>
               </a:solidFill>
-              <a:latin typeface="Arial"/>
+              <a:latin typeface="Arial" panose="020B0604020202020204"/>
             </a:endParaRPr>
           </a:p>
           <a:p>
-            <a:pPr marL="343080" indent="-343080">
+            <a:pPr marL="342900" indent="-342900">
               <a:lnSpc>
                 <a:spcPct val="100000"/>
               </a:lnSpc>
               <a:spcBef>
-                <a:spcPts val="641"/>
+                <a:spcPts val="640"/>
               </a:spcBef>
               <a:buClr>
-                <a:srgbClr val="ffffff"/>
+                <a:srgbClr val="FFFFFF"/>
               </a:buClr>
-              <a:buFont typeface="Symbol" charset="2"/>
+              <a:buFont typeface="Symbol" panose="05050102010706020507" charset="2"/>
               <a:buChar char=""/>
             </a:pPr>
             <a:r>
-              <a:rPr b="0" lang="pt-BR" sz="3200" spc="-1" strike="noStrike">
+              <a:rPr lang="pt-BR" sz="3200" b="0" strike="noStrike" spc="-1">
                 <a:solidFill>
-                  <a:srgbClr val="ffffff"/>
+                  <a:srgbClr val="FFFFFF"/>
                 </a:solidFill>
-                <a:latin typeface="Arial"/>
-                <a:ea typeface="SimSun"/>
+                <a:latin typeface="Arial" panose="020B0604020202020204"/>
+                <a:ea typeface="SimSun" panose="02010600030101010101" pitchFamily="2" charset="-122"/>
               </a:rPr>
               <a:t>Interação Mediada por Computador</a:t>
             </a:r>
-            <a:endParaRPr b="0" lang="en-US" sz="3200" spc="-1" strike="noStrike">
+            <a:endParaRPr lang="en-US" sz="3200" b="0" strike="noStrike" spc="-1">
               <a:solidFill>
-                <a:srgbClr val="ffffff"/>
+                <a:srgbClr val="FFFFFF"/>
               </a:solidFill>
-              <a:latin typeface="Arial"/>
+              <a:latin typeface="Arial" panose="020B0604020202020204"/>
             </a:endParaRPr>
           </a:p>
           <a:p>
-            <a:pPr marL="343080" indent="-343080">
+            <a:pPr marL="342900" indent="-342900">
               <a:lnSpc>
                 <a:spcPct val="100000"/>
               </a:lnSpc>
               <a:spcBef>
-                <a:spcPts val="641"/>
+                <a:spcPts val="640"/>
               </a:spcBef>
               <a:buClr>
-                <a:srgbClr val="ffffff"/>
+                <a:srgbClr val="FFFFFF"/>
               </a:buClr>
-              <a:buFont typeface="Symbol" charset="2"/>
+              <a:buFont typeface="Symbol" panose="05050102010706020507" charset="2"/>
               <a:buChar char=""/>
             </a:pPr>
             <a:r>
-              <a:rPr b="0" lang="pt-BR" sz="3200" spc="-1" strike="noStrike">
+              <a:rPr lang="pt-BR" sz="3200" b="0" strike="noStrike" spc="-1">
                 <a:solidFill>
-                  <a:srgbClr val="ffffff"/>
+                  <a:srgbClr val="FFFFFF"/>
                 </a:solidFill>
-                <a:latin typeface="Arial"/>
-                <a:ea typeface="SimSun"/>
+                <a:latin typeface="Arial" panose="020B0604020202020204"/>
+                <a:ea typeface="SimSun" panose="02010600030101010101" pitchFamily="2" charset="-122"/>
               </a:rPr>
               <a:t>Convergência das Mídias</a:t>
             </a:r>
-            <a:endParaRPr b="0" lang="en-US" sz="3200" spc="-1" strike="noStrike">
+            <a:endParaRPr lang="en-US" sz="3200" b="0" strike="noStrike" spc="-1">
               <a:solidFill>
-                <a:srgbClr val="ffffff"/>
+                <a:srgbClr val="FFFFFF"/>
               </a:solidFill>
-              <a:latin typeface="Arial"/>
+              <a:latin typeface="Arial" panose="020B0604020202020204"/>
             </a:endParaRPr>
           </a:p>
           <a:p>
-            <a:pPr marL="343080" indent="-343080">
+            <a:pPr marL="342900" indent="-342900">
               <a:lnSpc>
                 <a:spcPct val="100000"/>
               </a:lnSpc>
               <a:spcBef>
-                <a:spcPts val="641"/>
+                <a:spcPts val="640"/>
               </a:spcBef>
               <a:buClr>
-                <a:srgbClr val="ffffff"/>
+                <a:srgbClr val="FFFFFF"/>
               </a:buClr>
-              <a:buFont typeface="Symbol" charset="2"/>
+              <a:buFont typeface="Symbol" panose="05050102010706020507" charset="2"/>
               <a:buChar char=""/>
             </a:pPr>
             <a:r>
-              <a:rPr b="0" lang="pt-BR" sz="3200" spc="-1" strike="noStrike">
+              <a:rPr lang="pt-BR" sz="3200" b="0" strike="noStrike" spc="-1">
                 <a:solidFill>
-                  <a:srgbClr val="ffffff"/>
+                  <a:srgbClr val="FFFFFF"/>
                 </a:solidFill>
-                <a:latin typeface="Arial"/>
-                <a:ea typeface="SimSun"/>
+                <a:latin typeface="Arial" panose="020B0604020202020204"/>
+                <a:ea typeface="SimSun" panose="02010600030101010101" pitchFamily="2" charset="-122"/>
               </a:rPr>
               <a:t>Plataformas Digitais</a:t>
             </a:r>
-            <a:endParaRPr b="0" lang="en-US" sz="3200" spc="-1" strike="noStrike">
+            <a:endParaRPr lang="en-US" sz="3200" b="0" strike="noStrike" spc="-1">
               <a:solidFill>
-                <a:srgbClr val="ffffff"/>
+                <a:srgbClr val="FFFFFF"/>
               </a:solidFill>
-              <a:latin typeface="Arial"/>
+              <a:latin typeface="Arial" panose="020B0604020202020204"/>
             </a:endParaRPr>
           </a:p>
           <a:p>
-            <a:pPr marL="343080" indent="-343080">
+            <a:pPr marL="342900" indent="-342900">
               <a:lnSpc>
                 <a:spcPct val="100000"/>
               </a:lnSpc>
               <a:spcBef>
-                <a:spcPts val="641"/>
+                <a:spcPts val="640"/>
               </a:spcBef>
               <a:buClr>
-                <a:srgbClr val="ffffff"/>
+                <a:srgbClr val="FFFFFF"/>
               </a:buClr>
-              <a:buFont typeface="Symbol" charset="2"/>
+              <a:buFont typeface="Symbol" panose="05050102010706020507" charset="2"/>
               <a:buChar char=""/>
             </a:pPr>
             <a:r>
-              <a:rPr b="0" lang="pt-BR" sz="3200" spc="-1" strike="noStrike">
+              <a:rPr lang="pt-BR" sz="3200" b="0" strike="noStrike" spc="-1">
                 <a:solidFill>
-                  <a:srgbClr val="ffffff"/>
+                  <a:srgbClr val="FFFFFF"/>
                 </a:solidFill>
-                <a:latin typeface="Arial"/>
-                <a:ea typeface="SimSun"/>
+                <a:latin typeface="Arial" panose="020B0604020202020204"/>
+                <a:ea typeface="SimSun" panose="02010600030101010101" pitchFamily="2" charset="-122"/>
               </a:rPr>
               <a:t>Hipertextualidade, Multimídia, Mobilidade e Ubiquidade. </a:t>
             </a:r>
-            <a:endParaRPr b="0" lang="en-US" sz="3200" spc="-1" strike="noStrike">
+            <a:endParaRPr lang="en-US" sz="3200" b="0" strike="noStrike" spc="-1">
               <a:solidFill>
-                <a:srgbClr val="ffffff"/>
+                <a:srgbClr val="FFFFFF"/>
               </a:solidFill>
-              <a:latin typeface="Arial"/>
+              <a:latin typeface="Arial" panose="020B0604020202020204"/>
             </a:endParaRPr>
           </a:p>
         </p:txBody>
       </p:sp>
     </p:spTree>
   </p:cSld>
-  <mc:AlternateContent>
-    <mc:Choice Requires="p14">
+  <p:clrMapOvr>
+    <a:masterClrMapping/>
+  </p:clrMapOvr>
+  <mc:AlternateContent xmlns:mc="http://schemas.openxmlformats.org/markup-compatibility/2006">
+    <mc:Choice xmlns:p14="http://schemas.microsoft.com/office/powerpoint/2010/main" Requires="p14">
       <p:transition spd="slow" p14:dur="2000"/>
     </mc:Choice>
     <mc:Fallback>
@@ -21799,7 +22146,7 @@
 </file>
 
 <file path=ppt/slides/slide3.xml><?xml version="1.0" encoding="utf-8"?>
-<p:sld xmlns:a="http://schemas.openxmlformats.org/drawingml/2006/main" xmlns:p="http://schemas.openxmlformats.org/presentationml/2006/main" xmlns:r="http://schemas.openxmlformats.org/officeDocument/2006/relationships" xmlns:p14="http://schemas.microsoft.com/office/powerpoint/2010/main" xmlns:p15="http://schemas.microsoft.com/office/powerpoint/2012/main" xmlns:mc="http://schemas.openxmlformats.org/markup-compatibility/2006">
+<p:sld xmlns:a="http://schemas.openxmlformats.org/drawingml/2006/main" xmlns:r="http://schemas.openxmlformats.org/officeDocument/2006/relationships" xmlns:p="http://schemas.openxmlformats.org/presentationml/2006/main">
   <p:cSld>
     <p:spTree>
       <p:nvGrpSpPr>
@@ -21839,7 +22186,7 @@
           </a:ln>
         </p:spPr>
         <p:txBody>
-          <a:bodyPr lIns="0" rIns="0" tIns="0" bIns="0" anchor="ctr">
+          <a:bodyPr lIns="0" tIns="0" rIns="0" bIns="0" anchor="ctr">
             <a:noAutofit/>
           </a:bodyPr>
           <a:p>
@@ -21848,33 +22195,147 @@
                 <a:spcPct val="100000"/>
               </a:lnSpc>
               <a:spcBef>
-                <a:spcPts val="641"/>
+                <a:spcPts val="640"/>
               </a:spcBef>
               <a:buNone/>
             </a:pPr>
             <a:r>
-              <a:rPr b="0" lang="pt-BR" sz="3200" spc="-1" strike="noStrike">
+              <a:rPr lang="pt-BR" sz="3200" b="0" strike="noStrike" spc="-1">
                 <a:solidFill>
-                  <a:srgbClr val="ffffff"/>
+                  <a:srgbClr val="FFFFFF"/>
                 </a:solidFill>
-                <a:latin typeface="Arial"/>
-                <a:ea typeface="SimSun"/>
+                <a:latin typeface="Arial" panose="020B0604020202020204"/>
+                <a:ea typeface="SimSun" panose="02010600030101010101" pitchFamily="2" charset="-122"/>
               </a:rPr>
               <a:t>Digitalização da Informação</a:t>
             </a:r>
-            <a:endParaRPr b="0" lang="en-US" sz="3200" spc="-1" strike="noStrike">
+            <a:endParaRPr lang="en-US" sz="3200" b="0" strike="noStrike" spc="-1">
               <a:solidFill>
-                <a:srgbClr val="ffffff"/>
+                <a:srgbClr val="FFFFFF"/>
               </a:solidFill>
-              <a:latin typeface="Arial"/>
+              <a:latin typeface="Arial" panose="020B0604020202020204"/>
+            </a:endParaRPr>
+          </a:p>
+        </p:txBody>
+      </p:sp>
+      <p:sp>
+        <p:nvSpPr>
+          <p:cNvPr id="3" name="Text Box 2"/>
+          <p:cNvSpPr txBox="1"/>
+          <p:nvPr/>
+        </p:nvSpPr>
+        <p:spPr>
+          <a:xfrm>
+            <a:off x="609600" y="1268730"/>
+            <a:ext cx="11376025" cy="4609465"/>
+          </a:xfrm>
+          <a:prstGeom prst="rect">
+            <a:avLst/>
+          </a:prstGeom>
+          <a:noFill/>
+        </p:spPr>
+        <p:txBody>
+          <a:bodyPr wrap="square" rtlCol="0">
+            <a:noAutofit/>
+          </a:bodyPr>
+          <a:p>
+            <a:r>
+              <a:rPr lang="en-US">
+                <a:solidFill>
+                  <a:schemeClr val="bg1"/>
+                </a:solidFill>
+              </a:rPr>
+              <a:t>A Digitalização da Informação é o processo pelo qual uma imagem ou sinal analógico é transformado em código digital1. Isso se dá através de um equipamento e software digitalizador de imagens (scanner), por exemplo, em um sistema de Gerenciamento Eletrônico de Documentos, conhecido como GED, ou em bancos de imagens ou áudio.</a:t>
+            </a:r>
+            <a:endParaRPr lang="en-US">
+              <a:solidFill>
+                <a:schemeClr val="bg1"/>
+              </a:solidFill>
+            </a:endParaRPr>
+          </a:p>
+          <a:p>
+            <a:endParaRPr lang="en-US">
+              <a:solidFill>
+                <a:schemeClr val="bg1"/>
+              </a:solidFill>
+            </a:endParaRPr>
+          </a:p>
+          <a:p>
+            <a:r>
+              <a:rPr lang="en-US">
+                <a:solidFill>
+                  <a:schemeClr val="bg1"/>
+                </a:solidFill>
+              </a:rPr>
+              <a:t>A digitalização é de importância fundamental para o processamento, armazenamento e transmissão de dados, porque permite que informações de todos os tipos e em todos os formatos sejam transportadas com a mesma eficiência e também mescladas.</a:t>
+            </a:r>
+            <a:endParaRPr lang="en-US">
+              <a:solidFill>
+                <a:schemeClr val="bg1"/>
+              </a:solidFill>
+            </a:endParaRPr>
+          </a:p>
+          <a:p>
+            <a:endParaRPr lang="en-US">
+              <a:solidFill>
+                <a:schemeClr val="bg1"/>
+              </a:solidFill>
+            </a:endParaRPr>
+          </a:p>
+          <a:p>
+            <a:r>
+              <a:rPr lang="en-US">
+                <a:solidFill>
+                  <a:schemeClr val="bg1"/>
+                </a:solidFill>
+              </a:rPr>
+              <a:t>A digitalização também compreende a conversão para o código digital de sinais de áudio e imagens em movimento (vídeos), originalmente em outros formatos.</a:t>
+            </a:r>
+            <a:endParaRPr lang="en-US">
+              <a:solidFill>
+                <a:schemeClr val="bg1"/>
+              </a:solidFill>
+            </a:endParaRPr>
+          </a:p>
+          <a:p>
+            <a:endParaRPr lang="en-US">
+              <a:solidFill>
+                <a:schemeClr val="bg1"/>
+              </a:solidFill>
+            </a:endParaRPr>
+          </a:p>
+          <a:p>
+            <a:r>
+              <a:rPr lang="en-US">
+                <a:solidFill>
+                  <a:schemeClr val="bg1"/>
+                </a:solidFill>
+              </a:rPr>
+              <a:t>Além disso, a digitalização é um processo corporativo que acontece globalmente nos últimos anos. Com investimentos em tecnologia e inovação, empresas se voltam para sua TI em busca das soluções necessárias para rotinas eficientes e aumento da qualidade de entrega</a:t>
+            </a:r>
+            <a:r>
+              <a:rPr lang="pt-BR" altLang="en-US">
+                <a:solidFill>
+                  <a:schemeClr val="bg1"/>
+                </a:solidFill>
+              </a:rPr>
+              <a:t>.</a:t>
+            </a:r>
+            <a:endParaRPr lang="pt-BR" altLang="en-US">
+              <a:solidFill>
+                <a:schemeClr val="bg1"/>
+              </a:solidFill>
             </a:endParaRPr>
           </a:p>
         </p:txBody>
       </p:sp>
     </p:spTree>
   </p:cSld>
-  <mc:AlternateContent>
-    <mc:Choice Requires="p14">
+  <p:clrMapOvr>
+    <a:masterClrMapping/>
+  </p:clrMapOvr>
+  <mc:AlternateContent xmlns:mc="http://schemas.openxmlformats.org/markup-compatibility/2006">
+    <mc:Choice xmlns:p14="http://schemas.microsoft.com/office/powerpoint/2010/main" Requires="p14">
       <p:transition spd="slow" p14:dur="2000"/>
     </mc:Choice>
     <mc:Fallback>
@@ -21885,7 +22346,122 @@
 </file>
 
 <file path=ppt/slides/slide4.xml><?xml version="1.0" encoding="utf-8"?>
-<p:sld xmlns:a="http://schemas.openxmlformats.org/drawingml/2006/main" xmlns:p="http://schemas.openxmlformats.org/presentationml/2006/main" xmlns:r="http://schemas.openxmlformats.org/officeDocument/2006/relationships" xmlns:p14="http://schemas.microsoft.com/office/powerpoint/2010/main" xmlns:p15="http://schemas.microsoft.com/office/powerpoint/2012/main" xmlns:mc="http://schemas.openxmlformats.org/markup-compatibility/2006">
+<p:sld xmlns:a="http://schemas.openxmlformats.org/drawingml/2006/main" xmlns:r="http://schemas.openxmlformats.org/officeDocument/2006/relationships" xmlns:p="http://schemas.openxmlformats.org/presentationml/2006/main">
+  <p:cSld>
+    <p:spTree>
+      <p:nvGrpSpPr>
+        <p:cNvPr id="1" name=""/>
+        <p:cNvGrpSpPr/>
+        <p:nvPr/>
+      </p:nvGrpSpPr>
+      <p:grpSpPr/>
+      <p:pic>
+        <p:nvPicPr>
+          <p:cNvPr id="6" name="Picture 5" descr="digitalizacao-de-processos"/>
+          <p:cNvPicPr>
+            <a:picLocks noChangeAspect="1"/>
+          </p:cNvPicPr>
+          <p:nvPr/>
+        </p:nvPicPr>
+        <p:blipFill>
+          <a:blip r:embed="rId1"/>
+          <a:stretch>
+            <a:fillRect/>
+          </a:stretch>
+        </p:blipFill>
+        <p:spPr>
+          <a:xfrm>
+            <a:off x="571500" y="314325"/>
+            <a:ext cx="11049000" cy="6229350"/>
+          </a:xfrm>
+          <a:prstGeom prst="rect">
+            <a:avLst/>
+          </a:prstGeom>
+        </p:spPr>
+      </p:pic>
+    </p:spTree>
+  </p:cSld>
+  <p:clrMapOvr>
+    <a:masterClrMapping/>
+  </p:clrMapOvr>
+</p:sld>
+</file>
+
+<file path=ppt/slides/slide5.xml><?xml version="1.0" encoding="utf-8"?>
+<p:sld xmlns:a="http://schemas.openxmlformats.org/drawingml/2006/main" xmlns:r="http://schemas.openxmlformats.org/officeDocument/2006/relationships" xmlns:p="http://schemas.openxmlformats.org/presentationml/2006/main">
+  <p:cSld>
+    <p:spTree>
+      <p:nvGrpSpPr>
+        <p:cNvPr id="1" name=""/>
+        <p:cNvGrpSpPr/>
+        <p:nvPr/>
+      </p:nvGrpSpPr>
+      <p:grpSpPr/>
+      <p:sp>
+        <p:nvSpPr>
+          <p:cNvPr id="2" name="Title 1"/>
+          <p:cNvSpPr>
+            <a:spLocks noGrp="1"/>
+          </p:cNvSpPr>
+          <p:nvPr>
+            <p:ph type="title"/>
+          </p:nvPr>
+        </p:nvSpPr>
+        <p:spPr/>
+        <p:txBody>
+          <a:bodyPr/>
+          <a:p>
+            <a:r>
+              <a:rPr lang="pt-BR" sz="3600" b="0" strike="noStrike">
+                <a:solidFill>
+                  <a:srgbClr val="FFFFFF"/>
+                </a:solidFill>
+                <a:latin typeface="Arial" panose="020B0604020202020204"/>
+                <a:ea typeface="SimSun" panose="02010600030101010101" pitchFamily="2" charset="-122"/>
+                <a:sym typeface="+mn-ea"/>
+              </a:rPr>
+              <a:t>Cibercultura</a:t>
+            </a:r>
+            <a:endParaRPr lang="pt-BR" sz="3600" b="0" strike="noStrike">
+              <a:solidFill>
+                <a:srgbClr val="FFFFFF"/>
+              </a:solidFill>
+              <a:latin typeface="Arial" panose="020B0604020202020204"/>
+              <a:ea typeface="SimSun" panose="02010600030101010101" pitchFamily="2" charset="-122"/>
+              <a:sym typeface="+mn-ea"/>
+            </a:endParaRPr>
+          </a:p>
+        </p:txBody>
+      </p:sp>
+      <p:sp>
+        <p:nvSpPr>
+          <p:cNvPr id="3" name="Subtitle 2"/>
+          <p:cNvSpPr>
+            <a:spLocks noGrp="1"/>
+          </p:cNvSpPr>
+          <p:nvPr>
+            <p:ph type="subTitle"/>
+          </p:nvPr>
+        </p:nvSpPr>
+        <p:spPr/>
+        <p:txBody>
+          <a:bodyPr/>
+          <a:p>
+            <a:pPr lvl="1"/>
+            <a:endParaRPr lang="en-US"/>
+          </a:p>
+        </p:txBody>
+      </p:sp>
+    </p:spTree>
+  </p:cSld>
+  <p:clrMapOvr>
+    <a:masterClrMapping/>
+  </p:clrMapOvr>
+</p:sld>
+</file>
+
+<file path=ppt/slides/slide6.xml><?xml version="1.0" encoding="utf-8"?>
+<p:sld xmlns:a="http://schemas.openxmlformats.org/drawingml/2006/main" xmlns:r="http://schemas.openxmlformats.org/officeDocument/2006/relationships" xmlns:p="http://schemas.openxmlformats.org/presentationml/2006/main">
   <p:cSld>
     <p:spTree>
       <p:nvGrpSpPr>
@@ -21925,7 +22501,7 @@
           </a:ln>
         </p:spPr>
         <p:txBody>
-          <a:bodyPr lIns="90000" rIns="90000" tIns="45000" bIns="45000" anchor="ctr">
+          <a:bodyPr lIns="90000" tIns="45000" rIns="90000" bIns="45000" anchor="ctr">
             <a:noAutofit/>
           </a:bodyPr>
           <a:p>
@@ -21936,20 +22512,20 @@
               <a:buNone/>
             </a:pPr>
             <a:r>
-              <a:rPr b="0" lang="en-US" sz="2800" spc="-1" strike="noStrike">
+              <a:rPr lang="en-US" sz="2800" b="0" strike="noStrike" spc="-1">
                 <a:solidFill>
-                  <a:srgbClr val="ffffff"/>
+                  <a:srgbClr val="FFFFFF"/>
                 </a:solidFill>
-                <a:latin typeface="Arial"/>
-                <a:ea typeface="SimSun"/>
+                <a:latin typeface="Arial" panose="020B0604020202020204"/>
+                <a:ea typeface="SimSun" panose="02010600030101010101" pitchFamily="2" charset="-122"/>
               </a:rPr>
               <a:t>Demais Conteúdos</a:t>
             </a:r>
-            <a:endParaRPr b="0" lang="en-US" sz="2800" spc="-1" strike="noStrike">
+            <a:endParaRPr lang="en-US" sz="2800" b="0" strike="noStrike" spc="-1">
               <a:solidFill>
-                <a:srgbClr val="ffffff"/>
+                <a:srgbClr val="FFFFFF"/>
               </a:solidFill>
-              <a:latin typeface="Arial"/>
+              <a:latin typeface="Arial" panose="020B0604020202020204"/>
             </a:endParaRPr>
           </a:p>
         </p:txBody>
@@ -21978,145 +22554,259 @@
           </a:ln>
         </p:spPr>
         <p:txBody>
-          <a:bodyPr lIns="90000" rIns="90000" tIns="45000" bIns="45000" anchor="t">
+          <a:bodyPr lIns="90000" tIns="45000" rIns="90000" bIns="45000" anchor="t">
             <a:noAutofit/>
           </a:bodyPr>
           <a:p>
-            <a:pPr marL="343080" indent="-343080">
+            <a:pPr marL="342900" indent="-342900">
               <a:lnSpc>
                 <a:spcPct val="100000"/>
               </a:lnSpc>
               <a:spcBef>
-                <a:spcPts val="641"/>
+                <a:spcPts val="640"/>
               </a:spcBef>
               <a:buClr>
-                <a:srgbClr val="ffffff"/>
+                <a:srgbClr val="FFFFFF"/>
               </a:buClr>
-              <a:buFont typeface="Symbol" charset="2"/>
+              <a:buFont typeface="Symbol" panose="05050102010706020507" charset="2"/>
               <a:buChar char=""/>
             </a:pPr>
             <a:r>
-              <a:rPr b="0" lang="en-US" sz="3200" spc="-1" strike="noStrike">
+              <a:rPr lang="en-US" sz="3200" b="0" strike="noStrike" spc="-1">
                 <a:solidFill>
-                  <a:srgbClr val="ffffff"/>
+                  <a:srgbClr val="FFFFFF"/>
                 </a:solidFill>
-                <a:latin typeface="Arial"/>
+                <a:latin typeface="Arial" panose="020B0604020202020204"/>
               </a:rPr>
               <a:t>Empreendedorismo/ Startups </a:t>
             </a:r>
-            <a:endParaRPr b="0" lang="en-US" sz="3200" spc="-1" strike="noStrike">
+            <a:endParaRPr lang="en-US" sz="3200" b="0" strike="noStrike" spc="-1">
               <a:solidFill>
-                <a:srgbClr val="ffffff"/>
+                <a:srgbClr val="FFFFFF"/>
               </a:solidFill>
-              <a:latin typeface="Arial"/>
-              <a:ea typeface="SimSun"/>
+              <a:latin typeface="Arial" panose="020B0604020202020204"/>
+              <a:ea typeface="SimSun" panose="02010600030101010101" pitchFamily="2" charset="-122"/>
             </a:endParaRPr>
           </a:p>
           <a:p>
-            <a:pPr marL="343080" indent="-343080">
+            <a:pPr marL="342900" indent="-342900">
               <a:lnSpc>
                 <a:spcPct val="100000"/>
               </a:lnSpc>
               <a:spcBef>
-                <a:spcPts val="641"/>
+                <a:spcPts val="640"/>
               </a:spcBef>
               <a:buClr>
-                <a:srgbClr val="ffffff"/>
+                <a:srgbClr val="FFFFFF"/>
               </a:buClr>
-              <a:buFont typeface="Symbol" charset="2"/>
+              <a:buFont typeface="Symbol" panose="05050102010706020507" charset="2"/>
               <a:buChar char=""/>
             </a:pPr>
             <a:r>
-              <a:rPr b="0" lang="en-US" sz="3200" spc="-1" strike="noStrike">
+              <a:rPr lang="en-US" sz="3200" b="0" strike="noStrike" spc="-1">
                 <a:solidFill>
-                  <a:srgbClr val="ffffff"/>
+                  <a:srgbClr val="FFFFFF"/>
                 </a:solidFill>
-                <a:latin typeface="Arial"/>
+                <a:latin typeface="Arial" panose="020B0604020202020204"/>
               </a:rPr>
               <a:t>Processo e desenvolvimento de aplicações  </a:t>
             </a:r>
-            <a:endParaRPr b="0" lang="en-US" sz="3200" spc="-1" strike="noStrike">
+            <a:endParaRPr lang="en-US" sz="3200" b="0" strike="noStrike" spc="-1">
               <a:solidFill>
-                <a:srgbClr val="ffffff"/>
+                <a:srgbClr val="FFFFFF"/>
               </a:solidFill>
-              <a:latin typeface="Arial"/>
-              <a:ea typeface="SimSun"/>
+              <a:latin typeface="Arial" panose="020B0604020202020204"/>
+              <a:ea typeface="SimSun" panose="02010600030101010101" pitchFamily="2" charset="-122"/>
             </a:endParaRPr>
           </a:p>
           <a:p>
-            <a:pPr marL="343080" indent="-343080">
+            <a:pPr marL="342900" indent="-342900">
               <a:lnSpc>
                 <a:spcPct val="100000"/>
               </a:lnSpc>
               <a:spcBef>
-                <a:spcPts val="641"/>
+                <a:spcPts val="640"/>
               </a:spcBef>
               <a:buClr>
-                <a:srgbClr val="ffffff"/>
+                <a:srgbClr val="FFFFFF"/>
               </a:buClr>
-              <a:buFont typeface="Symbol" charset="2"/>
+              <a:buFont typeface="Symbol" panose="05050102010706020507" charset="2"/>
               <a:buChar char=""/>
             </a:pPr>
             <a:r>
-              <a:rPr b="0" lang="en-US" sz="3200" spc="-1" strike="noStrike">
+              <a:rPr lang="en-US" sz="3200" b="0" strike="noStrike" spc="-1">
                 <a:solidFill>
-                  <a:srgbClr val="ffffff"/>
+                  <a:srgbClr val="FFFFFF"/>
                 </a:solidFill>
-                <a:latin typeface="Arial"/>
+                <a:latin typeface="Arial" panose="020B0604020202020204"/>
               </a:rPr>
               <a:t>Arquiteturas nativas de sistemas operacionais e cross  </a:t>
             </a:r>
-            <a:endParaRPr b="0" lang="en-US" sz="3200" spc="-1" strike="noStrike">
+            <a:endParaRPr lang="en-US" sz="3200" b="0" strike="noStrike" spc="-1">
               <a:solidFill>
-                <a:srgbClr val="ffffff"/>
+                <a:srgbClr val="FFFFFF"/>
               </a:solidFill>
-              <a:latin typeface="Arial"/>
-              <a:ea typeface="SimSun"/>
+              <a:latin typeface="Arial" panose="020B0604020202020204"/>
+              <a:ea typeface="SimSun" panose="02010600030101010101" pitchFamily="2" charset="-122"/>
             </a:endParaRPr>
           </a:p>
           <a:p>
-            <a:pPr marL="343080" indent="-343080">
+            <a:pPr marL="342900" indent="-342900">
               <a:lnSpc>
                 <a:spcPct val="100000"/>
               </a:lnSpc>
               <a:spcBef>
-                <a:spcPts val="641"/>
+                <a:spcPts val="640"/>
               </a:spcBef>
               <a:buClr>
-                <a:srgbClr val="ffffff"/>
+                <a:srgbClr val="FFFFFF"/>
               </a:buClr>
-              <a:buFont typeface="Symbol" charset="2"/>
+              <a:buFont typeface="Symbol" panose="05050102010706020507" charset="2"/>
               <a:buChar char=""/>
             </a:pPr>
             <a:r>
-              <a:rPr b="0" lang="en-US" sz="3200" spc="-1" strike="noStrike">
+              <a:rPr lang="en-US" sz="3200" b="0" strike="noStrike" spc="-1">
                 <a:solidFill>
-                  <a:srgbClr val="ffffff"/>
+                  <a:srgbClr val="FFFFFF"/>
                 </a:solidFill>
-                <a:latin typeface="Arial"/>
+                <a:latin typeface="Arial" panose="020B0604020202020204"/>
               </a:rPr>
               <a:t>Desenvolvimento API cross</a:t>
             </a:r>
-            <a:endParaRPr b="0" lang="en-US" sz="3200" spc="-1" strike="noStrike">
+            <a:endParaRPr lang="en-US" sz="3200" b="0" strike="noStrike" spc="-1">
               <a:solidFill>
-                <a:srgbClr val="ffffff"/>
+                <a:srgbClr val="FFFFFF"/>
               </a:solidFill>
-              <a:latin typeface="Arial"/>
-              <a:ea typeface="SimSun"/>
+              <a:latin typeface="Arial" panose="020B0604020202020204"/>
+              <a:ea typeface="SimSun" panose="02010600030101010101" pitchFamily="2" charset="-122"/>
             </a:endParaRPr>
           </a:p>
         </p:txBody>
       </p:sp>
     </p:spTree>
   </p:cSld>
-  <mc:AlternateContent>
-    <mc:Choice Requires="p14">
+  <p:clrMapOvr>
+    <a:masterClrMapping/>
+  </p:clrMapOvr>
+  <mc:AlternateContent xmlns:mc="http://schemas.openxmlformats.org/markup-compatibility/2006">
+    <mc:Choice xmlns:p14="http://schemas.microsoft.com/office/powerpoint/2010/main" Requires="p14">
       <p:transition spd="slow" p14:dur="2000"/>
     </mc:Choice>
     <mc:Fallback>
       <p:transition spd="slow"/>
     </mc:Fallback>
   </mc:AlternateContent>
+</p:sld>
+</file>
+
+<file path=ppt/slides/slide7.xml><?xml version="1.0" encoding="utf-8"?>
+<p:sld xmlns:a="http://schemas.openxmlformats.org/drawingml/2006/main" xmlns:r="http://schemas.openxmlformats.org/officeDocument/2006/relationships" xmlns:p="http://schemas.openxmlformats.org/presentationml/2006/main">
+  <p:cSld>
+    <p:spTree>
+      <p:nvGrpSpPr>
+        <p:cNvPr id="1" name=""/>
+        <p:cNvGrpSpPr/>
+        <p:nvPr/>
+      </p:nvGrpSpPr>
+      <p:grpSpPr/>
+      <p:sp>
+        <p:nvSpPr>
+          <p:cNvPr id="2" name="Title 1"/>
+          <p:cNvSpPr>
+            <a:spLocks noGrp="1"/>
+          </p:cNvSpPr>
+          <p:nvPr>
+            <p:ph type="title"/>
+          </p:nvPr>
+        </p:nvSpPr>
+        <p:spPr/>
+        <p:txBody>
+          <a:bodyPr/>
+          <a:p>
+            <a:r>
+              <a:rPr lang="pt-BR" altLang="en-US" sz="3200">
+                <a:solidFill>
+                  <a:schemeClr val="bg1"/>
+                </a:solidFill>
+              </a:rPr>
+              <a:t>Referências</a:t>
+            </a:r>
+            <a:endParaRPr lang="pt-BR" altLang="en-US" sz="3200">
+              <a:solidFill>
+                <a:schemeClr val="bg1"/>
+              </a:solidFill>
+            </a:endParaRPr>
+          </a:p>
+        </p:txBody>
+      </p:sp>
+      <p:sp>
+        <p:nvSpPr>
+          <p:cNvPr id="3" name="Subtitle 2"/>
+          <p:cNvSpPr>
+            <a:spLocks noGrp="1"/>
+          </p:cNvSpPr>
+          <p:nvPr>
+            <p:ph type="subTitle"/>
+          </p:nvPr>
+        </p:nvSpPr>
+        <p:spPr/>
+        <p:txBody>
+          <a:bodyPr/>
+          <a:p>
+            <a:pPr marL="285750" indent="-285750">
+              <a:buFont typeface="Arial" panose="020B0604020202020204" pitchFamily="34" charset="0"/>
+              <a:buChar char="•"/>
+            </a:pPr>
+            <a:r>
+              <a:rPr lang="pt-BR" altLang="en-US">
+                <a:solidFill>
+                  <a:schemeClr val="bg1"/>
+                </a:solidFill>
+              </a:rPr>
+              <a:t>DIGITALIZAÇÃO DE DOCUMENTOS: recuperação e preservação da</a:t>
+            </a:r>
+            <a:endParaRPr lang="pt-BR" altLang="en-US">
+              <a:solidFill>
+                <a:schemeClr val="bg1"/>
+              </a:solidFill>
+            </a:endParaRPr>
+          </a:p>
+          <a:p>
+            <a:r>
+              <a:rPr lang="pt-BR" altLang="en-US">
+                <a:solidFill>
+                  <a:schemeClr val="bg1"/>
+                </a:solidFill>
+              </a:rPr>
+              <a:t>informação - PATRICIA GONÇALVES DIAS ROCHA: https://www.lume.ufrgs.br/bitstream/handle/10183/212466/001116179.pdf?sequence=1</a:t>
+            </a:r>
+            <a:endParaRPr lang="pt-BR" altLang="en-US">
+              <a:solidFill>
+                <a:schemeClr val="bg1"/>
+              </a:solidFill>
+            </a:endParaRPr>
+          </a:p>
+          <a:p>
+            <a:endParaRPr lang="pt-BR" altLang="en-US">
+              <a:solidFill>
+                <a:schemeClr val="bg1"/>
+              </a:solidFill>
+            </a:endParaRPr>
+          </a:p>
+          <a:p>
+            <a:endParaRPr lang="pt-BR" altLang="en-US">
+              <a:solidFill>
+                <a:schemeClr val="bg1"/>
+              </a:solidFill>
+            </a:endParaRPr>
+          </a:p>
+        </p:txBody>
+      </p:sp>
+    </p:spTree>
+  </p:cSld>
+  <p:clrMapOvr>
+    <a:masterClrMapping/>
+  </p:clrMapOvr>
 </p:sld>
 </file>
 
@@ -22131,31 +22821,31 @@
         <a:sysClr val="window" lastClr="FFFFFF"/>
       </a:lt1>
       <a:dk2>
-        <a:srgbClr val="779eff"/>
+        <a:srgbClr val="779EFF"/>
       </a:dk2>
       <a:lt2>
-        <a:srgbClr val="ffff00"/>
+        <a:srgbClr val="FFFF00"/>
       </a:lt2>
       <a:accent1>
-        <a:srgbClr val="33cccc"/>
+        <a:srgbClr val="33CCCC"/>
       </a:accent1>
       <a:accent2>
-        <a:srgbClr val="fffff7"/>
+        <a:srgbClr val="FFFFF7"/>
       </a:accent2>
       <a:accent3>
-        <a:srgbClr val="bdccff"/>
+        <a:srgbClr val="BDCCFF"/>
       </a:accent3>
       <a:accent4>
-        <a:srgbClr val="dadada"/>
+        <a:srgbClr val="DADADA"/>
       </a:accent4>
       <a:accent5>
-        <a:srgbClr val="ade2e2"/>
+        <a:srgbClr val="ADE2E2"/>
       </a:accent5>
       <a:accent6>
-        <a:srgbClr val="e7e7e0"/>
+        <a:srgbClr val="E7E7E0"/>
       </a:accent6>
       <a:hlink>
-        <a:srgbClr val="ff5050"/>
+        <a:srgbClr val="FF5050"/>
       </a:hlink>
       <a:folHlink>
         <a:srgbClr val="000099"/>
@@ -22343,6 +23033,11 @@
       </a:bgFillStyleLst>
     </a:fmtScheme>
   </a:themeElements>
+  <a:extLst>
+    <a:ext uri="{05A4C25C-085E-4340-85A3-A5531E510DB2}">
+      <thm15:themeFamily xmlns:thm15="http://schemas.microsoft.com/office/thememl/2012/main" name="Office Theme" id="{62F939B6-93AF-4DB8-9C6B-D6C7DFDC589F}" vid="{4A3C46E8-61CC-4603-A589-7422A47A8E4A}"/>
+    </a:ext>
+  </a:extLst>
 </a:theme>
 </file>
 
@@ -22357,31 +23052,31 @@
         <a:sysClr val="window" lastClr="FFFFFF"/>
       </a:lt1>
       <a:dk2>
-        <a:srgbClr val="779eff"/>
+        <a:srgbClr val="779EFF"/>
       </a:dk2>
       <a:lt2>
-        <a:srgbClr val="ffff00"/>
+        <a:srgbClr val="FFFF00"/>
       </a:lt2>
       <a:accent1>
-        <a:srgbClr val="33cccc"/>
+        <a:srgbClr val="33CCCC"/>
       </a:accent1>
       <a:accent2>
-        <a:srgbClr val="fffff7"/>
+        <a:srgbClr val="FFFFF7"/>
       </a:accent2>
       <a:accent3>
-        <a:srgbClr val="bdccff"/>
+        <a:srgbClr val="BDCCFF"/>
       </a:accent3>
       <a:accent4>
-        <a:srgbClr val="dadada"/>
+        <a:srgbClr val="DADADA"/>
       </a:accent4>
       <a:accent5>
-        <a:srgbClr val="ade2e2"/>
+        <a:srgbClr val="ADE2E2"/>
       </a:accent5>
       <a:accent6>
-        <a:srgbClr val="e7e7e0"/>
+        <a:srgbClr val="E7E7E0"/>
       </a:accent6>
       <a:hlink>
-        <a:srgbClr val="ff5050"/>
+        <a:srgbClr val="FF5050"/>
       </a:hlink>
       <a:folHlink>
         <a:srgbClr val="000099"/>
@@ -22569,5 +23264,10 @@
       </a:bgFillStyleLst>
     </a:fmtScheme>
   </a:themeElements>
+  <a:extLst>
+    <a:ext uri="{05A4C25C-085E-4340-85A3-A5531E510DB2}">
+      <thm15:themeFamily xmlns:thm15="http://schemas.microsoft.com/office/thememl/2012/main" name="Office Theme" id="{62F939B6-93AF-4DB8-9C6B-D6C7DFDC589F}" vid="{4A3C46E8-61CC-4603-A589-7422A47A8E4A}"/>
+    </a:ext>
+  </a:extLst>
 </a:theme>
 </file>